--- a/01_Uso de objetos Nativos/01_Conociendo a SQL Server/Conceptos base.pptx
+++ b/01_Uso de objetos Nativos/01_Conociendo a SQL Server/Conceptos base.pptx
@@ -17,23 +17,21 @@
     <p:sldMasterId id="2147483674" r:id="rId13"/>
   </p:sldMasterIdLst>
   <p:notesMasterIdLst>
-    <p:notesMasterId r:id="rId28"/>
+    <p:notesMasterId r:id="rId26"/>
   </p:notesMasterIdLst>
   <p:sldIdLst>
     <p:sldId id="259" r:id="rId14"/>
     <p:sldId id="263" r:id="rId15"/>
     <p:sldId id="300" r:id="rId16"/>
     <p:sldId id="293" r:id="rId17"/>
-    <p:sldId id="294" r:id="rId18"/>
-    <p:sldId id="295" r:id="rId19"/>
-    <p:sldId id="301" r:id="rId20"/>
-    <p:sldId id="302" r:id="rId21"/>
-    <p:sldId id="303" r:id="rId22"/>
-    <p:sldId id="296" r:id="rId23"/>
-    <p:sldId id="292" r:id="rId24"/>
-    <p:sldId id="298" r:id="rId25"/>
-    <p:sldId id="297" r:id="rId26"/>
-    <p:sldId id="299" r:id="rId27"/>
+    <p:sldId id="304" r:id="rId18"/>
+    <p:sldId id="305" r:id="rId19"/>
+    <p:sldId id="306" r:id="rId20"/>
+    <p:sldId id="307" r:id="rId21"/>
+    <p:sldId id="308" r:id="rId22"/>
+    <p:sldId id="309" r:id="rId23"/>
+    <p:sldId id="310" r:id="rId24"/>
+    <p:sldId id="299" r:id="rId25"/>
   </p:sldIdLst>
   <p:sldSz cx="12192000" cy="6858000"/>
   <p:notesSz cx="9144000" cy="6858000"/>
@@ -276,7 +274,7 @@
           <a:p>
             <a:fld id="{7C2A2C10-8C9F-9B42-9862-A5B84F1CAB8B}" type="datetimeFigureOut">
               <a:rPr lang="en-US" smtClean="0"/>
-              <a:t>10/9/2019</a:t>
+              <a:t>10/15/2019</a:t>
             </a:fld>
             <a:endParaRPr lang="en-US"/>
           </a:p>
@@ -434,7 +432,7 @@
           <a:p>
             <a:fld id="{BBB91E2F-405C-1745-A228-A66B56F37D3B}" type="slidenum">
               <a:rPr lang="en-US" smtClean="0"/>
-              <a:t>‹Nº›</a:t>
+              <a:t>‹#›</a:t>
             </a:fld>
             <a:endParaRPr lang="en-US"/>
           </a:p>
@@ -587,6 +585,154 @@
           <a:bodyPr/>
           <a:lstStyle/>
           <a:p>
+            <a:r>
+              <a:rPr lang="es-ES" sz="1200" b="0" i="0" kern="1200" dirty="0">
+                <a:solidFill>
+                  <a:schemeClr val="tx1"/>
+                </a:solidFill>
+                <a:effectLst/>
+                <a:latin typeface="+mn-lt"/>
+                <a:ea typeface="+mn-ea"/>
+                <a:cs typeface="+mn-cs"/>
+              </a:rPr>
+              <a:t>Cree aplicaciones modernas con el lenguaje de su preferencia, ya sea en los sistemas locales como en la nube, ahora en contenedores </a:t>
+            </a:r>
+            <a:r>
+              <a:rPr lang="es-ES" sz="1200" b="1" i="0" u="sng" kern="1200" dirty="0">
+                <a:solidFill>
+                  <a:schemeClr val="tx1"/>
+                </a:solidFill>
+                <a:effectLst/>
+                <a:latin typeface="+mn-lt"/>
+                <a:ea typeface="+mn-ea"/>
+                <a:cs typeface="+mn-cs"/>
+                <a:hlinkClick r:id="rId3"/>
+              </a:rPr>
+              <a:t>Windows,</a:t>
+            </a:r>
+            <a:r>
+              <a:rPr lang="es-ES" sz="1200" b="0" i="0" kern="1200" dirty="0">
+                <a:solidFill>
+                  <a:schemeClr val="tx1"/>
+                </a:solidFill>
+                <a:effectLst/>
+                <a:latin typeface="+mn-lt"/>
+                <a:ea typeface="+mn-ea"/>
+                <a:cs typeface="+mn-cs"/>
+              </a:rPr>
+              <a:t> Linux y Docker.</a:t>
+            </a:r>
+          </a:p>
+          <a:p>
+            <a:endParaRPr lang="es-ES" sz="1200" b="0" i="0" kern="1200" dirty="0">
+              <a:solidFill>
+                <a:schemeClr val="tx1"/>
+              </a:solidFill>
+              <a:effectLst/>
+              <a:latin typeface="+mn-lt"/>
+              <a:ea typeface="+mn-ea"/>
+              <a:cs typeface="+mn-cs"/>
+            </a:endParaRPr>
+          </a:p>
+          <a:p>
+            <a:r>
+              <a:rPr lang="es-ES" sz="1200" b="0" i="0" kern="1200" dirty="0">
+                <a:solidFill>
+                  <a:schemeClr val="tx1"/>
+                </a:solidFill>
+                <a:effectLst/>
+                <a:latin typeface="+mn-lt"/>
+                <a:ea typeface="+mn-ea"/>
+                <a:cs typeface="+mn-cs"/>
+              </a:rPr>
+              <a:t>escalabilidad, el rendimiento y la disponibilidad para el almacenamiento de datos y aplicaciones inteligentes de importancia crítica.</a:t>
+            </a:r>
+          </a:p>
+          <a:p>
+            <a:endParaRPr lang="es-ES" sz="1200" b="0" i="0" kern="1200" dirty="0">
+              <a:solidFill>
+                <a:schemeClr val="tx1"/>
+              </a:solidFill>
+              <a:effectLst/>
+              <a:latin typeface="+mn-lt"/>
+              <a:ea typeface="+mn-ea"/>
+              <a:cs typeface="+mn-cs"/>
+            </a:endParaRPr>
+          </a:p>
+          <a:p>
+            <a:pPr fontAlgn="base"/>
+            <a:r>
+              <a:rPr lang="es-ES" sz="1200" b="1" i="0" kern="1200" dirty="0">
+                <a:solidFill>
+                  <a:schemeClr val="tx1"/>
+                </a:solidFill>
+                <a:effectLst/>
+                <a:latin typeface="+mn-lt"/>
+                <a:ea typeface="+mn-ea"/>
+                <a:cs typeface="+mn-cs"/>
+              </a:rPr>
+              <a:t>La base de datos menos vulnerable</a:t>
+            </a:r>
+          </a:p>
+          <a:p>
+            <a:pPr fontAlgn="base"/>
+            <a:r>
+              <a:rPr lang="es-ES" sz="1200" b="0" i="0" kern="1200" dirty="0">
+                <a:solidFill>
+                  <a:schemeClr val="tx1"/>
+                </a:solidFill>
+                <a:effectLst/>
+                <a:latin typeface="+mn-lt"/>
+                <a:ea typeface="+mn-ea"/>
+                <a:cs typeface="+mn-cs"/>
+              </a:rPr>
+              <a:t>Proteja los datos en reposo y en movimiento con la base de datos menos vulnerable durante los últimos siete años en la base de datos de vulnerabilidades del instituto NIST</a:t>
+            </a:r>
+          </a:p>
+          <a:p>
+            <a:endParaRPr lang="en-US" dirty="0"/>
+          </a:p>
+          <a:p>
+            <a:r>
+              <a:rPr lang="es-ES" sz="1200" b="0" i="0" kern="1200" dirty="0">
+                <a:solidFill>
+                  <a:schemeClr val="tx1"/>
+                </a:solidFill>
+                <a:effectLst/>
+                <a:latin typeface="+mn-lt"/>
+                <a:ea typeface="+mn-ea"/>
+                <a:cs typeface="+mn-cs"/>
+              </a:rPr>
+              <a:t>Adquiera conocimientos transformadores para su negocio con el análisis en tiempo real hasta con un millón de predicciones por segundo</a:t>
+            </a:r>
+          </a:p>
+          <a:p>
+            <a:endParaRPr lang="es-ES" sz="1200" b="0" i="0" kern="1200" dirty="0">
+              <a:solidFill>
+                <a:schemeClr val="tx1"/>
+              </a:solidFill>
+              <a:effectLst/>
+              <a:latin typeface="+mn-lt"/>
+              <a:ea typeface="+mn-ea"/>
+              <a:cs typeface="+mn-cs"/>
+            </a:endParaRPr>
+          </a:p>
+          <a:p>
+            <a:pPr fontAlgn="base"/>
+            <a:r>
+              <a:rPr lang="es-ES" sz="1200" b="0" i="0" kern="1200" dirty="0">
+                <a:solidFill>
+                  <a:schemeClr val="tx1"/>
+                </a:solidFill>
+                <a:effectLst/>
+                <a:latin typeface="+mn-lt"/>
+                <a:ea typeface="+mn-ea"/>
+                <a:cs typeface="+mn-cs"/>
+              </a:rPr>
+              <a:t>Convierta los datos sin procesar en informes significativos, disponibles para cualquier dispositivo y a una cuarta parte del costo de otras soluciones de autoservicio.</a:t>
+            </a:r>
+          </a:p>
+          <a:p>
             <a:endParaRPr lang="en-US" dirty="0"/>
           </a:p>
         </p:txBody>
@@ -598,7 +744,7 @@
             <a:spLocks noGrp="1"/>
           </p:cNvSpPr>
           <p:nvPr>
-            <p:ph type="sldNum" sz="quarter" idx="10"/>
+            <p:ph type="sldNum" sz="quarter" idx="5"/>
           </p:nvPr>
         </p:nvSpPr>
         <p:spPr/>
@@ -608,7 +754,7 @@
           <a:p>
             <a:fld id="{BBB91E2F-405C-1745-A228-A66B56F37D3B}" type="slidenum">
               <a:rPr lang="en-US" smtClean="0"/>
-              <a:t>7</a:t>
+              <a:t>3</a:t>
             </a:fld>
             <a:endParaRPr lang="en-US"/>
           </a:p>
@@ -617,259 +763,7 @@
     </p:spTree>
     <p:extLst>
       <p:ext uri="{BB962C8B-B14F-4D97-AF65-F5344CB8AC3E}">
-        <p14:creationId xmlns:p14="http://schemas.microsoft.com/office/powerpoint/2010/main" val="1533502573"/>
-      </p:ext>
-    </p:extLst>
-  </p:cSld>
-  <p:clrMapOvr>
-    <a:masterClrMapping/>
-  </p:clrMapOvr>
-</p:notes>
-</file>
-
-<file path=ppt/notesSlides/notesSlide2.xml><?xml version="1.0" encoding="utf-8"?>
-<p:notes xmlns:a="http://schemas.openxmlformats.org/drawingml/2006/main" xmlns:r="http://schemas.openxmlformats.org/officeDocument/2006/relationships" xmlns:p="http://schemas.openxmlformats.org/presentationml/2006/main">
-  <p:cSld>
-    <p:spTree>
-      <p:nvGrpSpPr>
-        <p:cNvPr id="1" name=""/>
-        <p:cNvGrpSpPr/>
-        <p:nvPr/>
-      </p:nvGrpSpPr>
-      <p:grpSpPr>
-        <a:xfrm>
-          <a:off x="0" y="0"/>
-          <a:ext cx="0" cy="0"/>
-          <a:chOff x="0" y="0"/>
-          <a:chExt cx="0" cy="0"/>
-        </a:xfrm>
-      </p:grpSpPr>
-      <p:sp>
-        <p:nvSpPr>
-          <p:cNvPr id="2" name="Slide Image Placeholder 1"/>
-          <p:cNvSpPr>
-            <a:spLocks noGrp="1" noRot="1" noChangeAspect="1"/>
-          </p:cNvSpPr>
-          <p:nvPr>
-            <p:ph type="sldImg"/>
-          </p:nvPr>
-        </p:nvSpPr>
-        <p:spPr/>
-      </p:sp>
-      <p:sp>
-        <p:nvSpPr>
-          <p:cNvPr id="3" name="Notes Placeholder 2"/>
-          <p:cNvSpPr>
-            <a:spLocks noGrp="1"/>
-          </p:cNvSpPr>
-          <p:nvPr>
-            <p:ph type="body" idx="1"/>
-          </p:nvPr>
-        </p:nvSpPr>
-        <p:spPr/>
-        <p:txBody>
-          <a:bodyPr/>
-          <a:lstStyle/>
-          <a:p>
-            <a:endParaRPr lang="en-US" dirty="0"/>
-          </a:p>
-        </p:txBody>
-      </p:sp>
-      <p:sp>
-        <p:nvSpPr>
-          <p:cNvPr id="4" name="Slide Number Placeholder 3"/>
-          <p:cNvSpPr>
-            <a:spLocks noGrp="1"/>
-          </p:cNvSpPr>
-          <p:nvPr>
-            <p:ph type="sldNum" sz="quarter" idx="10"/>
-          </p:nvPr>
-        </p:nvSpPr>
-        <p:spPr/>
-        <p:txBody>
-          <a:bodyPr/>
-          <a:lstStyle/>
-          <a:p>
-            <a:fld id="{BBB91E2F-405C-1745-A228-A66B56F37D3B}" type="slidenum">
-              <a:rPr lang="en-US" smtClean="0"/>
-              <a:t>8</a:t>
-            </a:fld>
-            <a:endParaRPr lang="en-US"/>
-          </a:p>
-        </p:txBody>
-      </p:sp>
-    </p:spTree>
-    <p:extLst>
-      <p:ext uri="{BB962C8B-B14F-4D97-AF65-F5344CB8AC3E}">
-        <p14:creationId xmlns:p14="http://schemas.microsoft.com/office/powerpoint/2010/main" val="2021315713"/>
-      </p:ext>
-    </p:extLst>
-  </p:cSld>
-  <p:clrMapOvr>
-    <a:masterClrMapping/>
-  </p:clrMapOvr>
-</p:notes>
-</file>
-
-<file path=ppt/notesSlides/notesSlide3.xml><?xml version="1.0" encoding="utf-8"?>
-<p:notes xmlns:a="http://schemas.openxmlformats.org/drawingml/2006/main" xmlns:r="http://schemas.openxmlformats.org/officeDocument/2006/relationships" xmlns:p="http://schemas.openxmlformats.org/presentationml/2006/main">
-  <p:cSld>
-    <p:spTree>
-      <p:nvGrpSpPr>
-        <p:cNvPr id="1" name=""/>
-        <p:cNvGrpSpPr/>
-        <p:nvPr/>
-      </p:nvGrpSpPr>
-      <p:grpSpPr>
-        <a:xfrm>
-          <a:off x="0" y="0"/>
-          <a:ext cx="0" cy="0"/>
-          <a:chOff x="0" y="0"/>
-          <a:chExt cx="0" cy="0"/>
-        </a:xfrm>
-      </p:grpSpPr>
-      <p:sp>
-        <p:nvSpPr>
-          <p:cNvPr id="2" name="Slide Image Placeholder 1"/>
-          <p:cNvSpPr>
-            <a:spLocks noGrp="1" noRot="1" noChangeAspect="1"/>
-          </p:cNvSpPr>
-          <p:nvPr>
-            <p:ph type="sldImg"/>
-          </p:nvPr>
-        </p:nvSpPr>
-        <p:spPr/>
-      </p:sp>
-      <p:sp>
-        <p:nvSpPr>
-          <p:cNvPr id="3" name="Notes Placeholder 2"/>
-          <p:cNvSpPr>
-            <a:spLocks noGrp="1"/>
-          </p:cNvSpPr>
-          <p:nvPr>
-            <p:ph type="body" idx="1"/>
-          </p:nvPr>
-        </p:nvSpPr>
-        <p:spPr/>
-        <p:txBody>
-          <a:bodyPr/>
-          <a:lstStyle/>
-          <a:p>
-            <a:endParaRPr lang="en-US" dirty="0"/>
-          </a:p>
-        </p:txBody>
-      </p:sp>
-      <p:sp>
-        <p:nvSpPr>
-          <p:cNvPr id="4" name="Slide Number Placeholder 3"/>
-          <p:cNvSpPr>
-            <a:spLocks noGrp="1"/>
-          </p:cNvSpPr>
-          <p:nvPr>
-            <p:ph type="sldNum" sz="quarter" idx="10"/>
-          </p:nvPr>
-        </p:nvSpPr>
-        <p:spPr/>
-        <p:txBody>
-          <a:bodyPr/>
-          <a:lstStyle/>
-          <a:p>
-            <a:fld id="{BBB91E2F-405C-1745-A228-A66B56F37D3B}" type="slidenum">
-              <a:rPr lang="en-US" smtClean="0"/>
-              <a:t>9</a:t>
-            </a:fld>
-            <a:endParaRPr lang="en-US"/>
-          </a:p>
-        </p:txBody>
-      </p:sp>
-    </p:spTree>
-    <p:extLst>
-      <p:ext uri="{BB962C8B-B14F-4D97-AF65-F5344CB8AC3E}">
-        <p14:creationId xmlns:p14="http://schemas.microsoft.com/office/powerpoint/2010/main" val="2059791868"/>
-      </p:ext>
-    </p:extLst>
-  </p:cSld>
-  <p:clrMapOvr>
-    <a:masterClrMapping/>
-  </p:clrMapOvr>
-</p:notes>
-</file>
-
-<file path=ppt/notesSlides/notesSlide4.xml><?xml version="1.0" encoding="utf-8"?>
-<p:notes xmlns:a="http://schemas.openxmlformats.org/drawingml/2006/main" xmlns:r="http://schemas.openxmlformats.org/officeDocument/2006/relationships" xmlns:p="http://schemas.openxmlformats.org/presentationml/2006/main">
-  <p:cSld>
-    <p:spTree>
-      <p:nvGrpSpPr>
-        <p:cNvPr id="1" name=""/>
-        <p:cNvGrpSpPr/>
-        <p:nvPr/>
-      </p:nvGrpSpPr>
-      <p:grpSpPr>
-        <a:xfrm>
-          <a:off x="0" y="0"/>
-          <a:ext cx="0" cy="0"/>
-          <a:chOff x="0" y="0"/>
-          <a:chExt cx="0" cy="0"/>
-        </a:xfrm>
-      </p:grpSpPr>
-      <p:sp>
-        <p:nvSpPr>
-          <p:cNvPr id="2" name="Slide Image Placeholder 1"/>
-          <p:cNvSpPr>
-            <a:spLocks noGrp="1" noRot="1" noChangeAspect="1"/>
-          </p:cNvSpPr>
-          <p:nvPr>
-            <p:ph type="sldImg"/>
-          </p:nvPr>
-        </p:nvSpPr>
-        <p:spPr/>
-      </p:sp>
-      <p:sp>
-        <p:nvSpPr>
-          <p:cNvPr id="3" name="Notes Placeholder 2"/>
-          <p:cNvSpPr>
-            <a:spLocks noGrp="1"/>
-          </p:cNvSpPr>
-          <p:nvPr>
-            <p:ph type="body" idx="1"/>
-          </p:nvPr>
-        </p:nvSpPr>
-        <p:spPr/>
-        <p:txBody>
-          <a:bodyPr/>
-          <a:lstStyle/>
-          <a:p>
-            <a:endParaRPr lang="en-US" dirty="0"/>
-          </a:p>
-        </p:txBody>
-      </p:sp>
-      <p:sp>
-        <p:nvSpPr>
-          <p:cNvPr id="4" name="Slide Number Placeholder 3"/>
-          <p:cNvSpPr>
-            <a:spLocks noGrp="1"/>
-          </p:cNvSpPr>
-          <p:nvPr>
-            <p:ph type="sldNum" sz="quarter" idx="10"/>
-          </p:nvPr>
-        </p:nvSpPr>
-        <p:spPr/>
-        <p:txBody>
-          <a:bodyPr/>
-          <a:lstStyle/>
-          <a:p>
-            <a:fld id="{BBB91E2F-405C-1745-A228-A66B56F37D3B}" type="slidenum">
-              <a:rPr lang="en-US" smtClean="0"/>
-              <a:t>10</a:t>
-            </a:fld>
-            <a:endParaRPr lang="en-US"/>
-          </a:p>
-        </p:txBody>
-      </p:sp>
-    </p:spTree>
-    <p:extLst>
-      <p:ext uri="{BB962C8B-B14F-4D97-AF65-F5344CB8AC3E}">
-        <p14:creationId xmlns:p14="http://schemas.microsoft.com/office/powerpoint/2010/main" val="1119608542"/>
+        <p14:creationId xmlns:p14="http://schemas.microsoft.com/office/powerpoint/2010/main" val="3246237052"/>
       </p:ext>
     </p:extLst>
   </p:cSld>
@@ -15510,46 +15404,83 @@
         </p:nvSpPr>
         <p:spPr/>
         <p:txBody>
+          <a:bodyPr>
+            <a:normAutofit/>
+          </a:bodyPr>
+          <a:lstStyle/>
+          <a:p>
+            <a:r>
+              <a:rPr lang="es-CO" dirty="0"/>
+              <a:t>Inteligencia Empresarial y análisis</a:t>
+            </a:r>
+            <a:endParaRPr lang="en-US" dirty="0"/>
+          </a:p>
+        </p:txBody>
+      </p:sp>
+      <p:sp>
+        <p:nvSpPr>
+          <p:cNvPr id="3" name="Text Placeholder 2"/>
+          <p:cNvSpPr>
+            <a:spLocks noGrp="1"/>
+          </p:cNvSpPr>
+          <p:nvPr>
+            <p:ph type="body" sz="quarter" idx="10"/>
+          </p:nvPr>
+        </p:nvSpPr>
+        <p:spPr/>
+        <p:txBody>
           <a:bodyPr/>
           <a:lstStyle/>
           <a:p>
-            <a:r>
-              <a:rPr lang="en-US" dirty="0" err="1"/>
-              <a:t>Arquitectura</a:t>
-            </a:r>
-            <a:r>
-              <a:rPr lang="en-US" dirty="0"/>
-              <a:t> SQL Server</a:t>
+            <a:pPr lvl="1"/>
+            <a:r>
+              <a:rPr lang="es-CO" dirty="0"/>
+              <a:t>Servicios de Integración</a:t>
+            </a:r>
+          </a:p>
+          <a:p>
+            <a:pPr lvl="1"/>
+            <a:r>
+              <a:rPr lang="es-CO" dirty="0" err="1"/>
+              <a:t>PolyBase</a:t>
+            </a:r>
+            <a:endParaRPr lang="es-CO" dirty="0"/>
+          </a:p>
+          <a:p>
+            <a:pPr lvl="1"/>
+            <a:r>
+              <a:rPr lang="es-CO" dirty="0"/>
+              <a:t>Modelos semánticos</a:t>
+            </a:r>
+          </a:p>
+          <a:p>
+            <a:pPr lvl="1"/>
+            <a:r>
+              <a:rPr lang="es-CO" dirty="0"/>
+              <a:t>MDS y DQS</a:t>
+            </a:r>
+          </a:p>
+          <a:p>
+            <a:pPr lvl="1"/>
+            <a:r>
+              <a:rPr lang="es-CO" dirty="0"/>
+              <a:t>Analítica avanzada en Base de datos</a:t>
+            </a:r>
+          </a:p>
+          <a:p>
+            <a:pPr marL="0" lvl="1" indent="0">
+              <a:buNone/>
+            </a:pPr>
+            <a:r>
+              <a:rPr lang="es-CO" dirty="0"/>
+              <a:t>BI en cualquier dispositivo</a:t>
             </a:r>
           </a:p>
         </p:txBody>
       </p:sp>
-      <p:pic>
-        <p:nvPicPr>
-          <p:cNvPr id="3" name="Picture 2"/>
-          <p:cNvPicPr>
-            <a:picLocks noChangeAspect="1"/>
-          </p:cNvPicPr>
-          <p:nvPr/>
-        </p:nvPicPr>
-        <p:blipFill>
-          <a:blip r:embed="rId3"/>
-          <a:srcRect/>
-          <a:stretch/>
-        </p:blipFill>
-        <p:spPr>
-          <a:xfrm>
-            <a:off x="1771065" y="1657629"/>
-            <a:ext cx="8649870" cy="4855460"/>
-          </a:xfrm>
-          <a:prstGeom prst="rect">
-            <a:avLst/>
-          </a:prstGeom>
-        </p:spPr>
-      </p:pic>
       <p:sp>
         <p:nvSpPr>
-          <p:cNvPr id="5" name="Folded Corner 4"/>
+          <p:cNvPr id="4" name="Folded Corner 3"/>
           <p:cNvSpPr/>
           <p:nvPr/>
         </p:nvSpPr>
@@ -15588,376 +15519,6 @@
           <a:lstStyle/>
           <a:p>
             <a:r>
-              <a:rPr lang="en-US" sz="2400" dirty="0">
-                <a:solidFill>
-                  <a:schemeClr val="tx1"/>
-                </a:solidFill>
-                <a:latin typeface="Source Sans Pro" charset="0"/>
-                <a:ea typeface="Source Sans Pro" charset="0"/>
-                <a:cs typeface="Source Sans Pro" charset="0"/>
-              </a:rPr>
-              <a:t>To change the image, right-click on the picture and select ”change picture</a:t>
-            </a:r>
-            <a:r>
-              <a:rPr lang="is-IS" sz="2400" dirty="0">
-                <a:solidFill>
-                  <a:schemeClr val="tx1"/>
-                </a:solidFill>
-                <a:latin typeface="Source Sans Pro" charset="0"/>
-                <a:ea typeface="Source Sans Pro" charset="0"/>
-                <a:cs typeface="Source Sans Pro" charset="0"/>
-              </a:rPr>
-              <a:t>”.</a:t>
-            </a:r>
-          </a:p>
-          <a:p>
-            <a:r>
-              <a:rPr lang="is-IS" sz="2400" dirty="0">
-                <a:solidFill>
-                  <a:schemeClr val="tx1"/>
-                </a:solidFill>
-                <a:latin typeface="Source Sans Pro" charset="0"/>
-                <a:ea typeface="Source Sans Pro" charset="0"/>
-                <a:cs typeface="Source Sans Pro" charset="0"/>
-              </a:rPr>
-              <a:t>The new picture will keep the animation step.</a:t>
-            </a:r>
-          </a:p>
-        </p:txBody>
-      </p:sp>
-    </p:spTree>
-    <p:extLst>
-      <p:ext uri="{BB962C8B-B14F-4D97-AF65-F5344CB8AC3E}">
-        <p14:creationId xmlns:p14="http://schemas.microsoft.com/office/powerpoint/2010/main" val="3000557735"/>
-      </p:ext>
-    </p:extLst>
-  </p:cSld>
-  <p:clrMapOvr>
-    <a:masterClrMapping/>
-  </p:clrMapOvr>
-  <p:timing>
-    <p:tnLst>
-      <p:par>
-        <p:cTn id="1" dur="indefinite" restart="never" nodeType="tmRoot">
-          <p:childTnLst>
-            <p:seq concurrent="1" nextAc="seek">
-              <p:cTn id="2" dur="indefinite" nodeType="mainSeq">
-                <p:childTnLst>
-                  <p:par>
-                    <p:cTn id="3" fill="hold">
-                      <p:stCondLst>
-                        <p:cond delay="indefinite"/>
-                      </p:stCondLst>
-                      <p:childTnLst>
-                        <p:par>
-                          <p:cTn id="4" fill="hold">
-                            <p:stCondLst>
-                              <p:cond delay="0"/>
-                            </p:stCondLst>
-                            <p:childTnLst>
-                              <p:par>
-                                <p:cTn id="5" presetID="10" presetClass="entr" presetSubtype="0" fill="hold" grpId="0" nodeType="clickEffect">
-                                  <p:stCondLst>
-                                    <p:cond delay="0"/>
-                                  </p:stCondLst>
-                                  <p:childTnLst>
-                                    <p:set>
-                                      <p:cBhvr>
-                                        <p:cTn id="6" dur="1" fill="hold">
-                                          <p:stCondLst>
-                                            <p:cond delay="0"/>
-                                          </p:stCondLst>
-                                        </p:cTn>
-                                        <p:tgtEl>
-                                          <p:spTgt spid="2"/>
-                                        </p:tgtEl>
-                                        <p:attrNameLst>
-                                          <p:attrName>style.visibility</p:attrName>
-                                        </p:attrNameLst>
-                                      </p:cBhvr>
-                                      <p:to>
-                                        <p:strVal val="visible"/>
-                                      </p:to>
-                                    </p:set>
-                                    <p:animEffect transition="in" filter="fade">
-                                      <p:cBhvr>
-                                        <p:cTn id="7" dur="500"/>
-                                        <p:tgtEl>
-                                          <p:spTgt spid="2"/>
-                                        </p:tgtEl>
-                                      </p:cBhvr>
-                                    </p:animEffect>
-                                  </p:childTnLst>
-                                </p:cTn>
-                              </p:par>
-                            </p:childTnLst>
-                          </p:cTn>
-                        </p:par>
-                      </p:childTnLst>
-                    </p:cTn>
-                  </p:par>
-                  <p:par>
-                    <p:cTn id="8" fill="hold">
-                      <p:stCondLst>
-                        <p:cond delay="indefinite"/>
-                      </p:stCondLst>
-                      <p:childTnLst>
-                        <p:par>
-                          <p:cTn id="9" fill="hold">
-                            <p:stCondLst>
-                              <p:cond delay="0"/>
-                            </p:stCondLst>
-                            <p:childTnLst>
-                              <p:par>
-                                <p:cTn id="10" presetID="10" presetClass="entr" presetSubtype="0" fill="hold" nodeType="clickEffect">
-                                  <p:stCondLst>
-                                    <p:cond delay="0"/>
-                                  </p:stCondLst>
-                                  <p:childTnLst>
-                                    <p:set>
-                                      <p:cBhvr>
-                                        <p:cTn id="11" dur="1" fill="hold">
-                                          <p:stCondLst>
-                                            <p:cond delay="0"/>
-                                          </p:stCondLst>
-                                        </p:cTn>
-                                        <p:tgtEl>
-                                          <p:spTgt spid="3"/>
-                                        </p:tgtEl>
-                                        <p:attrNameLst>
-                                          <p:attrName>style.visibility</p:attrName>
-                                        </p:attrNameLst>
-                                      </p:cBhvr>
-                                      <p:to>
-                                        <p:strVal val="visible"/>
-                                      </p:to>
-                                    </p:set>
-                                    <p:animEffect transition="in" filter="fade">
-                                      <p:cBhvr>
-                                        <p:cTn id="12" dur="500"/>
-                                        <p:tgtEl>
-                                          <p:spTgt spid="3"/>
-                                        </p:tgtEl>
-                                      </p:cBhvr>
-                                    </p:animEffect>
-                                  </p:childTnLst>
-                                </p:cTn>
-                              </p:par>
-                            </p:childTnLst>
-                          </p:cTn>
-                        </p:par>
-                      </p:childTnLst>
-                    </p:cTn>
-                  </p:par>
-                </p:childTnLst>
-              </p:cTn>
-              <p:prevCondLst>
-                <p:cond evt="onPrev" delay="0">
-                  <p:tgtEl>
-                    <p:sldTgt/>
-                  </p:tgtEl>
-                </p:cond>
-              </p:prevCondLst>
-              <p:nextCondLst>
-                <p:cond evt="onNext" delay="0">
-                  <p:tgtEl>
-                    <p:sldTgt/>
-                  </p:tgtEl>
-                </p:cond>
-              </p:nextCondLst>
-            </p:seq>
-          </p:childTnLst>
-        </p:cTn>
-      </p:par>
-    </p:tnLst>
-    <p:bldLst>
-      <p:bldP spid="2" grpId="0"/>
-    </p:bldLst>
-  </p:timing>
-</p:sld>
-</file>
-
-<file path=ppt/slides/slide11.xml><?xml version="1.0" encoding="utf-8"?>
-<p:sld xmlns:a="http://schemas.openxmlformats.org/drawingml/2006/main" xmlns:r="http://schemas.openxmlformats.org/officeDocument/2006/relationships" xmlns:p="http://schemas.openxmlformats.org/presentationml/2006/main">
-  <p:cSld>
-    <p:spTree>
-      <p:nvGrpSpPr>
-        <p:cNvPr id="1" name=""/>
-        <p:cNvGrpSpPr/>
-        <p:nvPr/>
-      </p:nvGrpSpPr>
-      <p:grpSpPr>
-        <a:xfrm>
-          <a:off x="0" y="0"/>
-          <a:ext cx="0" cy="0"/>
-          <a:chOff x="0" y="0"/>
-          <a:chExt cx="0" cy="0"/>
-        </a:xfrm>
-      </p:grpSpPr>
-      <p:sp>
-        <p:nvSpPr>
-          <p:cNvPr id="2" name="Title 1"/>
-          <p:cNvSpPr>
-            <a:spLocks noGrp="1"/>
-          </p:cNvSpPr>
-          <p:nvPr>
-            <p:ph type="title"/>
-          </p:nvPr>
-        </p:nvSpPr>
-        <p:spPr/>
-        <p:txBody>
-          <a:bodyPr/>
-          <a:lstStyle/>
-          <a:p>
-            <a:r>
-              <a:rPr lang="en-US" dirty="0" err="1"/>
-              <a:t>Protocolos</a:t>
-            </a:r>
-            <a:r>
-              <a:rPr lang="en-US" dirty="0"/>
-              <a:t> </a:t>
-            </a:r>
-            <a:r>
-              <a:rPr lang="en-US" dirty="0" err="1"/>
-              <a:t>externos</a:t>
-            </a:r>
-            <a:endParaRPr lang="en-US" dirty="0"/>
-          </a:p>
-        </p:txBody>
-      </p:sp>
-      <p:sp>
-        <p:nvSpPr>
-          <p:cNvPr id="3" name="Text Placeholder 2"/>
-          <p:cNvSpPr>
-            <a:spLocks noGrp="1"/>
-          </p:cNvSpPr>
-          <p:nvPr>
-            <p:ph type="body" sz="quarter" idx="10"/>
-          </p:nvPr>
-        </p:nvSpPr>
-        <p:spPr/>
-        <p:txBody>
-          <a:bodyPr/>
-          <a:lstStyle/>
-          <a:p>
-            <a:r>
-              <a:rPr lang="en-US" dirty="0" err="1"/>
-              <a:t>Cuenta</a:t>
-            </a:r>
-            <a:r>
-              <a:rPr lang="en-US" dirty="0"/>
-              <a:t> con </a:t>
-            </a:r>
-            <a:r>
-              <a:rPr lang="en-US" dirty="0" err="1"/>
-              <a:t>librerías</a:t>
-            </a:r>
-            <a:r>
-              <a:rPr lang="en-US" dirty="0"/>
-              <a:t> .NET que</a:t>
-            </a:r>
-            <a:r>
-              <a:rPr lang="es-ES" dirty="0"/>
-              <a:t> convierte los TDS a un lenguaje entendible para el </a:t>
-            </a:r>
-            <a:r>
-              <a:rPr lang="es-ES" dirty="0" err="1"/>
-              <a:t>Query</a:t>
-            </a:r>
-            <a:r>
-              <a:rPr lang="es-ES" dirty="0"/>
-              <a:t> </a:t>
-            </a:r>
-            <a:r>
-              <a:rPr lang="es-ES" dirty="0" err="1"/>
-              <a:t>processor</a:t>
-            </a:r>
-            <a:r>
-              <a:rPr lang="es-ES" dirty="0"/>
-              <a:t>.</a:t>
-            </a:r>
-            <a:endParaRPr lang="en-US" dirty="0"/>
-          </a:p>
-          <a:p>
-            <a:r>
-              <a:rPr lang="es-ES" dirty="0"/>
-              <a:t>SQL soporta varios protocolos con el fin de procesar las solicitudes de los diferentes clientes</a:t>
-            </a:r>
-          </a:p>
-          <a:p>
-            <a:r>
-              <a:rPr lang="es-ES" dirty="0"/>
-              <a:t>Permite TCP/IP, </a:t>
-            </a:r>
-            <a:r>
-              <a:rPr lang="es-ES" dirty="0" err="1"/>
-              <a:t>Shared</a:t>
-            </a:r>
-            <a:r>
-              <a:rPr lang="es-ES" dirty="0"/>
-              <a:t> </a:t>
-            </a:r>
-            <a:r>
-              <a:rPr lang="es-ES" dirty="0" err="1"/>
-              <a:t>Memory</a:t>
-            </a:r>
-            <a:r>
-              <a:rPr lang="es-ES" dirty="0"/>
-              <a:t> y </a:t>
-            </a:r>
-            <a:r>
-              <a:rPr lang="es-ES" dirty="0" err="1"/>
-              <a:t>Named</a:t>
-            </a:r>
-            <a:r>
-              <a:rPr lang="es-ES" dirty="0"/>
-              <a:t> Pipes</a:t>
-            </a:r>
-            <a:endParaRPr lang="en-US" dirty="0"/>
-          </a:p>
-        </p:txBody>
-      </p:sp>
-      <p:sp>
-        <p:nvSpPr>
-          <p:cNvPr id="4" name="Folded Corner 3"/>
-          <p:cNvSpPr/>
-          <p:nvPr/>
-        </p:nvSpPr>
-        <p:spPr>
-          <a:xfrm>
-            <a:off x="1408766" y="7149937"/>
-            <a:ext cx="4709646" cy="2263003"/>
-          </a:xfrm>
-          <a:prstGeom prst="foldedCorner">
-            <a:avLst/>
-          </a:prstGeom>
-          <a:solidFill>
-            <a:srgbClr val="FFC000"/>
-          </a:solidFill>
-          <a:ln>
-            <a:noFill/>
-          </a:ln>
-          <a:effectLst/>
-        </p:spPr>
-        <p:style>
-          <a:lnRef idx="1">
-            <a:schemeClr val="accent1"/>
-          </a:lnRef>
-          <a:fillRef idx="3">
-            <a:schemeClr val="accent1"/>
-          </a:fillRef>
-          <a:effectRef idx="2">
-            <a:schemeClr val="accent1"/>
-          </a:effectRef>
-          <a:fontRef idx="minor">
-            <a:schemeClr val="lt1"/>
-          </a:fontRef>
-        </p:style>
-        <p:txBody>
-          <a:bodyPr lIns="274320" tIns="274320" rIns="274320" rtlCol="0" anchor="t"/>
-          <a:lstStyle/>
-          <a:p>
-            <a:r>
               <a:rPr lang="es-ES" sz="2400" dirty="0" err="1">
                 <a:solidFill>
                   <a:schemeClr val="tx1"/>
@@ -16125,7 +15686,7 @@
     </p:spTree>
     <p:extLst>
       <p:ext uri="{BB962C8B-B14F-4D97-AF65-F5344CB8AC3E}">
-        <p14:creationId xmlns:p14="http://schemas.microsoft.com/office/powerpoint/2010/main" val="3280792730"/>
+        <p14:creationId xmlns:p14="http://schemas.microsoft.com/office/powerpoint/2010/main" val="1471725766"/>
       </p:ext>
     </p:extLst>
   </p:cSld>
@@ -16248,33 +15809,15 @@
                                   </p:childTnLst>
                                 </p:cTn>
                               </p:par>
-                            </p:childTnLst>
-                          </p:cTn>
-                        </p:par>
-                      </p:childTnLst>
-                    </p:cTn>
-                  </p:par>
-                  <p:par>
-                    <p:cTn id="13" fill="hold">
-                      <p:stCondLst>
-                        <p:cond delay="indefinite"/>
-                      </p:stCondLst>
-                      <p:childTnLst>
-                        <p:par>
-                          <p:cTn id="14" fill="hold">
-                            <p:stCondLst>
-                              <p:cond delay="0"/>
-                            </p:stCondLst>
-                            <p:childTnLst>
                               <p:par>
-                                <p:cTn id="15" presetID="10" presetClass="entr" presetSubtype="0" fill="hold" grpId="0" nodeType="clickEffect">
+                                <p:cTn id="13" presetID="10" presetClass="entr" presetSubtype="0" fill="hold" grpId="0" nodeType="withEffect">
                                   <p:stCondLst>
                                     <p:cond delay="0"/>
                                   </p:stCondLst>
                                   <p:childTnLst>
                                     <p:set>
                                       <p:cBhvr>
-                                        <p:cTn id="16" dur="1" fill="hold">
+                                        <p:cTn id="14" dur="1" fill="hold">
                                           <p:stCondLst>
                                             <p:cond delay="0"/>
                                           </p:stCondLst>
@@ -16296,7 +15839,7 @@
                                     </p:set>
                                     <p:animEffect transition="in" filter="fade">
                                       <p:cBhvr>
-                                        <p:cTn id="17" dur="500"/>
+                                        <p:cTn id="15" dur="500"/>
                                         <p:tgtEl>
                                           <p:spTgt spid="3">
                                             <p:txEl>
@@ -16309,33 +15852,15 @@
                                   </p:childTnLst>
                                 </p:cTn>
                               </p:par>
-                            </p:childTnLst>
-                          </p:cTn>
-                        </p:par>
-                      </p:childTnLst>
-                    </p:cTn>
-                  </p:par>
-                  <p:par>
-                    <p:cTn id="18" fill="hold">
-                      <p:stCondLst>
-                        <p:cond delay="indefinite"/>
-                      </p:stCondLst>
-                      <p:childTnLst>
-                        <p:par>
-                          <p:cTn id="19" fill="hold">
-                            <p:stCondLst>
-                              <p:cond delay="0"/>
-                            </p:stCondLst>
-                            <p:childTnLst>
                               <p:par>
-                                <p:cTn id="20" presetID="10" presetClass="entr" presetSubtype="0" fill="hold" grpId="0" nodeType="clickEffect">
+                                <p:cTn id="16" presetID="10" presetClass="entr" presetSubtype="0" fill="hold" grpId="0" nodeType="withEffect">
                                   <p:stCondLst>
                                     <p:cond delay="0"/>
                                   </p:stCondLst>
                                   <p:childTnLst>
                                     <p:set>
                                       <p:cBhvr>
-                                        <p:cTn id="21" dur="1" fill="hold">
+                                        <p:cTn id="17" dur="1" fill="hold">
                                           <p:stCondLst>
                                             <p:cond delay="0"/>
                                           </p:stCondLst>
@@ -16357,11 +15882,140 @@
                                     </p:set>
                                     <p:animEffect transition="in" filter="fade">
                                       <p:cBhvr>
-                                        <p:cTn id="22" dur="500"/>
+                                        <p:cTn id="18" dur="500"/>
                                         <p:tgtEl>
                                           <p:spTgt spid="3">
                                             <p:txEl>
                                               <p:pRg st="2" end="2"/>
+                                            </p:txEl>
+                                          </p:spTgt>
+                                        </p:tgtEl>
+                                      </p:cBhvr>
+                                    </p:animEffect>
+                                  </p:childTnLst>
+                                </p:cTn>
+                              </p:par>
+                              <p:par>
+                                <p:cTn id="19" presetID="10" presetClass="entr" presetSubtype="0" fill="hold" grpId="0" nodeType="withEffect">
+                                  <p:stCondLst>
+                                    <p:cond delay="0"/>
+                                  </p:stCondLst>
+                                  <p:childTnLst>
+                                    <p:set>
+                                      <p:cBhvr>
+                                        <p:cTn id="20" dur="1" fill="hold">
+                                          <p:stCondLst>
+                                            <p:cond delay="0"/>
+                                          </p:stCondLst>
+                                        </p:cTn>
+                                        <p:tgtEl>
+                                          <p:spTgt spid="3">
+                                            <p:txEl>
+                                              <p:pRg st="3" end="3"/>
+                                            </p:txEl>
+                                          </p:spTgt>
+                                        </p:tgtEl>
+                                        <p:attrNameLst>
+                                          <p:attrName>style.visibility</p:attrName>
+                                        </p:attrNameLst>
+                                      </p:cBhvr>
+                                      <p:to>
+                                        <p:strVal val="visible"/>
+                                      </p:to>
+                                    </p:set>
+                                    <p:animEffect transition="in" filter="fade">
+                                      <p:cBhvr>
+                                        <p:cTn id="21" dur="500"/>
+                                        <p:tgtEl>
+                                          <p:spTgt spid="3">
+                                            <p:txEl>
+                                              <p:pRg st="3" end="3"/>
+                                            </p:txEl>
+                                          </p:spTgt>
+                                        </p:tgtEl>
+                                      </p:cBhvr>
+                                    </p:animEffect>
+                                  </p:childTnLst>
+                                </p:cTn>
+                              </p:par>
+                              <p:par>
+                                <p:cTn id="22" presetID="10" presetClass="entr" presetSubtype="0" fill="hold" grpId="0" nodeType="withEffect">
+                                  <p:stCondLst>
+                                    <p:cond delay="0"/>
+                                  </p:stCondLst>
+                                  <p:childTnLst>
+                                    <p:set>
+                                      <p:cBhvr>
+                                        <p:cTn id="23" dur="1" fill="hold">
+                                          <p:stCondLst>
+                                            <p:cond delay="0"/>
+                                          </p:stCondLst>
+                                        </p:cTn>
+                                        <p:tgtEl>
+                                          <p:spTgt spid="3">
+                                            <p:txEl>
+                                              <p:pRg st="4" end="4"/>
+                                            </p:txEl>
+                                          </p:spTgt>
+                                        </p:tgtEl>
+                                        <p:attrNameLst>
+                                          <p:attrName>style.visibility</p:attrName>
+                                        </p:attrNameLst>
+                                      </p:cBhvr>
+                                      <p:to>
+                                        <p:strVal val="visible"/>
+                                      </p:to>
+                                    </p:set>
+                                    <p:animEffect transition="in" filter="fade">
+                                      <p:cBhvr>
+                                        <p:cTn id="24" dur="500"/>
+                                        <p:tgtEl>
+                                          <p:spTgt spid="3">
+                                            <p:txEl>
+                                              <p:pRg st="4" end="4"/>
+                                            </p:txEl>
+                                          </p:spTgt>
+                                        </p:tgtEl>
+                                      </p:cBhvr>
+                                    </p:animEffect>
+                                  </p:childTnLst>
+                                </p:cTn>
+                              </p:par>
+                              <p:par>
+                                <p:cTn id="25" presetID="10" presetClass="entr" presetSubtype="0" fill="hold" grpId="0" nodeType="withEffect">
+                                  <p:stCondLst>
+                                    <p:cond delay="0"/>
+                                  </p:stCondLst>
+                                  <p:childTnLst>
+                                    <p:set>
+                                      <p:cBhvr>
+                                        <p:cTn id="26" dur="1" fill="hold">
+                                          <p:stCondLst>
+                                            <p:cond delay="0"/>
+                                          </p:stCondLst>
+                                        </p:cTn>
+                                        <p:tgtEl>
+                                          <p:spTgt spid="3">
+                                            <p:txEl>
+                                              <p:pRg st="5" end="5"/>
+                                            </p:txEl>
+                                          </p:spTgt>
+                                        </p:tgtEl>
+                                        <p:attrNameLst>
+                                          <p:attrName>style.visibility</p:attrName>
+                                        </p:attrNameLst>
+                                      </p:cBhvr>
+                                      <p:to>
+                                        <p:strVal val="visible"/>
+                                      </p:to>
+                                    </p:set>
+                                    <p:animEffect transition="in" filter="fade">
+                                      <p:cBhvr>
+                                        <p:cTn id="27" dur="500"/>
+                                        <p:tgtEl>
+                                          <p:spTgt spid="3">
+                                            <p:txEl>
+                                              <p:pRg st="5" end="5"/>
                                             </p:txEl>
                                           </p:spTgt>
                                         </p:tgtEl>
@@ -16405,7 +16059,7 @@
 </p:sld>
 </file>
 
-<file path=ppt/slides/slide12.xml><?xml version="1.0" encoding="utf-8"?>
+<file path=ppt/slides/slide11.xml><?xml version="1.0" encoding="utf-8"?>
 <p:sld xmlns:a="http://schemas.openxmlformats.org/drawingml/2006/main" xmlns:r="http://schemas.openxmlformats.org/officeDocument/2006/relationships" xmlns:p="http://schemas.openxmlformats.org/presentationml/2006/main">
   <p:cSld>
     <p:spTree>
@@ -16434,20 +16088,14 @@
         </p:nvSpPr>
         <p:spPr/>
         <p:txBody>
-          <a:bodyPr/>
+          <a:bodyPr>
+            <a:normAutofit/>
+          </a:bodyPr>
           <a:lstStyle/>
           <a:p>
             <a:r>
-              <a:rPr lang="en-US" dirty="0" err="1"/>
-              <a:t>Componentes</a:t>
-            </a:r>
-            <a:r>
-              <a:rPr lang="en-US" dirty="0"/>
-              <a:t> de la </a:t>
-            </a:r>
-            <a:r>
-              <a:rPr lang="en-US" dirty="0" err="1"/>
-              <a:t>arquitectura</a:t>
+              <a:rPr lang="es-CO" dirty="0"/>
+              <a:t>Novedades 2019</a:t>
             </a:r>
             <a:endParaRPr lang="en-US" dirty="0"/>
           </a:p>
@@ -16468,73 +16116,38 @@
           <a:bodyPr/>
           <a:lstStyle/>
           <a:p>
-            <a:r>
-              <a:rPr lang="es-ES" dirty="0" err="1"/>
-              <a:t>External</a:t>
-            </a:r>
-            <a:r>
-              <a:rPr lang="es-ES" dirty="0"/>
-              <a:t> </a:t>
-            </a:r>
-            <a:r>
-              <a:rPr lang="es-ES" dirty="0" err="1"/>
-              <a:t>protocols</a:t>
-            </a:r>
-            <a:endParaRPr lang="es-ES" dirty="0"/>
-          </a:p>
-          <a:p>
-            <a:r>
-              <a:rPr lang="es-ES" dirty="0" err="1"/>
-              <a:t>Query</a:t>
-            </a:r>
-            <a:r>
-              <a:rPr lang="es-ES" dirty="0"/>
-              <a:t> </a:t>
-            </a:r>
-            <a:r>
-              <a:rPr lang="es-ES" dirty="0" err="1"/>
-              <a:t>processor</a:t>
-            </a:r>
-            <a:endParaRPr lang="es-ES" dirty="0"/>
-          </a:p>
-          <a:p>
-            <a:r>
-              <a:rPr lang="es-ES" dirty="0"/>
-              <a:t>Storage </a:t>
-            </a:r>
-            <a:r>
-              <a:rPr lang="es-ES" dirty="0" err="1"/>
-              <a:t>Engine</a:t>
-            </a:r>
-            <a:endParaRPr lang="es-ES" dirty="0"/>
-          </a:p>
-          <a:p>
-            <a:r>
-              <a:rPr lang="es-ES" dirty="0" err="1"/>
-              <a:t>Acces</a:t>
-            </a:r>
-            <a:r>
-              <a:rPr lang="es-ES" dirty="0"/>
-              <a:t> </a:t>
-            </a:r>
-            <a:r>
-              <a:rPr lang="es-ES" dirty="0" err="1"/>
-              <a:t>methods</a:t>
-            </a:r>
-            <a:endParaRPr lang="es-ES" dirty="0"/>
-          </a:p>
-          <a:p>
-            <a:r>
-              <a:rPr lang="es-ES" dirty="0"/>
-              <a:t>SQL OS</a:t>
-            </a:r>
-          </a:p>
-          <a:p>
-            <a:endParaRPr lang="en-US" dirty="0"/>
-          </a:p>
-          <a:p>
             <a:pPr lvl="1"/>
-            <a:endParaRPr lang="en-US" dirty="0"/>
+            <a:r>
+              <a:rPr lang="es-CO" dirty="0" err="1"/>
+              <a:t>Cluster</a:t>
+            </a:r>
+            <a:r>
+              <a:rPr lang="es-CO" dirty="0"/>
+              <a:t> de Big Data</a:t>
+            </a:r>
+          </a:p>
+          <a:p>
+            <a:pPr lvl="1"/>
+            <a:r>
+              <a:rPr lang="es-CO" dirty="0"/>
+              <a:t>Virtualización de datos</a:t>
+            </a:r>
+          </a:p>
+          <a:p>
+            <a:pPr lvl="1"/>
+            <a:r>
+              <a:rPr lang="es-CO" dirty="0" err="1"/>
+              <a:t>Intergación</a:t>
+            </a:r>
+            <a:r>
+              <a:rPr lang="es-CO" dirty="0"/>
+              <a:t> con </a:t>
+            </a:r>
+            <a:r>
+              <a:rPr lang="es-CO"/>
+              <a:t>Spark</a:t>
+            </a:r>
+            <a:endParaRPr lang="es-CO" dirty="0"/>
           </a:p>
         </p:txBody>
       </p:sp>
@@ -16746,7 +16359,7 @@
     </p:spTree>
     <p:extLst>
       <p:ext uri="{BB962C8B-B14F-4D97-AF65-F5344CB8AC3E}">
-        <p14:creationId xmlns:p14="http://schemas.microsoft.com/office/powerpoint/2010/main" val="3262402990"/>
+        <p14:creationId xmlns:p14="http://schemas.microsoft.com/office/powerpoint/2010/main" val="595346894"/>
       </p:ext>
     </p:extLst>
   </p:cSld>
@@ -16869,33 +16482,15 @@
                                   </p:childTnLst>
                                 </p:cTn>
                               </p:par>
-                            </p:childTnLst>
-                          </p:cTn>
-                        </p:par>
-                      </p:childTnLst>
-                    </p:cTn>
-                  </p:par>
-                  <p:par>
-                    <p:cTn id="13" fill="hold">
-                      <p:stCondLst>
-                        <p:cond delay="indefinite"/>
-                      </p:stCondLst>
-                      <p:childTnLst>
-                        <p:par>
-                          <p:cTn id="14" fill="hold">
-                            <p:stCondLst>
-                              <p:cond delay="0"/>
-                            </p:stCondLst>
-                            <p:childTnLst>
                               <p:par>
-                                <p:cTn id="15" presetID="10" presetClass="entr" presetSubtype="0" fill="hold" grpId="0" nodeType="clickEffect">
+                                <p:cTn id="13" presetID="10" presetClass="entr" presetSubtype="0" fill="hold" grpId="0" nodeType="withEffect">
                                   <p:stCondLst>
                                     <p:cond delay="0"/>
                                   </p:stCondLst>
                                   <p:childTnLst>
                                     <p:set>
                                       <p:cBhvr>
-                                        <p:cTn id="16" dur="1" fill="hold">
+                                        <p:cTn id="14" dur="1" fill="hold">
                                           <p:stCondLst>
                                             <p:cond delay="0"/>
                                           </p:stCondLst>
@@ -16917,7 +16512,7 @@
                                     </p:set>
                                     <p:animEffect transition="in" filter="fade">
                                       <p:cBhvr>
-                                        <p:cTn id="17" dur="500"/>
+                                        <p:cTn id="15" dur="500"/>
                                         <p:tgtEl>
                                           <p:spTgt spid="3">
                                             <p:txEl>
@@ -16930,33 +16525,15 @@
                                   </p:childTnLst>
                                 </p:cTn>
                               </p:par>
-                            </p:childTnLst>
-                          </p:cTn>
-                        </p:par>
-                      </p:childTnLst>
-                    </p:cTn>
-                  </p:par>
-                  <p:par>
-                    <p:cTn id="18" fill="hold">
-                      <p:stCondLst>
-                        <p:cond delay="indefinite"/>
-                      </p:stCondLst>
-                      <p:childTnLst>
-                        <p:par>
-                          <p:cTn id="19" fill="hold">
-                            <p:stCondLst>
-                              <p:cond delay="0"/>
-                            </p:stCondLst>
-                            <p:childTnLst>
                               <p:par>
-                                <p:cTn id="20" presetID="10" presetClass="entr" presetSubtype="0" fill="hold" grpId="0" nodeType="clickEffect">
+                                <p:cTn id="16" presetID="10" presetClass="entr" presetSubtype="0" fill="hold" grpId="0" nodeType="withEffect">
                                   <p:stCondLst>
                                     <p:cond delay="0"/>
                                   </p:stCondLst>
                                   <p:childTnLst>
                                     <p:set>
                                       <p:cBhvr>
-                                        <p:cTn id="21" dur="1" fill="hold">
+                                        <p:cTn id="17" dur="1" fill="hold">
                                           <p:stCondLst>
                                             <p:cond delay="0"/>
                                           </p:stCondLst>
@@ -16978,697 +16555,7 @@
                                     </p:set>
                                     <p:animEffect transition="in" filter="fade">
                                       <p:cBhvr>
-                                        <p:cTn id="22" dur="500"/>
-                                        <p:tgtEl>
-                                          <p:spTgt spid="3">
-                                            <p:txEl>
-                                              <p:pRg st="2" end="2"/>
-                                            </p:txEl>
-                                          </p:spTgt>
-                                        </p:tgtEl>
-                                      </p:cBhvr>
-                                    </p:animEffect>
-                                  </p:childTnLst>
-                                </p:cTn>
-                              </p:par>
-                            </p:childTnLst>
-                          </p:cTn>
-                        </p:par>
-                      </p:childTnLst>
-                    </p:cTn>
-                  </p:par>
-                  <p:par>
-                    <p:cTn id="23" fill="hold">
-                      <p:stCondLst>
-                        <p:cond delay="indefinite"/>
-                      </p:stCondLst>
-                      <p:childTnLst>
-                        <p:par>
-                          <p:cTn id="24" fill="hold">
-                            <p:stCondLst>
-                              <p:cond delay="0"/>
-                            </p:stCondLst>
-                            <p:childTnLst>
-                              <p:par>
-                                <p:cTn id="25" presetID="10" presetClass="entr" presetSubtype="0" fill="hold" grpId="0" nodeType="clickEffect">
-                                  <p:stCondLst>
-                                    <p:cond delay="0"/>
-                                  </p:stCondLst>
-                                  <p:childTnLst>
-                                    <p:set>
-                                      <p:cBhvr>
-                                        <p:cTn id="26" dur="1" fill="hold">
-                                          <p:stCondLst>
-                                            <p:cond delay="0"/>
-                                          </p:stCondLst>
-                                        </p:cTn>
-                                        <p:tgtEl>
-                                          <p:spTgt spid="3">
-                                            <p:txEl>
-                                              <p:pRg st="3" end="3"/>
-                                            </p:txEl>
-                                          </p:spTgt>
-                                        </p:tgtEl>
-                                        <p:attrNameLst>
-                                          <p:attrName>style.visibility</p:attrName>
-                                        </p:attrNameLst>
-                                      </p:cBhvr>
-                                      <p:to>
-                                        <p:strVal val="visible"/>
-                                      </p:to>
-                                    </p:set>
-                                    <p:animEffect transition="in" filter="fade">
-                                      <p:cBhvr>
-                                        <p:cTn id="27" dur="500"/>
-                                        <p:tgtEl>
-                                          <p:spTgt spid="3">
-                                            <p:txEl>
-                                              <p:pRg st="3" end="3"/>
-                                            </p:txEl>
-                                          </p:spTgt>
-                                        </p:tgtEl>
-                                      </p:cBhvr>
-                                    </p:animEffect>
-                                  </p:childTnLst>
-                                </p:cTn>
-                              </p:par>
-                            </p:childTnLst>
-                          </p:cTn>
-                        </p:par>
-                      </p:childTnLst>
-                    </p:cTn>
-                  </p:par>
-                  <p:par>
-                    <p:cTn id="28" fill="hold">
-                      <p:stCondLst>
-                        <p:cond delay="indefinite"/>
-                      </p:stCondLst>
-                      <p:childTnLst>
-                        <p:par>
-                          <p:cTn id="29" fill="hold">
-                            <p:stCondLst>
-                              <p:cond delay="0"/>
-                            </p:stCondLst>
-                            <p:childTnLst>
-                              <p:par>
-                                <p:cTn id="30" presetID="10" presetClass="entr" presetSubtype="0" fill="hold" grpId="0" nodeType="clickEffect">
-                                  <p:stCondLst>
-                                    <p:cond delay="0"/>
-                                  </p:stCondLst>
-                                  <p:childTnLst>
-                                    <p:set>
-                                      <p:cBhvr>
-                                        <p:cTn id="31" dur="1" fill="hold">
-                                          <p:stCondLst>
-                                            <p:cond delay="0"/>
-                                          </p:stCondLst>
-                                        </p:cTn>
-                                        <p:tgtEl>
-                                          <p:spTgt spid="3">
-                                            <p:txEl>
-                                              <p:pRg st="4" end="4"/>
-                                            </p:txEl>
-                                          </p:spTgt>
-                                        </p:tgtEl>
-                                        <p:attrNameLst>
-                                          <p:attrName>style.visibility</p:attrName>
-                                        </p:attrNameLst>
-                                      </p:cBhvr>
-                                      <p:to>
-                                        <p:strVal val="visible"/>
-                                      </p:to>
-                                    </p:set>
-                                    <p:animEffect transition="in" filter="fade">
-                                      <p:cBhvr>
-                                        <p:cTn id="32" dur="500"/>
-                                        <p:tgtEl>
-                                          <p:spTgt spid="3">
-                                            <p:txEl>
-                                              <p:pRg st="4" end="4"/>
-                                            </p:txEl>
-                                          </p:spTgt>
-                                        </p:tgtEl>
-                                      </p:cBhvr>
-                                    </p:animEffect>
-                                  </p:childTnLst>
-                                </p:cTn>
-                              </p:par>
-                            </p:childTnLst>
-                          </p:cTn>
-                        </p:par>
-                      </p:childTnLst>
-                    </p:cTn>
-                  </p:par>
-                </p:childTnLst>
-              </p:cTn>
-              <p:prevCondLst>
-                <p:cond evt="onPrev" delay="0">
-                  <p:tgtEl>
-                    <p:sldTgt/>
-                  </p:tgtEl>
-                </p:cond>
-              </p:prevCondLst>
-              <p:nextCondLst>
-                <p:cond evt="onNext" delay="0">
-                  <p:tgtEl>
-                    <p:sldTgt/>
-                  </p:tgtEl>
-                </p:cond>
-              </p:nextCondLst>
-            </p:seq>
-          </p:childTnLst>
-        </p:cTn>
-      </p:par>
-    </p:tnLst>
-    <p:bldLst>
-      <p:bldP spid="2" grpId="0"/>
-      <p:bldP spid="3" grpId="0" build="p"/>
-    </p:bldLst>
-  </p:timing>
-</p:sld>
-</file>
-
-<file path=ppt/slides/slide13.xml><?xml version="1.0" encoding="utf-8"?>
-<p:sld xmlns:a="http://schemas.openxmlformats.org/drawingml/2006/main" xmlns:r="http://schemas.openxmlformats.org/officeDocument/2006/relationships" xmlns:p="http://schemas.openxmlformats.org/presentationml/2006/main">
-  <p:cSld>
-    <p:spTree>
-      <p:nvGrpSpPr>
-        <p:cNvPr id="1" name=""/>
-        <p:cNvGrpSpPr/>
-        <p:nvPr/>
-      </p:nvGrpSpPr>
-      <p:grpSpPr>
-        <a:xfrm>
-          <a:off x="0" y="0"/>
-          <a:ext cx="0" cy="0"/>
-          <a:chOff x="0" y="0"/>
-          <a:chExt cx="0" cy="0"/>
-        </a:xfrm>
-      </p:grpSpPr>
-      <p:sp>
-        <p:nvSpPr>
-          <p:cNvPr id="2" name="Title 1"/>
-          <p:cNvSpPr>
-            <a:spLocks noGrp="1"/>
-          </p:cNvSpPr>
-          <p:nvPr>
-            <p:ph type="title"/>
-          </p:nvPr>
-        </p:nvSpPr>
-        <p:spPr/>
-        <p:txBody>
-          <a:bodyPr/>
-          <a:lstStyle/>
-          <a:p>
-            <a:r>
-              <a:rPr lang="en-US" dirty="0" err="1"/>
-              <a:t>Componentes</a:t>
-            </a:r>
-            <a:r>
-              <a:rPr lang="en-US" dirty="0"/>
-              <a:t> de SQL Server</a:t>
-            </a:r>
-          </a:p>
-        </p:txBody>
-      </p:sp>
-      <p:sp>
-        <p:nvSpPr>
-          <p:cNvPr id="3" name="Text Placeholder 2"/>
-          <p:cNvSpPr>
-            <a:spLocks noGrp="1"/>
-          </p:cNvSpPr>
-          <p:nvPr>
-            <p:ph type="body" sz="quarter" idx="10"/>
-          </p:nvPr>
-        </p:nvSpPr>
-        <p:spPr/>
-        <p:txBody>
-          <a:bodyPr/>
-          <a:lstStyle/>
-          <a:p>
-            <a:r>
-              <a:rPr lang="en-US" dirty="0"/>
-              <a:t>Database Engine </a:t>
-            </a:r>
-          </a:p>
-          <a:p>
-            <a:r>
-              <a:rPr lang="en-US" dirty="0"/>
-              <a:t>SQL Server Analysis Services, Reporting Services, and Integration Services.</a:t>
-            </a:r>
-          </a:p>
-          <a:p>
-            <a:r>
-              <a:rPr lang="en-US" dirty="0"/>
-              <a:t>Master Data Services and Data Quality Services </a:t>
-            </a:r>
-          </a:p>
-          <a:p>
-            <a:endParaRPr lang="en-US" dirty="0"/>
-          </a:p>
-        </p:txBody>
-      </p:sp>
-      <p:sp>
-        <p:nvSpPr>
-          <p:cNvPr id="4" name="Folded Corner 3"/>
-          <p:cNvSpPr/>
-          <p:nvPr/>
-        </p:nvSpPr>
-        <p:spPr>
-          <a:xfrm>
-            <a:off x="1408766" y="7149937"/>
-            <a:ext cx="4709646" cy="2263003"/>
-          </a:xfrm>
-          <a:prstGeom prst="foldedCorner">
-            <a:avLst/>
-          </a:prstGeom>
-          <a:solidFill>
-            <a:srgbClr val="FFC000"/>
-          </a:solidFill>
-          <a:ln>
-            <a:noFill/>
-          </a:ln>
-          <a:effectLst/>
-        </p:spPr>
-        <p:style>
-          <a:lnRef idx="1">
-            <a:schemeClr val="accent1"/>
-          </a:lnRef>
-          <a:fillRef idx="3">
-            <a:schemeClr val="accent1"/>
-          </a:fillRef>
-          <a:effectRef idx="2">
-            <a:schemeClr val="accent1"/>
-          </a:effectRef>
-          <a:fontRef idx="minor">
-            <a:schemeClr val="lt1"/>
-          </a:fontRef>
-        </p:style>
-        <p:txBody>
-          <a:bodyPr lIns="274320" tIns="274320" rIns="274320" rtlCol="0" anchor="t"/>
-          <a:lstStyle/>
-          <a:p>
-            <a:r>
-              <a:rPr lang="es-ES" sz="2400" dirty="0" err="1">
-                <a:solidFill>
-                  <a:schemeClr val="tx1"/>
-                </a:solidFill>
-                <a:latin typeface="Source Sans Pro" charset="0"/>
-                <a:ea typeface="Source Sans Pro" charset="0"/>
-                <a:cs typeface="Source Sans Pro" charset="0"/>
-              </a:rPr>
-              <a:t>Maximum</a:t>
-            </a:r>
-            <a:r>
-              <a:rPr lang="es-ES" sz="2400" dirty="0">
-                <a:solidFill>
-                  <a:schemeClr val="tx1"/>
-                </a:solidFill>
-                <a:latin typeface="Source Sans Pro" charset="0"/>
-                <a:ea typeface="Source Sans Pro" charset="0"/>
-                <a:cs typeface="Source Sans Pro" charset="0"/>
-              </a:rPr>
-              <a:t> 5 </a:t>
-            </a:r>
-            <a:r>
-              <a:rPr lang="es-ES" sz="2400" dirty="0" err="1">
-                <a:solidFill>
-                  <a:schemeClr val="tx1"/>
-                </a:solidFill>
-                <a:latin typeface="Source Sans Pro" charset="0"/>
-                <a:ea typeface="Source Sans Pro" charset="0"/>
-                <a:cs typeface="Source Sans Pro" charset="0"/>
-              </a:rPr>
-              <a:t>bullets</a:t>
-            </a:r>
-            <a:r>
-              <a:rPr lang="es-ES" sz="2400" dirty="0">
-                <a:solidFill>
-                  <a:schemeClr val="tx1"/>
-                </a:solidFill>
-                <a:latin typeface="Source Sans Pro" charset="0"/>
-                <a:ea typeface="Source Sans Pro" charset="0"/>
-                <a:cs typeface="Source Sans Pro" charset="0"/>
-              </a:rPr>
-              <a:t>. </a:t>
-            </a:r>
-            <a:r>
-              <a:rPr lang="es-ES" sz="2400" dirty="0" err="1">
-                <a:solidFill>
-                  <a:schemeClr val="tx1"/>
-                </a:solidFill>
-                <a:latin typeface="Source Sans Pro" charset="0"/>
-                <a:ea typeface="Source Sans Pro" charset="0"/>
-                <a:cs typeface="Source Sans Pro" charset="0"/>
-              </a:rPr>
-              <a:t>If</a:t>
-            </a:r>
-            <a:r>
-              <a:rPr lang="es-ES" sz="2400" dirty="0">
-                <a:solidFill>
-                  <a:schemeClr val="tx1"/>
-                </a:solidFill>
-                <a:latin typeface="Source Sans Pro" charset="0"/>
-                <a:ea typeface="Source Sans Pro" charset="0"/>
-                <a:cs typeface="Source Sans Pro" charset="0"/>
-              </a:rPr>
-              <a:t> </a:t>
-            </a:r>
-            <a:r>
-              <a:rPr lang="es-ES" sz="2400" dirty="0" err="1">
-                <a:solidFill>
-                  <a:schemeClr val="tx1"/>
-                </a:solidFill>
-                <a:latin typeface="Source Sans Pro" charset="0"/>
-                <a:ea typeface="Source Sans Pro" charset="0"/>
-                <a:cs typeface="Source Sans Pro" charset="0"/>
-              </a:rPr>
-              <a:t>you</a:t>
-            </a:r>
-            <a:r>
-              <a:rPr lang="es-ES" sz="2400" dirty="0">
-                <a:solidFill>
-                  <a:schemeClr val="tx1"/>
-                </a:solidFill>
-                <a:latin typeface="Source Sans Pro" charset="0"/>
-                <a:ea typeface="Source Sans Pro" charset="0"/>
-                <a:cs typeface="Source Sans Pro" charset="0"/>
-              </a:rPr>
-              <a:t> </a:t>
-            </a:r>
-            <a:r>
-              <a:rPr lang="es-ES" sz="2400" dirty="0" err="1">
-                <a:solidFill>
-                  <a:schemeClr val="tx1"/>
-                </a:solidFill>
-                <a:latin typeface="Source Sans Pro" charset="0"/>
-                <a:ea typeface="Source Sans Pro" charset="0"/>
-                <a:cs typeface="Source Sans Pro" charset="0"/>
-              </a:rPr>
-              <a:t>need</a:t>
-            </a:r>
-            <a:r>
-              <a:rPr lang="es-ES" sz="2400" dirty="0">
-                <a:solidFill>
-                  <a:schemeClr val="tx1"/>
-                </a:solidFill>
-                <a:latin typeface="Source Sans Pro" charset="0"/>
-                <a:ea typeface="Source Sans Pro" charset="0"/>
-                <a:cs typeface="Source Sans Pro" charset="0"/>
-              </a:rPr>
-              <a:t> more, </a:t>
-            </a:r>
-            <a:r>
-              <a:rPr lang="es-ES" sz="2400" dirty="0" err="1">
-                <a:solidFill>
-                  <a:schemeClr val="tx1"/>
-                </a:solidFill>
-                <a:latin typeface="Source Sans Pro" charset="0"/>
-                <a:ea typeface="Source Sans Pro" charset="0"/>
-                <a:cs typeface="Source Sans Pro" charset="0"/>
-              </a:rPr>
-              <a:t>create</a:t>
-            </a:r>
-            <a:r>
-              <a:rPr lang="es-ES" sz="2400" dirty="0">
-                <a:solidFill>
-                  <a:schemeClr val="tx1"/>
-                </a:solidFill>
-                <a:latin typeface="Source Sans Pro" charset="0"/>
-                <a:ea typeface="Source Sans Pro" charset="0"/>
-                <a:cs typeface="Source Sans Pro" charset="0"/>
-              </a:rPr>
-              <a:t> a new </a:t>
-            </a:r>
-            <a:r>
-              <a:rPr lang="es-ES" sz="2400" dirty="0" err="1">
-                <a:solidFill>
-                  <a:schemeClr val="tx1"/>
-                </a:solidFill>
-                <a:latin typeface="Source Sans Pro" charset="0"/>
-                <a:ea typeface="Source Sans Pro" charset="0"/>
-                <a:cs typeface="Source Sans Pro" charset="0"/>
-              </a:rPr>
-              <a:t>slide</a:t>
-            </a:r>
-            <a:r>
-              <a:rPr lang="es-ES" sz="2400" dirty="0">
-                <a:solidFill>
-                  <a:schemeClr val="tx1"/>
-                </a:solidFill>
-                <a:latin typeface="Source Sans Pro" charset="0"/>
-                <a:ea typeface="Source Sans Pro" charset="0"/>
-                <a:cs typeface="Source Sans Pro" charset="0"/>
-              </a:rPr>
-              <a:t>.</a:t>
-            </a:r>
-            <a:endParaRPr lang="is-IS" sz="2400" dirty="0">
-              <a:solidFill>
-                <a:schemeClr val="tx1"/>
-              </a:solidFill>
-              <a:latin typeface="Source Sans Pro" charset="0"/>
-              <a:ea typeface="Source Sans Pro" charset="0"/>
-              <a:cs typeface="Source Sans Pro" charset="0"/>
-            </a:endParaRPr>
-          </a:p>
-        </p:txBody>
-      </p:sp>
-    </p:spTree>
-    <p:extLst>
-      <p:ext uri="{BB962C8B-B14F-4D97-AF65-F5344CB8AC3E}">
-        <p14:creationId xmlns:p14="http://schemas.microsoft.com/office/powerpoint/2010/main" val="3857554717"/>
-      </p:ext>
-    </p:extLst>
-  </p:cSld>
-  <p:clrMapOvr>
-    <a:masterClrMapping/>
-  </p:clrMapOvr>
-  <p:timing>
-    <p:tnLst>
-      <p:par>
-        <p:cTn id="1" dur="indefinite" restart="never" nodeType="tmRoot">
-          <p:childTnLst>
-            <p:seq concurrent="1" nextAc="seek">
-              <p:cTn id="2" dur="indefinite" nodeType="mainSeq">
-                <p:childTnLst>
-                  <p:par>
-                    <p:cTn id="3" fill="hold">
-                      <p:stCondLst>
-                        <p:cond delay="indefinite"/>
-                      </p:stCondLst>
-                      <p:childTnLst>
-                        <p:par>
-                          <p:cTn id="4" fill="hold">
-                            <p:stCondLst>
-                              <p:cond delay="0"/>
-                            </p:stCondLst>
-                            <p:childTnLst>
-                              <p:par>
-                                <p:cTn id="5" presetID="10" presetClass="entr" presetSubtype="0" fill="hold" grpId="0" nodeType="clickEffect">
-                                  <p:stCondLst>
-                                    <p:cond delay="0"/>
-                                  </p:stCondLst>
-                                  <p:childTnLst>
-                                    <p:set>
-                                      <p:cBhvr>
-                                        <p:cTn id="6" dur="1" fill="hold">
-                                          <p:stCondLst>
-                                            <p:cond delay="0"/>
-                                          </p:stCondLst>
-                                        </p:cTn>
-                                        <p:tgtEl>
-                                          <p:spTgt spid="2"/>
-                                        </p:tgtEl>
-                                        <p:attrNameLst>
-                                          <p:attrName>style.visibility</p:attrName>
-                                        </p:attrNameLst>
-                                      </p:cBhvr>
-                                      <p:to>
-                                        <p:strVal val="visible"/>
-                                      </p:to>
-                                    </p:set>
-                                    <p:animEffect transition="in" filter="fade">
-                                      <p:cBhvr>
-                                        <p:cTn id="7" dur="500"/>
-                                        <p:tgtEl>
-                                          <p:spTgt spid="2"/>
-                                        </p:tgtEl>
-                                      </p:cBhvr>
-                                    </p:animEffect>
-                                  </p:childTnLst>
-                                </p:cTn>
-                              </p:par>
-                            </p:childTnLst>
-                          </p:cTn>
-                        </p:par>
-                      </p:childTnLst>
-                    </p:cTn>
-                  </p:par>
-                  <p:par>
-                    <p:cTn id="8" fill="hold">
-                      <p:stCondLst>
-                        <p:cond delay="indefinite"/>
-                      </p:stCondLst>
-                      <p:childTnLst>
-                        <p:par>
-                          <p:cTn id="9" fill="hold">
-                            <p:stCondLst>
-                              <p:cond delay="0"/>
-                            </p:stCondLst>
-                            <p:childTnLst>
-                              <p:par>
-                                <p:cTn id="10" presetID="10" presetClass="entr" presetSubtype="0" fill="hold" grpId="0" nodeType="clickEffect">
-                                  <p:stCondLst>
-                                    <p:cond delay="0"/>
-                                  </p:stCondLst>
-                                  <p:childTnLst>
-                                    <p:set>
-                                      <p:cBhvr>
-                                        <p:cTn id="11" dur="1" fill="hold">
-                                          <p:stCondLst>
-                                            <p:cond delay="0"/>
-                                          </p:stCondLst>
-                                        </p:cTn>
-                                        <p:tgtEl>
-                                          <p:spTgt spid="3">
-                                            <p:txEl>
-                                              <p:pRg st="0" end="0"/>
-                                            </p:txEl>
-                                          </p:spTgt>
-                                        </p:tgtEl>
-                                        <p:attrNameLst>
-                                          <p:attrName>style.visibility</p:attrName>
-                                        </p:attrNameLst>
-                                      </p:cBhvr>
-                                      <p:to>
-                                        <p:strVal val="visible"/>
-                                      </p:to>
-                                    </p:set>
-                                    <p:animEffect transition="in" filter="fade">
-                                      <p:cBhvr>
-                                        <p:cTn id="12" dur="500"/>
-                                        <p:tgtEl>
-                                          <p:spTgt spid="3">
-                                            <p:txEl>
-                                              <p:pRg st="0" end="0"/>
-                                            </p:txEl>
-                                          </p:spTgt>
-                                        </p:tgtEl>
-                                      </p:cBhvr>
-                                    </p:animEffect>
-                                  </p:childTnLst>
-                                </p:cTn>
-                              </p:par>
-                            </p:childTnLst>
-                          </p:cTn>
-                        </p:par>
-                      </p:childTnLst>
-                    </p:cTn>
-                  </p:par>
-                  <p:par>
-                    <p:cTn id="13" fill="hold">
-                      <p:stCondLst>
-                        <p:cond delay="indefinite"/>
-                      </p:stCondLst>
-                      <p:childTnLst>
-                        <p:par>
-                          <p:cTn id="14" fill="hold">
-                            <p:stCondLst>
-                              <p:cond delay="0"/>
-                            </p:stCondLst>
-                            <p:childTnLst>
-                              <p:par>
-                                <p:cTn id="15" presetID="10" presetClass="entr" presetSubtype="0" fill="hold" grpId="0" nodeType="clickEffect">
-                                  <p:stCondLst>
-                                    <p:cond delay="0"/>
-                                  </p:stCondLst>
-                                  <p:childTnLst>
-                                    <p:set>
-                                      <p:cBhvr>
-                                        <p:cTn id="16" dur="1" fill="hold">
-                                          <p:stCondLst>
-                                            <p:cond delay="0"/>
-                                          </p:stCondLst>
-                                        </p:cTn>
-                                        <p:tgtEl>
-                                          <p:spTgt spid="3">
-                                            <p:txEl>
-                                              <p:pRg st="1" end="1"/>
-                                            </p:txEl>
-                                          </p:spTgt>
-                                        </p:tgtEl>
-                                        <p:attrNameLst>
-                                          <p:attrName>style.visibility</p:attrName>
-                                        </p:attrNameLst>
-                                      </p:cBhvr>
-                                      <p:to>
-                                        <p:strVal val="visible"/>
-                                      </p:to>
-                                    </p:set>
-                                    <p:animEffect transition="in" filter="fade">
-                                      <p:cBhvr>
-                                        <p:cTn id="17" dur="500"/>
-                                        <p:tgtEl>
-                                          <p:spTgt spid="3">
-                                            <p:txEl>
-                                              <p:pRg st="1" end="1"/>
-                                            </p:txEl>
-                                          </p:spTgt>
-                                        </p:tgtEl>
-                                      </p:cBhvr>
-                                    </p:animEffect>
-                                  </p:childTnLst>
-                                </p:cTn>
-                              </p:par>
-                            </p:childTnLst>
-                          </p:cTn>
-                        </p:par>
-                      </p:childTnLst>
-                    </p:cTn>
-                  </p:par>
-                  <p:par>
-                    <p:cTn id="18" fill="hold">
-                      <p:stCondLst>
-                        <p:cond delay="indefinite"/>
-                      </p:stCondLst>
-                      <p:childTnLst>
-                        <p:par>
-                          <p:cTn id="19" fill="hold">
-                            <p:stCondLst>
-                              <p:cond delay="0"/>
-                            </p:stCondLst>
-                            <p:childTnLst>
-                              <p:par>
-                                <p:cTn id="20" presetID="10" presetClass="entr" presetSubtype="0" fill="hold" grpId="0" nodeType="clickEffect">
-                                  <p:stCondLst>
-                                    <p:cond delay="0"/>
-                                  </p:stCondLst>
-                                  <p:childTnLst>
-                                    <p:set>
-                                      <p:cBhvr>
-                                        <p:cTn id="21" dur="1" fill="hold">
-                                          <p:stCondLst>
-                                            <p:cond delay="0"/>
-                                          </p:stCondLst>
-                                        </p:cTn>
-                                        <p:tgtEl>
-                                          <p:spTgt spid="3">
-                                            <p:txEl>
-                                              <p:pRg st="2" end="2"/>
-                                            </p:txEl>
-                                          </p:spTgt>
-                                        </p:tgtEl>
-                                        <p:attrNameLst>
-                                          <p:attrName>style.visibility</p:attrName>
-                                        </p:attrNameLst>
-                                      </p:cBhvr>
-                                      <p:to>
-                                        <p:strVal val="visible"/>
-                                      </p:to>
-                                    </p:set>
-                                    <p:animEffect transition="in" filter="fade">
-                                      <p:cBhvr>
-                                        <p:cTn id="22" dur="500"/>
+                                        <p:cTn id="18" dur="500"/>
                                         <p:tgtEl>
                                           <p:spTgt spid="3">
                                             <p:txEl>
@@ -17716,7 +16603,7 @@
 </p:sld>
 </file>
 
-<file path=ppt/slides/slide14.xml><?xml version="1.0" encoding="utf-8"?>
+<file path=ppt/slides/slide12.xml><?xml version="1.0" encoding="utf-8"?>
 <p:sld xmlns:a="http://schemas.openxmlformats.org/drawingml/2006/main" xmlns:r="http://schemas.openxmlformats.org/officeDocument/2006/relationships" xmlns:p="http://schemas.openxmlformats.org/presentationml/2006/main">
   <p:cSld>
     <p:spTree>
@@ -18445,12 +17332,8 @@
           <a:lstStyle/>
           <a:p>
             <a:r>
-              <a:rPr lang="en-US" dirty="0" err="1"/>
-              <a:t>Caracteristicas</a:t>
-            </a:r>
-            <a:r>
-              <a:rPr lang="en-US" dirty="0"/>
-              <a:t> SQL Server</a:t>
+              <a:rPr lang="es-CO" dirty="0"/>
+              <a:t>Características SQL Server</a:t>
             </a:r>
           </a:p>
         </p:txBody>
@@ -18471,176 +17354,33 @@
           <a:lstStyle/>
           <a:p>
             <a:r>
-              <a:rPr lang="en-US" dirty="0" err="1"/>
-              <a:t>Potente</a:t>
-            </a:r>
-            <a:r>
-              <a:rPr lang="en-US" dirty="0"/>
-              <a:t> gestor de base de </a:t>
-            </a:r>
-            <a:r>
-              <a:rPr lang="en-US" dirty="0" err="1"/>
-              <a:t>datos</a:t>
-            </a:r>
-            <a:endParaRPr lang="en-US" dirty="0"/>
-          </a:p>
-          <a:p>
-            <a:r>
-              <a:rPr lang="en-US" dirty="0" err="1"/>
-              <a:t>Integración</a:t>
-            </a:r>
-            <a:r>
-              <a:rPr lang="en-US" dirty="0"/>
-              <a:t> de </a:t>
-            </a:r>
-            <a:r>
-              <a:rPr lang="en-US" dirty="0" err="1"/>
-              <a:t>datos</a:t>
-            </a:r>
-            <a:r>
-              <a:rPr lang="en-US" dirty="0"/>
-              <a:t> de alto </a:t>
-            </a:r>
-            <a:r>
-              <a:rPr lang="en-US" dirty="0" err="1"/>
-              <a:t>rendimiento</a:t>
-            </a:r>
-            <a:r>
-              <a:rPr lang="en-US" dirty="0"/>
-              <a:t>, </a:t>
-            </a:r>
-            <a:r>
-              <a:rPr lang="en-US" dirty="0" err="1"/>
-              <a:t>incluída</a:t>
-            </a:r>
-            <a:r>
-              <a:rPr lang="en-US" dirty="0"/>
-              <a:t> la </a:t>
-            </a:r>
-            <a:r>
-              <a:rPr lang="en-US" dirty="0" err="1"/>
-              <a:t>extracción</a:t>
-            </a:r>
-            <a:r>
-              <a:rPr lang="en-US" dirty="0"/>
-              <a:t>, </a:t>
-            </a:r>
-            <a:r>
-              <a:rPr lang="en-US" dirty="0" err="1"/>
-              <a:t>transformación</a:t>
-            </a:r>
-            <a:r>
-              <a:rPr lang="en-US" dirty="0"/>
-              <a:t> y </a:t>
-            </a:r>
-            <a:r>
-              <a:rPr lang="en-US" dirty="0" err="1"/>
-              <a:t>carga</a:t>
-            </a:r>
-            <a:r>
-              <a:rPr lang="en-US" dirty="0"/>
-              <a:t> de </a:t>
-            </a:r>
-            <a:r>
-              <a:rPr lang="en-US" dirty="0" err="1"/>
-              <a:t>datos</a:t>
-            </a:r>
-            <a:r>
-              <a:rPr lang="en-US" dirty="0"/>
-              <a:t> (ETL)</a:t>
-            </a:r>
-          </a:p>
-          <a:p>
-            <a:r>
-              <a:rPr lang="en-US" dirty="0" err="1"/>
-              <a:t>Estructura</a:t>
-            </a:r>
-            <a:r>
-              <a:rPr lang="en-US" dirty="0"/>
-              <a:t> </a:t>
-            </a:r>
-            <a:r>
-              <a:rPr lang="en-US" dirty="0" err="1"/>
-              <a:t>Cliente-Servidor</a:t>
-            </a:r>
-            <a:endParaRPr lang="en-US" dirty="0"/>
-          </a:p>
-          <a:p>
-            <a:r>
-              <a:rPr lang="en-US" dirty="0"/>
-              <a:t>El </a:t>
-            </a:r>
-            <a:r>
-              <a:rPr lang="en-US" dirty="0" err="1"/>
-              <a:t>cliente</a:t>
-            </a:r>
-            <a:r>
-              <a:rPr lang="en-US" dirty="0"/>
-              <a:t> es </a:t>
-            </a:r>
-            <a:r>
-              <a:rPr lang="en-US" dirty="0" err="1"/>
-              <a:t>responsable</a:t>
-            </a:r>
-            <a:r>
-              <a:rPr lang="en-US" dirty="0"/>
-              <a:t> de la </a:t>
-            </a:r>
-            <a:r>
-              <a:rPr lang="en-US" dirty="0" err="1"/>
-              <a:t>lógica</a:t>
-            </a:r>
-            <a:r>
-              <a:rPr lang="en-US" dirty="0"/>
-              <a:t> y de </a:t>
-            </a:r>
-            <a:r>
-              <a:rPr lang="en-US" dirty="0" err="1"/>
-              <a:t>presentar</a:t>
-            </a:r>
-            <a:r>
-              <a:rPr lang="en-US" dirty="0"/>
-              <a:t> </a:t>
-            </a:r>
-            <a:r>
-              <a:rPr lang="en-US" dirty="0" err="1"/>
-              <a:t>información</a:t>
-            </a:r>
-            <a:endParaRPr lang="en-US" dirty="0"/>
-          </a:p>
-          <a:p>
-            <a:r>
-              <a:rPr lang="en-US" dirty="0"/>
-              <a:t>Transact-SQL para </a:t>
-            </a:r>
-            <a:r>
-              <a:rPr lang="en-US" dirty="0" err="1"/>
-              <a:t>enviar</a:t>
-            </a:r>
-            <a:r>
-              <a:rPr lang="en-US" dirty="0"/>
-              <a:t> </a:t>
-            </a:r>
-            <a:r>
-              <a:rPr lang="en-US" dirty="0" err="1"/>
-              <a:t>peticiones</a:t>
-            </a:r>
-            <a:r>
-              <a:rPr lang="en-US" dirty="0"/>
-              <a:t> entre </a:t>
-            </a:r>
-            <a:r>
-              <a:rPr lang="en-US" dirty="0" err="1"/>
-              <a:t>cliente</a:t>
-            </a:r>
-            <a:r>
-              <a:rPr lang="en-US" dirty="0"/>
-              <a:t> y SQL server</a:t>
+              <a:rPr lang="es-CO" dirty="0"/>
+              <a:t>Potente gestor de base de datos relacionales</a:t>
+            </a:r>
+          </a:p>
+          <a:p>
+            <a:r>
+              <a:rPr lang="es-CO" dirty="0"/>
+              <a:t>Servicios complementarios: integración de datos, modelos semánticos, reportes, entre otros</a:t>
+            </a:r>
+          </a:p>
+          <a:p>
+            <a:r>
+              <a:rPr lang="es-CO" dirty="0"/>
+              <a:t>Usa lenguaje </a:t>
+            </a:r>
+            <a:r>
+              <a:rPr lang="es-CO" dirty="0" err="1"/>
+              <a:t>Transact</a:t>
+            </a:r>
+            <a:r>
+              <a:rPr lang="es-CO" dirty="0"/>
+              <a:t>-SQL</a:t>
             </a:r>
           </a:p>
           <a:p>
             <a:pPr lvl="1"/>
-            <a:endParaRPr lang="en-US" dirty="0"/>
+            <a:endParaRPr lang="es-CO" dirty="0"/>
           </a:p>
         </p:txBody>
       </p:sp>
@@ -18853,6 +17593,582 @@
     <p:extLst>
       <p:ext uri="{BB962C8B-B14F-4D97-AF65-F5344CB8AC3E}">
         <p14:creationId xmlns:p14="http://schemas.microsoft.com/office/powerpoint/2010/main" val="1363022931"/>
+      </p:ext>
+    </p:extLst>
+  </p:cSld>
+  <p:clrMapOvr>
+    <a:masterClrMapping/>
+  </p:clrMapOvr>
+  <p:timing>
+    <p:tnLst>
+      <p:par>
+        <p:cTn id="1" dur="indefinite" restart="never" nodeType="tmRoot">
+          <p:childTnLst>
+            <p:seq concurrent="1" nextAc="seek">
+              <p:cTn id="2" dur="indefinite" nodeType="mainSeq">
+                <p:childTnLst>
+                  <p:par>
+                    <p:cTn id="3" fill="hold">
+                      <p:stCondLst>
+                        <p:cond delay="indefinite"/>
+                      </p:stCondLst>
+                      <p:childTnLst>
+                        <p:par>
+                          <p:cTn id="4" fill="hold">
+                            <p:stCondLst>
+                              <p:cond delay="0"/>
+                            </p:stCondLst>
+                            <p:childTnLst>
+                              <p:par>
+                                <p:cTn id="5" presetID="10" presetClass="entr" presetSubtype="0" fill="hold" grpId="0" nodeType="clickEffect">
+                                  <p:stCondLst>
+                                    <p:cond delay="0"/>
+                                  </p:stCondLst>
+                                  <p:childTnLst>
+                                    <p:set>
+                                      <p:cBhvr>
+                                        <p:cTn id="6" dur="1" fill="hold">
+                                          <p:stCondLst>
+                                            <p:cond delay="0"/>
+                                          </p:stCondLst>
+                                        </p:cTn>
+                                        <p:tgtEl>
+                                          <p:spTgt spid="2"/>
+                                        </p:tgtEl>
+                                        <p:attrNameLst>
+                                          <p:attrName>style.visibility</p:attrName>
+                                        </p:attrNameLst>
+                                      </p:cBhvr>
+                                      <p:to>
+                                        <p:strVal val="visible"/>
+                                      </p:to>
+                                    </p:set>
+                                    <p:animEffect transition="in" filter="fade">
+                                      <p:cBhvr>
+                                        <p:cTn id="7" dur="500"/>
+                                        <p:tgtEl>
+                                          <p:spTgt spid="2"/>
+                                        </p:tgtEl>
+                                      </p:cBhvr>
+                                    </p:animEffect>
+                                  </p:childTnLst>
+                                </p:cTn>
+                              </p:par>
+                            </p:childTnLst>
+                          </p:cTn>
+                        </p:par>
+                      </p:childTnLst>
+                    </p:cTn>
+                  </p:par>
+                  <p:par>
+                    <p:cTn id="8" fill="hold">
+                      <p:stCondLst>
+                        <p:cond delay="indefinite"/>
+                      </p:stCondLst>
+                      <p:childTnLst>
+                        <p:par>
+                          <p:cTn id="9" fill="hold">
+                            <p:stCondLst>
+                              <p:cond delay="0"/>
+                            </p:stCondLst>
+                            <p:childTnLst>
+                              <p:par>
+                                <p:cTn id="10" presetID="10" presetClass="entr" presetSubtype="0" fill="hold" grpId="0" nodeType="clickEffect">
+                                  <p:stCondLst>
+                                    <p:cond delay="0"/>
+                                  </p:stCondLst>
+                                  <p:childTnLst>
+                                    <p:set>
+                                      <p:cBhvr>
+                                        <p:cTn id="11" dur="1" fill="hold">
+                                          <p:stCondLst>
+                                            <p:cond delay="0"/>
+                                          </p:stCondLst>
+                                        </p:cTn>
+                                        <p:tgtEl>
+                                          <p:spTgt spid="3">
+                                            <p:txEl>
+                                              <p:pRg st="0" end="0"/>
+                                            </p:txEl>
+                                          </p:spTgt>
+                                        </p:tgtEl>
+                                        <p:attrNameLst>
+                                          <p:attrName>style.visibility</p:attrName>
+                                        </p:attrNameLst>
+                                      </p:cBhvr>
+                                      <p:to>
+                                        <p:strVal val="visible"/>
+                                      </p:to>
+                                    </p:set>
+                                    <p:animEffect transition="in" filter="fade">
+                                      <p:cBhvr>
+                                        <p:cTn id="12" dur="500"/>
+                                        <p:tgtEl>
+                                          <p:spTgt spid="3">
+                                            <p:txEl>
+                                              <p:pRg st="0" end="0"/>
+                                            </p:txEl>
+                                          </p:spTgt>
+                                        </p:tgtEl>
+                                      </p:cBhvr>
+                                    </p:animEffect>
+                                  </p:childTnLst>
+                                </p:cTn>
+                              </p:par>
+                            </p:childTnLst>
+                          </p:cTn>
+                        </p:par>
+                      </p:childTnLst>
+                    </p:cTn>
+                  </p:par>
+                  <p:par>
+                    <p:cTn id="13" fill="hold">
+                      <p:stCondLst>
+                        <p:cond delay="indefinite"/>
+                      </p:stCondLst>
+                      <p:childTnLst>
+                        <p:par>
+                          <p:cTn id="14" fill="hold">
+                            <p:stCondLst>
+                              <p:cond delay="0"/>
+                            </p:stCondLst>
+                            <p:childTnLst>
+                              <p:par>
+                                <p:cTn id="15" presetID="10" presetClass="entr" presetSubtype="0" fill="hold" grpId="0" nodeType="clickEffect">
+                                  <p:stCondLst>
+                                    <p:cond delay="0"/>
+                                  </p:stCondLst>
+                                  <p:childTnLst>
+                                    <p:set>
+                                      <p:cBhvr>
+                                        <p:cTn id="16" dur="1" fill="hold">
+                                          <p:stCondLst>
+                                            <p:cond delay="0"/>
+                                          </p:stCondLst>
+                                        </p:cTn>
+                                        <p:tgtEl>
+                                          <p:spTgt spid="3">
+                                            <p:txEl>
+                                              <p:pRg st="1" end="1"/>
+                                            </p:txEl>
+                                          </p:spTgt>
+                                        </p:tgtEl>
+                                        <p:attrNameLst>
+                                          <p:attrName>style.visibility</p:attrName>
+                                        </p:attrNameLst>
+                                      </p:cBhvr>
+                                      <p:to>
+                                        <p:strVal val="visible"/>
+                                      </p:to>
+                                    </p:set>
+                                    <p:animEffect transition="in" filter="fade">
+                                      <p:cBhvr>
+                                        <p:cTn id="17" dur="500"/>
+                                        <p:tgtEl>
+                                          <p:spTgt spid="3">
+                                            <p:txEl>
+                                              <p:pRg st="1" end="1"/>
+                                            </p:txEl>
+                                          </p:spTgt>
+                                        </p:tgtEl>
+                                      </p:cBhvr>
+                                    </p:animEffect>
+                                  </p:childTnLst>
+                                </p:cTn>
+                              </p:par>
+                            </p:childTnLst>
+                          </p:cTn>
+                        </p:par>
+                      </p:childTnLst>
+                    </p:cTn>
+                  </p:par>
+                  <p:par>
+                    <p:cTn id="18" fill="hold">
+                      <p:stCondLst>
+                        <p:cond delay="indefinite"/>
+                      </p:stCondLst>
+                      <p:childTnLst>
+                        <p:par>
+                          <p:cTn id="19" fill="hold">
+                            <p:stCondLst>
+                              <p:cond delay="0"/>
+                            </p:stCondLst>
+                            <p:childTnLst>
+                              <p:par>
+                                <p:cTn id="20" presetID="10" presetClass="entr" presetSubtype="0" fill="hold" grpId="0" nodeType="clickEffect">
+                                  <p:stCondLst>
+                                    <p:cond delay="0"/>
+                                  </p:stCondLst>
+                                  <p:childTnLst>
+                                    <p:set>
+                                      <p:cBhvr>
+                                        <p:cTn id="21" dur="1" fill="hold">
+                                          <p:stCondLst>
+                                            <p:cond delay="0"/>
+                                          </p:stCondLst>
+                                        </p:cTn>
+                                        <p:tgtEl>
+                                          <p:spTgt spid="3">
+                                            <p:txEl>
+                                              <p:pRg st="2" end="2"/>
+                                            </p:txEl>
+                                          </p:spTgt>
+                                        </p:tgtEl>
+                                        <p:attrNameLst>
+                                          <p:attrName>style.visibility</p:attrName>
+                                        </p:attrNameLst>
+                                      </p:cBhvr>
+                                      <p:to>
+                                        <p:strVal val="visible"/>
+                                      </p:to>
+                                    </p:set>
+                                    <p:animEffect transition="in" filter="fade">
+                                      <p:cBhvr>
+                                        <p:cTn id="22" dur="500"/>
+                                        <p:tgtEl>
+                                          <p:spTgt spid="3">
+                                            <p:txEl>
+                                              <p:pRg st="2" end="2"/>
+                                            </p:txEl>
+                                          </p:spTgt>
+                                        </p:tgtEl>
+                                      </p:cBhvr>
+                                    </p:animEffect>
+                                  </p:childTnLst>
+                                </p:cTn>
+                              </p:par>
+                            </p:childTnLst>
+                          </p:cTn>
+                        </p:par>
+                      </p:childTnLst>
+                    </p:cTn>
+                  </p:par>
+                </p:childTnLst>
+              </p:cTn>
+              <p:prevCondLst>
+                <p:cond evt="onPrev" delay="0">
+                  <p:tgtEl>
+                    <p:sldTgt/>
+                  </p:tgtEl>
+                </p:cond>
+              </p:prevCondLst>
+              <p:nextCondLst>
+                <p:cond evt="onNext" delay="0">
+                  <p:tgtEl>
+                    <p:sldTgt/>
+                  </p:tgtEl>
+                </p:cond>
+              </p:nextCondLst>
+            </p:seq>
+          </p:childTnLst>
+        </p:cTn>
+      </p:par>
+    </p:tnLst>
+    <p:bldLst>
+      <p:bldP spid="2" grpId="0"/>
+      <p:bldP spid="3" grpId="0" build="p"/>
+    </p:bldLst>
+  </p:timing>
+</p:sld>
+</file>
+
+<file path=ppt/slides/slide3.xml><?xml version="1.0" encoding="utf-8"?>
+<p:sld xmlns:a="http://schemas.openxmlformats.org/drawingml/2006/main" xmlns:r="http://schemas.openxmlformats.org/officeDocument/2006/relationships" xmlns:p="http://schemas.openxmlformats.org/presentationml/2006/main">
+  <p:cSld>
+    <p:spTree>
+      <p:nvGrpSpPr>
+        <p:cNvPr id="1" name=""/>
+        <p:cNvGrpSpPr/>
+        <p:nvPr/>
+      </p:nvGrpSpPr>
+      <p:grpSpPr>
+        <a:xfrm>
+          <a:off x="0" y="0"/>
+          <a:ext cx="0" cy="0"/>
+          <a:chOff x="0" y="0"/>
+          <a:chExt cx="0" cy="0"/>
+        </a:xfrm>
+      </p:grpSpPr>
+      <p:sp>
+        <p:nvSpPr>
+          <p:cNvPr id="2" name="Title 1"/>
+          <p:cNvSpPr>
+            <a:spLocks noGrp="1"/>
+          </p:cNvSpPr>
+          <p:nvPr>
+            <p:ph type="title"/>
+          </p:nvPr>
+        </p:nvSpPr>
+        <p:spPr/>
+        <p:txBody>
+          <a:bodyPr/>
+          <a:lstStyle/>
+          <a:p>
+            <a:r>
+              <a:rPr lang="es-CO" dirty="0"/>
+              <a:t>Características más importantes</a:t>
+            </a:r>
+          </a:p>
+        </p:txBody>
+      </p:sp>
+      <p:sp>
+        <p:nvSpPr>
+          <p:cNvPr id="3" name="Text Placeholder 2"/>
+          <p:cNvSpPr>
+            <a:spLocks noGrp="1"/>
+          </p:cNvSpPr>
+          <p:nvPr>
+            <p:ph type="body" sz="quarter" idx="10"/>
+          </p:nvPr>
+        </p:nvSpPr>
+        <p:spPr/>
+        <p:txBody>
+          <a:bodyPr/>
+          <a:lstStyle/>
+          <a:p>
+            <a:r>
+              <a:rPr lang="es-CO" dirty="0"/>
+              <a:t>Elección del lenguaje y plataforma</a:t>
+            </a:r>
+          </a:p>
+          <a:p>
+            <a:r>
+              <a:rPr lang="es-CO" dirty="0"/>
+              <a:t>Alto rendimiento (escalabilidad y rendimiento)</a:t>
+            </a:r>
+          </a:p>
+          <a:p>
+            <a:r>
+              <a:rPr lang="es-CO" dirty="0"/>
+              <a:t>Seguridad</a:t>
+            </a:r>
+          </a:p>
+          <a:p>
+            <a:r>
+              <a:rPr lang="es-CO" dirty="0"/>
+              <a:t>Inteligencia en tiempo real</a:t>
+            </a:r>
+          </a:p>
+          <a:p>
+            <a:r>
+              <a:rPr lang="es-CO" dirty="0"/>
+              <a:t>BI Móvil integral</a:t>
+            </a:r>
+          </a:p>
+          <a:p>
+            <a:endParaRPr lang="es-CO" dirty="0"/>
+          </a:p>
+        </p:txBody>
+      </p:sp>
+      <p:sp>
+        <p:nvSpPr>
+          <p:cNvPr id="4" name="Folded Corner 3"/>
+          <p:cNvSpPr/>
+          <p:nvPr/>
+        </p:nvSpPr>
+        <p:spPr>
+          <a:xfrm>
+            <a:off x="1408766" y="7149937"/>
+            <a:ext cx="4709646" cy="2263003"/>
+          </a:xfrm>
+          <a:prstGeom prst="foldedCorner">
+            <a:avLst/>
+          </a:prstGeom>
+          <a:solidFill>
+            <a:srgbClr val="FFC000"/>
+          </a:solidFill>
+          <a:ln>
+            <a:noFill/>
+          </a:ln>
+          <a:effectLst/>
+        </p:spPr>
+        <p:style>
+          <a:lnRef idx="1">
+            <a:schemeClr val="accent1"/>
+          </a:lnRef>
+          <a:fillRef idx="3">
+            <a:schemeClr val="accent1"/>
+          </a:fillRef>
+          <a:effectRef idx="2">
+            <a:schemeClr val="accent1"/>
+          </a:effectRef>
+          <a:fontRef idx="minor">
+            <a:schemeClr val="lt1"/>
+          </a:fontRef>
+        </p:style>
+        <p:txBody>
+          <a:bodyPr lIns="274320" tIns="274320" rIns="274320" rtlCol="0" anchor="t"/>
+          <a:lstStyle/>
+          <a:p>
+            <a:r>
+              <a:rPr lang="es-ES" sz="2400" dirty="0" err="1">
+                <a:solidFill>
+                  <a:schemeClr val="tx1"/>
+                </a:solidFill>
+                <a:latin typeface="Source Sans Pro" charset="0"/>
+                <a:ea typeface="Source Sans Pro" charset="0"/>
+                <a:cs typeface="Source Sans Pro" charset="0"/>
+              </a:rPr>
+              <a:t>Maximum</a:t>
+            </a:r>
+            <a:r>
+              <a:rPr lang="es-ES" sz="2400" dirty="0">
+                <a:solidFill>
+                  <a:schemeClr val="tx1"/>
+                </a:solidFill>
+                <a:latin typeface="Source Sans Pro" charset="0"/>
+                <a:ea typeface="Source Sans Pro" charset="0"/>
+                <a:cs typeface="Source Sans Pro" charset="0"/>
+              </a:rPr>
+              <a:t> 5 </a:t>
+            </a:r>
+            <a:r>
+              <a:rPr lang="es-ES" sz="2400" dirty="0" err="1">
+                <a:solidFill>
+                  <a:schemeClr val="tx1"/>
+                </a:solidFill>
+                <a:latin typeface="Source Sans Pro" charset="0"/>
+                <a:ea typeface="Source Sans Pro" charset="0"/>
+                <a:cs typeface="Source Sans Pro" charset="0"/>
+              </a:rPr>
+              <a:t>bullets</a:t>
+            </a:r>
+            <a:r>
+              <a:rPr lang="es-ES" sz="2400" dirty="0">
+                <a:solidFill>
+                  <a:schemeClr val="tx1"/>
+                </a:solidFill>
+                <a:latin typeface="Source Sans Pro" charset="0"/>
+                <a:ea typeface="Source Sans Pro" charset="0"/>
+                <a:cs typeface="Source Sans Pro" charset="0"/>
+              </a:rPr>
+              <a:t>. </a:t>
+            </a:r>
+            <a:r>
+              <a:rPr lang="es-ES" sz="2400" dirty="0" err="1">
+                <a:solidFill>
+                  <a:schemeClr val="tx1"/>
+                </a:solidFill>
+                <a:latin typeface="Source Sans Pro" charset="0"/>
+                <a:ea typeface="Source Sans Pro" charset="0"/>
+                <a:cs typeface="Source Sans Pro" charset="0"/>
+              </a:rPr>
+              <a:t>If</a:t>
+            </a:r>
+            <a:r>
+              <a:rPr lang="es-ES" sz="2400" dirty="0">
+                <a:solidFill>
+                  <a:schemeClr val="tx1"/>
+                </a:solidFill>
+                <a:latin typeface="Source Sans Pro" charset="0"/>
+                <a:ea typeface="Source Sans Pro" charset="0"/>
+                <a:cs typeface="Source Sans Pro" charset="0"/>
+              </a:rPr>
+              <a:t> </a:t>
+            </a:r>
+            <a:r>
+              <a:rPr lang="es-ES" sz="2400" dirty="0" err="1">
+                <a:solidFill>
+                  <a:schemeClr val="tx1"/>
+                </a:solidFill>
+                <a:latin typeface="Source Sans Pro" charset="0"/>
+                <a:ea typeface="Source Sans Pro" charset="0"/>
+                <a:cs typeface="Source Sans Pro" charset="0"/>
+              </a:rPr>
+              <a:t>you</a:t>
+            </a:r>
+            <a:r>
+              <a:rPr lang="es-ES" sz="2400" dirty="0">
+                <a:solidFill>
+                  <a:schemeClr val="tx1"/>
+                </a:solidFill>
+                <a:latin typeface="Source Sans Pro" charset="0"/>
+                <a:ea typeface="Source Sans Pro" charset="0"/>
+                <a:cs typeface="Source Sans Pro" charset="0"/>
+              </a:rPr>
+              <a:t> </a:t>
+            </a:r>
+            <a:r>
+              <a:rPr lang="es-ES" sz="2400" dirty="0" err="1">
+                <a:solidFill>
+                  <a:schemeClr val="tx1"/>
+                </a:solidFill>
+                <a:latin typeface="Source Sans Pro" charset="0"/>
+                <a:ea typeface="Source Sans Pro" charset="0"/>
+                <a:cs typeface="Source Sans Pro" charset="0"/>
+              </a:rPr>
+              <a:t>need</a:t>
+            </a:r>
+            <a:r>
+              <a:rPr lang="es-ES" sz="2400" dirty="0">
+                <a:solidFill>
+                  <a:schemeClr val="tx1"/>
+                </a:solidFill>
+                <a:latin typeface="Source Sans Pro" charset="0"/>
+                <a:ea typeface="Source Sans Pro" charset="0"/>
+                <a:cs typeface="Source Sans Pro" charset="0"/>
+              </a:rPr>
+              <a:t> more, </a:t>
+            </a:r>
+            <a:r>
+              <a:rPr lang="es-ES" sz="2400" dirty="0" err="1">
+                <a:solidFill>
+                  <a:schemeClr val="tx1"/>
+                </a:solidFill>
+                <a:latin typeface="Source Sans Pro" charset="0"/>
+                <a:ea typeface="Source Sans Pro" charset="0"/>
+                <a:cs typeface="Source Sans Pro" charset="0"/>
+              </a:rPr>
+              <a:t>create</a:t>
+            </a:r>
+            <a:r>
+              <a:rPr lang="es-ES" sz="2400" dirty="0">
+                <a:solidFill>
+                  <a:schemeClr val="tx1"/>
+                </a:solidFill>
+                <a:latin typeface="Source Sans Pro" charset="0"/>
+                <a:ea typeface="Source Sans Pro" charset="0"/>
+                <a:cs typeface="Source Sans Pro" charset="0"/>
+              </a:rPr>
+              <a:t> a new </a:t>
+            </a:r>
+            <a:r>
+              <a:rPr lang="es-ES" sz="2400" dirty="0" err="1">
+                <a:solidFill>
+                  <a:schemeClr val="tx1"/>
+                </a:solidFill>
+                <a:latin typeface="Source Sans Pro" charset="0"/>
+                <a:ea typeface="Source Sans Pro" charset="0"/>
+                <a:cs typeface="Source Sans Pro" charset="0"/>
+              </a:rPr>
+              <a:t>slide</a:t>
+            </a:r>
+            <a:r>
+              <a:rPr lang="es-ES" sz="2400" dirty="0">
+                <a:solidFill>
+                  <a:schemeClr val="tx1"/>
+                </a:solidFill>
+                <a:latin typeface="Source Sans Pro" charset="0"/>
+                <a:ea typeface="Source Sans Pro" charset="0"/>
+                <a:cs typeface="Source Sans Pro" charset="0"/>
+              </a:rPr>
+              <a:t>.</a:t>
+            </a:r>
+            <a:endParaRPr lang="is-IS" sz="2400" dirty="0">
+              <a:solidFill>
+                <a:schemeClr val="tx1"/>
+              </a:solidFill>
+              <a:latin typeface="Source Sans Pro" charset="0"/>
+              <a:ea typeface="Source Sans Pro" charset="0"/>
+              <a:cs typeface="Source Sans Pro" charset="0"/>
+            </a:endParaRPr>
+          </a:p>
+        </p:txBody>
+      </p:sp>
+    </p:spTree>
+    <p:extLst>
+      <p:ext uri="{BB962C8B-B14F-4D97-AF65-F5344CB8AC3E}">
+        <p14:creationId xmlns:p14="http://schemas.microsoft.com/office/powerpoint/2010/main" val="4061915832"/>
       </p:ext>
     </p:extLst>
   </p:cSld>
@@ -19254,7 +18570,7 @@
 </p:sld>
 </file>
 
-<file path=ppt/slides/slide3.xml><?xml version="1.0" encoding="utf-8"?>
+<file path=ppt/slides/slide4.xml><?xml version="1.0" encoding="utf-8"?>
 <p:sld xmlns:a="http://schemas.openxmlformats.org/drawingml/2006/main" xmlns:r="http://schemas.openxmlformats.org/officeDocument/2006/relationships" xmlns:p="http://schemas.openxmlformats.org/presentationml/2006/main">
   <p:cSld>
     <p:spTree>
@@ -19283,25 +18599,24 @@
         </p:nvSpPr>
         <p:spPr/>
         <p:txBody>
-          <a:bodyPr/>
+          <a:bodyPr>
+            <a:normAutofit/>
+          </a:bodyPr>
           <a:lstStyle/>
           <a:p>
             <a:r>
               <a:rPr lang="en-US" dirty="0" err="1"/>
-              <a:t>Tareas</a:t>
-            </a:r>
-            <a:r>
-              <a:rPr lang="en-US" dirty="0"/>
-              <a:t> </a:t>
-            </a:r>
-            <a:r>
-              <a:rPr lang="en-US" dirty="0" err="1"/>
-              <a:t>comunes</a:t>
-            </a:r>
-            <a:r>
-              <a:rPr lang="en-US" dirty="0"/>
-              <a:t> </a:t>
-            </a:r>
+              <a:t>Características</a:t>
+            </a:r>
+            <a:r>
+              <a:rPr lang="en-US" dirty="0"/>
+              <a:t> de </a:t>
+            </a:r>
+            <a:r>
+              <a:rPr lang="en-US" dirty="0" err="1"/>
+              <a:t>rendimiento</a:t>
+            </a:r>
+            <a:endParaRPr lang="en-US" dirty="0"/>
           </a:p>
         </p:txBody>
       </p:sp>
@@ -19320,66 +18635,30 @@
           <a:bodyPr/>
           <a:lstStyle/>
           <a:p>
-            <a:r>
-              <a:rPr lang="en-US" dirty="0" err="1"/>
-              <a:t>Almacenamiento</a:t>
-            </a:r>
-            <a:r>
-              <a:rPr lang="en-US" dirty="0"/>
-              <a:t> y </a:t>
-            </a:r>
-            <a:r>
-              <a:rPr lang="en-US" dirty="0" err="1"/>
-              <a:t>gestión</a:t>
-            </a:r>
-            <a:r>
-              <a:rPr lang="en-US" dirty="0"/>
-              <a:t> de </a:t>
-            </a:r>
-            <a:r>
-              <a:rPr lang="en-US" dirty="0" err="1"/>
-              <a:t>datos</a:t>
-            </a:r>
-            <a:endParaRPr lang="en-US" dirty="0"/>
-          </a:p>
-          <a:p>
-            <a:r>
-              <a:rPr lang="en-US" dirty="0"/>
-              <a:t>Calidad e </a:t>
-            </a:r>
-            <a:r>
-              <a:rPr lang="en-US" dirty="0" err="1"/>
-              <a:t>integridad</a:t>
-            </a:r>
-            <a:r>
-              <a:rPr lang="en-US" dirty="0"/>
-              <a:t> de los </a:t>
-            </a:r>
-            <a:r>
-              <a:rPr lang="en-US" dirty="0" err="1"/>
-              <a:t>datos</a:t>
-            </a:r>
-            <a:endParaRPr lang="en-US" dirty="0"/>
-          </a:p>
-          <a:p>
-            <a:r>
-              <a:rPr lang="en-US" dirty="0" err="1"/>
-              <a:t>Tratamiento</a:t>
-            </a:r>
-            <a:r>
-              <a:rPr lang="en-US" dirty="0"/>
-              <a:t> de </a:t>
-            </a:r>
-            <a:r>
-              <a:rPr lang="en-US" dirty="0" err="1"/>
-              <a:t>datos</a:t>
-            </a:r>
-            <a:endParaRPr lang="en-US" dirty="0"/>
-          </a:p>
-          <a:p>
-            <a:r>
-              <a:rPr lang="en-US" dirty="0" err="1"/>
-              <a:t>Seguridad</a:t>
+            <a:pPr lvl="1"/>
+            <a:r>
+              <a:rPr lang="es-CO" dirty="0"/>
+              <a:t>In-</a:t>
+            </a:r>
+            <a:r>
+              <a:rPr lang="es-CO" dirty="0" err="1"/>
+              <a:t>Memory</a:t>
+            </a:r>
+            <a:endParaRPr lang="es-CO" dirty="0"/>
+          </a:p>
+          <a:p>
+            <a:pPr lvl="1"/>
+            <a:r>
+              <a:rPr lang="es-CO" dirty="0" err="1"/>
+              <a:t>ColumnStore</a:t>
+            </a:r>
+            <a:endParaRPr lang="es-CO" dirty="0"/>
+          </a:p>
+          <a:p>
+            <a:pPr lvl="1"/>
+            <a:r>
+              <a:rPr lang="es-CO" dirty="0"/>
+              <a:t>Análisis en tiempo real</a:t>
             </a:r>
             <a:endParaRPr lang="en-US" dirty="0"/>
           </a:p>
@@ -19593,7 +18872,537 @@
     </p:spTree>
     <p:extLst>
       <p:ext uri="{BB962C8B-B14F-4D97-AF65-F5344CB8AC3E}">
-        <p14:creationId xmlns:p14="http://schemas.microsoft.com/office/powerpoint/2010/main" val="4061915832"/>
+        <p14:creationId xmlns:p14="http://schemas.microsoft.com/office/powerpoint/2010/main" val="588025133"/>
+      </p:ext>
+    </p:extLst>
+  </p:cSld>
+  <p:clrMapOvr>
+    <a:masterClrMapping/>
+  </p:clrMapOvr>
+  <p:timing>
+    <p:tnLst>
+      <p:par>
+        <p:cTn id="1" dur="indefinite" restart="never" nodeType="tmRoot">
+          <p:childTnLst>
+            <p:seq concurrent="1" nextAc="seek">
+              <p:cTn id="2" dur="indefinite" nodeType="mainSeq">
+                <p:childTnLst>
+                  <p:par>
+                    <p:cTn id="3" fill="hold">
+                      <p:stCondLst>
+                        <p:cond delay="indefinite"/>
+                      </p:stCondLst>
+                      <p:childTnLst>
+                        <p:par>
+                          <p:cTn id="4" fill="hold">
+                            <p:stCondLst>
+                              <p:cond delay="0"/>
+                            </p:stCondLst>
+                            <p:childTnLst>
+                              <p:par>
+                                <p:cTn id="5" presetID="10" presetClass="entr" presetSubtype="0" fill="hold" grpId="0" nodeType="clickEffect">
+                                  <p:stCondLst>
+                                    <p:cond delay="0"/>
+                                  </p:stCondLst>
+                                  <p:childTnLst>
+                                    <p:set>
+                                      <p:cBhvr>
+                                        <p:cTn id="6" dur="1" fill="hold">
+                                          <p:stCondLst>
+                                            <p:cond delay="0"/>
+                                          </p:stCondLst>
+                                        </p:cTn>
+                                        <p:tgtEl>
+                                          <p:spTgt spid="2"/>
+                                        </p:tgtEl>
+                                        <p:attrNameLst>
+                                          <p:attrName>style.visibility</p:attrName>
+                                        </p:attrNameLst>
+                                      </p:cBhvr>
+                                      <p:to>
+                                        <p:strVal val="visible"/>
+                                      </p:to>
+                                    </p:set>
+                                    <p:animEffect transition="in" filter="fade">
+                                      <p:cBhvr>
+                                        <p:cTn id="7" dur="500"/>
+                                        <p:tgtEl>
+                                          <p:spTgt spid="2"/>
+                                        </p:tgtEl>
+                                      </p:cBhvr>
+                                    </p:animEffect>
+                                  </p:childTnLst>
+                                </p:cTn>
+                              </p:par>
+                            </p:childTnLst>
+                          </p:cTn>
+                        </p:par>
+                      </p:childTnLst>
+                    </p:cTn>
+                  </p:par>
+                  <p:par>
+                    <p:cTn id="8" fill="hold">
+                      <p:stCondLst>
+                        <p:cond delay="indefinite"/>
+                      </p:stCondLst>
+                      <p:childTnLst>
+                        <p:par>
+                          <p:cTn id="9" fill="hold">
+                            <p:stCondLst>
+                              <p:cond delay="0"/>
+                            </p:stCondLst>
+                            <p:childTnLst>
+                              <p:par>
+                                <p:cTn id="10" presetID="10" presetClass="entr" presetSubtype="0" fill="hold" grpId="0" nodeType="clickEffect">
+                                  <p:stCondLst>
+                                    <p:cond delay="0"/>
+                                  </p:stCondLst>
+                                  <p:childTnLst>
+                                    <p:set>
+                                      <p:cBhvr>
+                                        <p:cTn id="11" dur="1" fill="hold">
+                                          <p:stCondLst>
+                                            <p:cond delay="0"/>
+                                          </p:stCondLst>
+                                        </p:cTn>
+                                        <p:tgtEl>
+                                          <p:spTgt spid="3">
+                                            <p:txEl>
+                                              <p:pRg st="0" end="0"/>
+                                            </p:txEl>
+                                          </p:spTgt>
+                                        </p:tgtEl>
+                                        <p:attrNameLst>
+                                          <p:attrName>style.visibility</p:attrName>
+                                        </p:attrNameLst>
+                                      </p:cBhvr>
+                                      <p:to>
+                                        <p:strVal val="visible"/>
+                                      </p:to>
+                                    </p:set>
+                                    <p:animEffect transition="in" filter="fade">
+                                      <p:cBhvr>
+                                        <p:cTn id="12" dur="500"/>
+                                        <p:tgtEl>
+                                          <p:spTgt spid="3">
+                                            <p:txEl>
+                                              <p:pRg st="0" end="0"/>
+                                            </p:txEl>
+                                          </p:spTgt>
+                                        </p:tgtEl>
+                                      </p:cBhvr>
+                                    </p:animEffect>
+                                  </p:childTnLst>
+                                </p:cTn>
+                              </p:par>
+                              <p:par>
+                                <p:cTn id="13" presetID="10" presetClass="entr" presetSubtype="0" fill="hold" grpId="0" nodeType="withEffect">
+                                  <p:stCondLst>
+                                    <p:cond delay="0"/>
+                                  </p:stCondLst>
+                                  <p:childTnLst>
+                                    <p:set>
+                                      <p:cBhvr>
+                                        <p:cTn id="14" dur="1" fill="hold">
+                                          <p:stCondLst>
+                                            <p:cond delay="0"/>
+                                          </p:stCondLst>
+                                        </p:cTn>
+                                        <p:tgtEl>
+                                          <p:spTgt spid="3">
+                                            <p:txEl>
+                                              <p:pRg st="1" end="1"/>
+                                            </p:txEl>
+                                          </p:spTgt>
+                                        </p:tgtEl>
+                                        <p:attrNameLst>
+                                          <p:attrName>style.visibility</p:attrName>
+                                        </p:attrNameLst>
+                                      </p:cBhvr>
+                                      <p:to>
+                                        <p:strVal val="visible"/>
+                                      </p:to>
+                                    </p:set>
+                                    <p:animEffect transition="in" filter="fade">
+                                      <p:cBhvr>
+                                        <p:cTn id="15" dur="500"/>
+                                        <p:tgtEl>
+                                          <p:spTgt spid="3">
+                                            <p:txEl>
+                                              <p:pRg st="1" end="1"/>
+                                            </p:txEl>
+                                          </p:spTgt>
+                                        </p:tgtEl>
+                                      </p:cBhvr>
+                                    </p:animEffect>
+                                  </p:childTnLst>
+                                </p:cTn>
+                              </p:par>
+                              <p:par>
+                                <p:cTn id="16" presetID="10" presetClass="entr" presetSubtype="0" fill="hold" grpId="0" nodeType="withEffect">
+                                  <p:stCondLst>
+                                    <p:cond delay="0"/>
+                                  </p:stCondLst>
+                                  <p:childTnLst>
+                                    <p:set>
+                                      <p:cBhvr>
+                                        <p:cTn id="17" dur="1" fill="hold">
+                                          <p:stCondLst>
+                                            <p:cond delay="0"/>
+                                          </p:stCondLst>
+                                        </p:cTn>
+                                        <p:tgtEl>
+                                          <p:spTgt spid="3">
+                                            <p:txEl>
+                                              <p:pRg st="2" end="2"/>
+                                            </p:txEl>
+                                          </p:spTgt>
+                                        </p:tgtEl>
+                                        <p:attrNameLst>
+                                          <p:attrName>style.visibility</p:attrName>
+                                        </p:attrNameLst>
+                                      </p:cBhvr>
+                                      <p:to>
+                                        <p:strVal val="visible"/>
+                                      </p:to>
+                                    </p:set>
+                                    <p:animEffect transition="in" filter="fade">
+                                      <p:cBhvr>
+                                        <p:cTn id="18" dur="500"/>
+                                        <p:tgtEl>
+                                          <p:spTgt spid="3">
+                                            <p:txEl>
+                                              <p:pRg st="2" end="2"/>
+                                            </p:txEl>
+                                          </p:spTgt>
+                                        </p:tgtEl>
+                                      </p:cBhvr>
+                                    </p:animEffect>
+                                  </p:childTnLst>
+                                </p:cTn>
+                              </p:par>
+                            </p:childTnLst>
+                          </p:cTn>
+                        </p:par>
+                      </p:childTnLst>
+                    </p:cTn>
+                  </p:par>
+                </p:childTnLst>
+              </p:cTn>
+              <p:prevCondLst>
+                <p:cond evt="onPrev" delay="0">
+                  <p:tgtEl>
+                    <p:sldTgt/>
+                  </p:tgtEl>
+                </p:cond>
+              </p:prevCondLst>
+              <p:nextCondLst>
+                <p:cond evt="onNext" delay="0">
+                  <p:tgtEl>
+                    <p:sldTgt/>
+                  </p:tgtEl>
+                </p:cond>
+              </p:nextCondLst>
+            </p:seq>
+          </p:childTnLst>
+        </p:cTn>
+      </p:par>
+    </p:tnLst>
+    <p:bldLst>
+      <p:bldP spid="2" grpId="0"/>
+      <p:bldP spid="3" grpId="0" build="p"/>
+    </p:bldLst>
+  </p:timing>
+</p:sld>
+</file>
+
+<file path=ppt/slides/slide5.xml><?xml version="1.0" encoding="utf-8"?>
+<p:sld xmlns:a="http://schemas.openxmlformats.org/drawingml/2006/main" xmlns:r="http://schemas.openxmlformats.org/officeDocument/2006/relationships" xmlns:p="http://schemas.openxmlformats.org/presentationml/2006/main">
+  <p:cSld>
+    <p:spTree>
+      <p:nvGrpSpPr>
+        <p:cNvPr id="1" name=""/>
+        <p:cNvGrpSpPr/>
+        <p:nvPr/>
+      </p:nvGrpSpPr>
+      <p:grpSpPr>
+        <a:xfrm>
+          <a:off x="0" y="0"/>
+          <a:ext cx="0" cy="0"/>
+          <a:chOff x="0" y="0"/>
+          <a:chExt cx="0" cy="0"/>
+        </a:xfrm>
+      </p:grpSpPr>
+      <p:sp>
+        <p:nvSpPr>
+          <p:cNvPr id="2" name="Title 1"/>
+          <p:cNvSpPr>
+            <a:spLocks noGrp="1"/>
+          </p:cNvSpPr>
+          <p:nvPr>
+            <p:ph type="title"/>
+          </p:nvPr>
+        </p:nvSpPr>
+        <p:spPr/>
+        <p:txBody>
+          <a:bodyPr>
+            <a:normAutofit/>
+          </a:bodyPr>
+          <a:lstStyle/>
+          <a:p>
+            <a:r>
+              <a:rPr lang="en-US" dirty="0" err="1"/>
+              <a:t>Características</a:t>
+            </a:r>
+            <a:r>
+              <a:rPr lang="en-US" dirty="0"/>
+              <a:t> de </a:t>
+            </a:r>
+            <a:r>
+              <a:rPr lang="en-US" dirty="0" err="1"/>
+              <a:t>Disponibilidad</a:t>
+            </a:r>
+            <a:endParaRPr lang="en-US" dirty="0"/>
+          </a:p>
+        </p:txBody>
+      </p:sp>
+      <p:sp>
+        <p:nvSpPr>
+          <p:cNvPr id="3" name="Text Placeholder 2"/>
+          <p:cNvSpPr>
+            <a:spLocks noGrp="1"/>
+          </p:cNvSpPr>
+          <p:nvPr>
+            <p:ph type="body" sz="quarter" idx="10"/>
+          </p:nvPr>
+        </p:nvSpPr>
+        <p:spPr/>
+        <p:txBody>
+          <a:bodyPr/>
+          <a:lstStyle/>
+          <a:p>
+            <a:pPr lvl="1"/>
+            <a:r>
+              <a:rPr lang="es-CO" dirty="0" err="1"/>
+              <a:t>Always</a:t>
+            </a:r>
+            <a:r>
+              <a:rPr lang="es-CO" dirty="0"/>
+              <a:t> ON</a:t>
+            </a:r>
+            <a:endParaRPr lang="en-US" dirty="0"/>
+          </a:p>
+        </p:txBody>
+      </p:sp>
+      <p:sp>
+        <p:nvSpPr>
+          <p:cNvPr id="4" name="Folded Corner 3"/>
+          <p:cNvSpPr/>
+          <p:nvPr/>
+        </p:nvSpPr>
+        <p:spPr>
+          <a:xfrm>
+            <a:off x="1408766" y="7149937"/>
+            <a:ext cx="4709646" cy="2263003"/>
+          </a:xfrm>
+          <a:prstGeom prst="foldedCorner">
+            <a:avLst/>
+          </a:prstGeom>
+          <a:solidFill>
+            <a:srgbClr val="FFC000"/>
+          </a:solidFill>
+          <a:ln>
+            <a:noFill/>
+          </a:ln>
+          <a:effectLst/>
+        </p:spPr>
+        <p:style>
+          <a:lnRef idx="1">
+            <a:schemeClr val="accent1"/>
+          </a:lnRef>
+          <a:fillRef idx="3">
+            <a:schemeClr val="accent1"/>
+          </a:fillRef>
+          <a:effectRef idx="2">
+            <a:schemeClr val="accent1"/>
+          </a:effectRef>
+          <a:fontRef idx="minor">
+            <a:schemeClr val="lt1"/>
+          </a:fontRef>
+        </p:style>
+        <p:txBody>
+          <a:bodyPr lIns="274320" tIns="274320" rIns="274320" rtlCol="0" anchor="t"/>
+          <a:lstStyle/>
+          <a:p>
+            <a:r>
+              <a:rPr lang="es-ES" sz="2400" dirty="0" err="1">
+                <a:solidFill>
+                  <a:schemeClr val="tx1"/>
+                </a:solidFill>
+                <a:latin typeface="Source Sans Pro" charset="0"/>
+                <a:ea typeface="Source Sans Pro" charset="0"/>
+                <a:cs typeface="Source Sans Pro" charset="0"/>
+              </a:rPr>
+              <a:t>Maximum</a:t>
+            </a:r>
+            <a:r>
+              <a:rPr lang="es-ES" sz="2400" dirty="0">
+                <a:solidFill>
+                  <a:schemeClr val="tx1"/>
+                </a:solidFill>
+                <a:latin typeface="Source Sans Pro" charset="0"/>
+                <a:ea typeface="Source Sans Pro" charset="0"/>
+                <a:cs typeface="Source Sans Pro" charset="0"/>
+              </a:rPr>
+              <a:t> 5 </a:t>
+            </a:r>
+            <a:r>
+              <a:rPr lang="es-ES" sz="2400" dirty="0" err="1">
+                <a:solidFill>
+                  <a:schemeClr val="tx1"/>
+                </a:solidFill>
+                <a:latin typeface="Source Sans Pro" charset="0"/>
+                <a:ea typeface="Source Sans Pro" charset="0"/>
+                <a:cs typeface="Source Sans Pro" charset="0"/>
+              </a:rPr>
+              <a:t>bullets</a:t>
+            </a:r>
+            <a:r>
+              <a:rPr lang="es-ES" sz="2400" dirty="0">
+                <a:solidFill>
+                  <a:schemeClr val="tx1"/>
+                </a:solidFill>
+                <a:latin typeface="Source Sans Pro" charset="0"/>
+                <a:ea typeface="Source Sans Pro" charset="0"/>
+                <a:cs typeface="Source Sans Pro" charset="0"/>
+              </a:rPr>
+              <a:t>. </a:t>
+            </a:r>
+            <a:r>
+              <a:rPr lang="es-ES" sz="2400" dirty="0" err="1">
+                <a:solidFill>
+                  <a:schemeClr val="tx1"/>
+                </a:solidFill>
+                <a:latin typeface="Source Sans Pro" charset="0"/>
+                <a:ea typeface="Source Sans Pro" charset="0"/>
+                <a:cs typeface="Source Sans Pro" charset="0"/>
+              </a:rPr>
+              <a:t>If</a:t>
+            </a:r>
+            <a:r>
+              <a:rPr lang="es-ES" sz="2400" dirty="0">
+                <a:solidFill>
+                  <a:schemeClr val="tx1"/>
+                </a:solidFill>
+                <a:latin typeface="Source Sans Pro" charset="0"/>
+                <a:ea typeface="Source Sans Pro" charset="0"/>
+                <a:cs typeface="Source Sans Pro" charset="0"/>
+              </a:rPr>
+              <a:t> </a:t>
+            </a:r>
+            <a:r>
+              <a:rPr lang="es-ES" sz="2400" dirty="0" err="1">
+                <a:solidFill>
+                  <a:schemeClr val="tx1"/>
+                </a:solidFill>
+                <a:latin typeface="Source Sans Pro" charset="0"/>
+                <a:ea typeface="Source Sans Pro" charset="0"/>
+                <a:cs typeface="Source Sans Pro" charset="0"/>
+              </a:rPr>
+              <a:t>you</a:t>
+            </a:r>
+            <a:r>
+              <a:rPr lang="es-ES" sz="2400" dirty="0">
+                <a:solidFill>
+                  <a:schemeClr val="tx1"/>
+                </a:solidFill>
+                <a:latin typeface="Source Sans Pro" charset="0"/>
+                <a:ea typeface="Source Sans Pro" charset="0"/>
+                <a:cs typeface="Source Sans Pro" charset="0"/>
+              </a:rPr>
+              <a:t> </a:t>
+            </a:r>
+            <a:r>
+              <a:rPr lang="es-ES" sz="2400" dirty="0" err="1">
+                <a:solidFill>
+                  <a:schemeClr val="tx1"/>
+                </a:solidFill>
+                <a:latin typeface="Source Sans Pro" charset="0"/>
+                <a:ea typeface="Source Sans Pro" charset="0"/>
+                <a:cs typeface="Source Sans Pro" charset="0"/>
+              </a:rPr>
+              <a:t>need</a:t>
+            </a:r>
+            <a:r>
+              <a:rPr lang="es-ES" sz="2400" dirty="0">
+                <a:solidFill>
+                  <a:schemeClr val="tx1"/>
+                </a:solidFill>
+                <a:latin typeface="Source Sans Pro" charset="0"/>
+                <a:ea typeface="Source Sans Pro" charset="0"/>
+                <a:cs typeface="Source Sans Pro" charset="0"/>
+              </a:rPr>
+              <a:t> more, </a:t>
+            </a:r>
+            <a:r>
+              <a:rPr lang="es-ES" sz="2400" dirty="0" err="1">
+                <a:solidFill>
+                  <a:schemeClr val="tx1"/>
+                </a:solidFill>
+                <a:latin typeface="Source Sans Pro" charset="0"/>
+                <a:ea typeface="Source Sans Pro" charset="0"/>
+                <a:cs typeface="Source Sans Pro" charset="0"/>
+              </a:rPr>
+              <a:t>create</a:t>
+            </a:r>
+            <a:r>
+              <a:rPr lang="es-ES" sz="2400" dirty="0">
+                <a:solidFill>
+                  <a:schemeClr val="tx1"/>
+                </a:solidFill>
+                <a:latin typeface="Source Sans Pro" charset="0"/>
+                <a:ea typeface="Source Sans Pro" charset="0"/>
+                <a:cs typeface="Source Sans Pro" charset="0"/>
+              </a:rPr>
+              <a:t> a new </a:t>
+            </a:r>
+            <a:r>
+              <a:rPr lang="es-ES" sz="2400" dirty="0" err="1">
+                <a:solidFill>
+                  <a:schemeClr val="tx1"/>
+                </a:solidFill>
+                <a:latin typeface="Source Sans Pro" charset="0"/>
+                <a:ea typeface="Source Sans Pro" charset="0"/>
+                <a:cs typeface="Source Sans Pro" charset="0"/>
+              </a:rPr>
+              <a:t>slide</a:t>
+            </a:r>
+            <a:r>
+              <a:rPr lang="es-ES" sz="2400" dirty="0">
+                <a:solidFill>
+                  <a:schemeClr val="tx1"/>
+                </a:solidFill>
+                <a:latin typeface="Source Sans Pro" charset="0"/>
+                <a:ea typeface="Source Sans Pro" charset="0"/>
+                <a:cs typeface="Source Sans Pro" charset="0"/>
+              </a:rPr>
+              <a:t>.</a:t>
+            </a:r>
+            <a:endParaRPr lang="is-IS" sz="2400" dirty="0">
+              <a:solidFill>
+                <a:schemeClr val="tx1"/>
+              </a:solidFill>
+              <a:latin typeface="Source Sans Pro" charset="0"/>
+              <a:ea typeface="Source Sans Pro" charset="0"/>
+              <a:cs typeface="Source Sans Pro" charset="0"/>
+            </a:endParaRPr>
+          </a:p>
+        </p:txBody>
+      </p:sp>
+    </p:spTree>
+    <p:extLst>
+      <p:ext uri="{BB962C8B-B14F-4D97-AF65-F5344CB8AC3E}">
+        <p14:creationId xmlns:p14="http://schemas.microsoft.com/office/powerpoint/2010/main" val="334461081"/>
       </p:ext>
     </p:extLst>
   </p:cSld>
@@ -19722,189 +19531,6 @@
                       </p:childTnLst>
                     </p:cTn>
                   </p:par>
-                  <p:par>
-                    <p:cTn id="13" fill="hold">
-                      <p:stCondLst>
-                        <p:cond delay="indefinite"/>
-                      </p:stCondLst>
-                      <p:childTnLst>
-                        <p:par>
-                          <p:cTn id="14" fill="hold">
-                            <p:stCondLst>
-                              <p:cond delay="0"/>
-                            </p:stCondLst>
-                            <p:childTnLst>
-                              <p:par>
-                                <p:cTn id="15" presetID="10" presetClass="entr" presetSubtype="0" fill="hold" grpId="0" nodeType="clickEffect">
-                                  <p:stCondLst>
-                                    <p:cond delay="0"/>
-                                  </p:stCondLst>
-                                  <p:childTnLst>
-                                    <p:set>
-                                      <p:cBhvr>
-                                        <p:cTn id="16" dur="1" fill="hold">
-                                          <p:stCondLst>
-                                            <p:cond delay="0"/>
-                                          </p:stCondLst>
-                                        </p:cTn>
-                                        <p:tgtEl>
-                                          <p:spTgt spid="3">
-                                            <p:txEl>
-                                              <p:pRg st="1" end="1"/>
-                                            </p:txEl>
-                                          </p:spTgt>
-                                        </p:tgtEl>
-                                        <p:attrNameLst>
-                                          <p:attrName>style.visibility</p:attrName>
-                                        </p:attrNameLst>
-                                      </p:cBhvr>
-                                      <p:to>
-                                        <p:strVal val="visible"/>
-                                      </p:to>
-                                    </p:set>
-                                    <p:animEffect transition="in" filter="fade">
-                                      <p:cBhvr>
-                                        <p:cTn id="17" dur="500"/>
-                                        <p:tgtEl>
-                                          <p:spTgt spid="3">
-                                            <p:txEl>
-                                              <p:pRg st="1" end="1"/>
-                                            </p:txEl>
-                                          </p:spTgt>
-                                        </p:tgtEl>
-                                      </p:cBhvr>
-                                    </p:animEffect>
-                                  </p:childTnLst>
-                                </p:cTn>
-                              </p:par>
-                            </p:childTnLst>
-                          </p:cTn>
-                        </p:par>
-                      </p:childTnLst>
-                    </p:cTn>
-                  </p:par>
-                  <p:par>
-                    <p:cTn id="18" fill="hold">
-                      <p:stCondLst>
-                        <p:cond delay="indefinite"/>
-                      </p:stCondLst>
-                      <p:childTnLst>
-                        <p:par>
-                          <p:cTn id="19" fill="hold">
-                            <p:stCondLst>
-                              <p:cond delay="0"/>
-                            </p:stCondLst>
-                            <p:childTnLst>
-                              <p:par>
-                                <p:cTn id="20" presetID="10" presetClass="entr" presetSubtype="0" fill="hold" grpId="0" nodeType="clickEffect">
-                                  <p:stCondLst>
-                                    <p:cond delay="0"/>
-                                  </p:stCondLst>
-                                  <p:childTnLst>
-                                    <p:set>
-                                      <p:cBhvr>
-                                        <p:cTn id="21" dur="1" fill="hold">
-                                          <p:stCondLst>
-                                            <p:cond delay="0"/>
-                                          </p:stCondLst>
-                                        </p:cTn>
-                                        <p:tgtEl>
-                                          <p:spTgt spid="3">
-                                            <p:txEl>
-                                              <p:pRg st="2" end="2"/>
-                                            </p:txEl>
-                                          </p:spTgt>
-                                        </p:tgtEl>
-                                        <p:attrNameLst>
-                                          <p:attrName>style.visibility</p:attrName>
-                                        </p:attrNameLst>
-                                      </p:cBhvr>
-                                      <p:to>
-                                        <p:strVal val="visible"/>
-                                      </p:to>
-                                    </p:set>
-                                    <p:animEffect transition="in" filter="fade">
-                                      <p:cBhvr>
-                                        <p:cTn id="22" dur="500"/>
-                                        <p:tgtEl>
-                                          <p:spTgt spid="3">
-                                            <p:txEl>
-                                              <p:pRg st="2" end="2"/>
-                                            </p:txEl>
-                                          </p:spTgt>
-                                        </p:tgtEl>
-                                      </p:cBhvr>
-                                    </p:animEffect>
-                                  </p:childTnLst>
-                                </p:cTn>
-                              </p:par>
-                            </p:childTnLst>
-                          </p:cTn>
-                        </p:par>
-                      </p:childTnLst>
-                    </p:cTn>
-                  </p:par>
-                  <p:par>
-                    <p:cTn id="23" fill="hold">
-                      <p:stCondLst>
-                        <p:cond delay="indefinite"/>
-                      </p:stCondLst>
-                      <p:childTnLst>
-                        <p:par>
-                          <p:cTn id="24" fill="hold">
-                            <p:stCondLst>
-                              <p:cond delay="0"/>
-                            </p:stCondLst>
-                            <p:childTnLst>
-                              <p:par>
-                                <p:cTn id="25" presetID="10" presetClass="entr" presetSubtype="0" fill="hold" grpId="0" nodeType="clickEffect">
-                                  <p:stCondLst>
-                                    <p:cond delay="0"/>
-                                  </p:stCondLst>
-                                  <p:childTnLst>
-                                    <p:set>
-                                      <p:cBhvr>
-                                        <p:cTn id="26" dur="1" fill="hold">
-                                          <p:stCondLst>
-                                            <p:cond delay="0"/>
-                                          </p:stCondLst>
-                                        </p:cTn>
-                                        <p:tgtEl>
-                                          <p:spTgt spid="3">
-                                            <p:txEl>
-                                              <p:pRg st="3" end="3"/>
-                                            </p:txEl>
-                                          </p:spTgt>
-                                        </p:tgtEl>
-                                        <p:attrNameLst>
-                                          <p:attrName>style.visibility</p:attrName>
-                                        </p:attrNameLst>
-                                      </p:cBhvr>
-                                      <p:to>
-                                        <p:strVal val="visible"/>
-                                      </p:to>
-                                    </p:set>
-                                    <p:animEffect transition="in" filter="fade">
-                                      <p:cBhvr>
-                                        <p:cTn id="27" dur="500"/>
-                                        <p:tgtEl>
-                                          <p:spTgt spid="3">
-                                            <p:txEl>
-                                              <p:pRg st="3" end="3"/>
-                                            </p:txEl>
-                                          </p:spTgt>
-                                        </p:tgtEl>
-                                      </p:cBhvr>
-                                    </p:animEffect>
-                                  </p:childTnLst>
-                                </p:cTn>
-                              </p:par>
-                            </p:childTnLst>
-                          </p:cTn>
-                        </p:par>
-                      </p:childTnLst>
-                    </p:cTn>
-                  </p:par>
                 </p:childTnLst>
               </p:cTn>
               <p:prevCondLst>
@@ -19934,7 +19560,7 @@
 </p:sld>
 </file>
 
-<file path=ppt/slides/slide4.xml><?xml version="1.0" encoding="utf-8"?>
+<file path=ppt/slides/slide6.xml><?xml version="1.0" encoding="utf-8"?>
 <p:sld xmlns:a="http://schemas.openxmlformats.org/drawingml/2006/main" xmlns:r="http://schemas.openxmlformats.org/officeDocument/2006/relationships" xmlns:p="http://schemas.openxmlformats.org/presentationml/2006/main">
   <p:cSld>
     <p:spTree>
@@ -19963,20 +19589,22 @@
         </p:nvSpPr>
         <p:spPr/>
         <p:txBody>
-          <a:bodyPr/>
+          <a:bodyPr>
+            <a:normAutofit/>
+          </a:bodyPr>
           <a:lstStyle/>
           <a:p>
             <a:r>
               <a:rPr lang="en-US" dirty="0" err="1"/>
-              <a:t>Estructura</a:t>
-            </a:r>
-            <a:r>
-              <a:rPr lang="en-US" dirty="0"/>
-              <a:t> </a:t>
-            </a:r>
-            <a:r>
-              <a:rPr lang="en-US" dirty="0" err="1"/>
-              <a:t>lógica</a:t>
+              <a:t>Características</a:t>
+            </a:r>
+            <a:r>
+              <a:rPr lang="en-US" dirty="0"/>
+              <a:t> de </a:t>
+            </a:r>
+            <a:r>
+              <a:rPr lang="en-US" dirty="0" err="1"/>
+              <a:t>Seguridad</a:t>
             </a:r>
             <a:endParaRPr lang="en-US" dirty="0"/>
           </a:p>
@@ -19997,122 +19625,76 @@
           <a:bodyPr/>
           <a:lstStyle/>
           <a:p>
-            <a:r>
-              <a:rPr lang="en-US" dirty="0" err="1"/>
-              <a:t>Distribuye</a:t>
-            </a:r>
-            <a:r>
-              <a:rPr lang="en-US" dirty="0"/>
-              <a:t> la data </a:t>
-            </a:r>
-            <a:r>
-              <a:rPr lang="en-US" dirty="0" err="1"/>
-              <a:t>en</a:t>
-            </a:r>
-            <a:r>
-              <a:rPr lang="en-US" dirty="0"/>
-              <a:t> </a:t>
-            </a:r>
-            <a:r>
-              <a:rPr lang="en-US" dirty="0" err="1"/>
-              <a:t>varios</a:t>
-            </a:r>
-            <a:r>
-              <a:rPr lang="en-US" dirty="0"/>
-              <a:t> discos </a:t>
-            </a:r>
-            <a:r>
-              <a:rPr lang="en-US" dirty="0" err="1"/>
-              <a:t>duros</a:t>
-            </a:r>
-            <a:r>
-              <a:rPr lang="en-US" dirty="0"/>
-              <a:t> </a:t>
-            </a:r>
-            <a:r>
-              <a:rPr lang="en-US" dirty="0" err="1"/>
-              <a:t>físicos</a:t>
-            </a:r>
-            <a:endParaRPr lang="en-US" dirty="0"/>
-          </a:p>
-          <a:p>
-            <a:r>
-              <a:rPr lang="en-US" dirty="0" err="1"/>
-              <a:t>Esconder</a:t>
-            </a:r>
-            <a:r>
-              <a:rPr lang="en-US" dirty="0"/>
-              <a:t> la </a:t>
-            </a:r>
-            <a:r>
-              <a:rPr lang="en-US" dirty="0" err="1"/>
-              <a:t>ubicación</a:t>
-            </a:r>
-            <a:r>
-              <a:rPr lang="en-US" dirty="0"/>
-              <a:t> </a:t>
-            </a:r>
-            <a:r>
-              <a:rPr lang="en-US" dirty="0" err="1"/>
-              <a:t>fisica</a:t>
-            </a:r>
-            <a:r>
-              <a:rPr lang="en-US" dirty="0"/>
-              <a:t> real</a:t>
-            </a:r>
-          </a:p>
-          <a:p>
-            <a:r>
-              <a:rPr lang="en-US" dirty="0"/>
-              <a:t>Se debe </a:t>
-            </a:r>
-            <a:r>
-              <a:rPr lang="en-US" dirty="0" err="1"/>
-              <a:t>tener</a:t>
-            </a:r>
-            <a:r>
-              <a:rPr lang="en-US" dirty="0"/>
-              <a:t> al </a:t>
-            </a:r>
-            <a:r>
-              <a:rPr lang="en-US" dirty="0" err="1"/>
-              <a:t>menos</a:t>
-            </a:r>
-            <a:r>
-              <a:rPr lang="en-US" dirty="0"/>
-              <a:t> 1 filegroup que </a:t>
-            </a:r>
-            <a:r>
-              <a:rPr lang="en-US" dirty="0" err="1"/>
-              <a:t>contiene</a:t>
-            </a:r>
-            <a:r>
-              <a:rPr lang="en-US" dirty="0"/>
-              <a:t> la metadata de la base de </a:t>
-            </a:r>
-            <a:r>
-              <a:rPr lang="en-US" dirty="0" err="1"/>
-              <a:t>datos</a:t>
-            </a:r>
-            <a:endParaRPr lang="en-US" dirty="0"/>
-          </a:p>
-          <a:p>
-            <a:r>
-              <a:rPr lang="es-ES" dirty="0"/>
-              <a:t>Todos los objetos de usuario que contengan data, ya sean tablas o índices, deben estar ligados a un “</a:t>
-            </a:r>
-            <a:r>
-              <a:rPr lang="es-ES" dirty="0" err="1"/>
-              <a:t>FileGroup</a:t>
-            </a:r>
-            <a:r>
-              <a:rPr lang="es-ES" dirty="0"/>
-              <a:t>”</a:t>
-            </a:r>
-            <a:endParaRPr lang="en-US" dirty="0"/>
-          </a:p>
-          <a:p>
             <a:pPr lvl="1"/>
+            <a:r>
+              <a:rPr lang="es-CO" dirty="0" err="1"/>
+              <a:t>Cifrafo</a:t>
+            </a:r>
+            <a:r>
+              <a:rPr lang="es-CO" dirty="0"/>
+              <a:t> de datos </a:t>
+            </a:r>
+            <a:r>
+              <a:rPr lang="es-CO" dirty="0" err="1"/>
+              <a:t>transaparente</a:t>
+            </a:r>
+            <a:endParaRPr lang="es-CO" dirty="0"/>
+          </a:p>
+          <a:p>
+            <a:pPr lvl="1"/>
+            <a:r>
+              <a:rPr lang="es-CO" dirty="0"/>
+              <a:t>Copias de seguridad cifradas</a:t>
+            </a:r>
+          </a:p>
+          <a:p>
+            <a:pPr lvl="1"/>
+            <a:r>
+              <a:rPr lang="es-CO" dirty="0"/>
+              <a:t>Cifrado de datos en movimiento y reposo</a:t>
+            </a:r>
+          </a:p>
+          <a:p>
+            <a:pPr lvl="1"/>
+            <a:r>
+              <a:rPr lang="es-CO" dirty="0"/>
+              <a:t>Enmascaramiento dinámico</a:t>
+            </a:r>
+            <a:r>
+              <a:rPr lang="en-US" dirty="0"/>
+              <a:t> y </a:t>
+            </a:r>
+            <a:r>
+              <a:rPr lang="en-US" dirty="0" err="1"/>
+              <a:t>seguridad</a:t>
+            </a:r>
+            <a:r>
+              <a:rPr lang="en-US" dirty="0"/>
+              <a:t> a </a:t>
+            </a:r>
+            <a:r>
+              <a:rPr lang="en-US" dirty="0" err="1"/>
+              <a:t>nivel</a:t>
+            </a:r>
+            <a:r>
+              <a:rPr lang="en-US" dirty="0"/>
+              <a:t> de fila</a:t>
+            </a:r>
+          </a:p>
+          <a:p>
+            <a:pPr lvl="1"/>
+            <a:r>
+              <a:rPr lang="en-US" dirty="0" err="1"/>
+              <a:t>Segregación</a:t>
+            </a:r>
+            <a:r>
+              <a:rPr lang="en-US" dirty="0"/>
+              <a:t> de </a:t>
+            </a:r>
+            <a:r>
+              <a:rPr lang="en-US" dirty="0" err="1"/>
+              <a:t>funciones</a:t>
+            </a:r>
             <a:endParaRPr lang="en-US" dirty="0"/>
           </a:p>
         </p:txBody>
@@ -20325,7 +19907,7 @@
     </p:spTree>
     <p:extLst>
       <p:ext uri="{BB962C8B-B14F-4D97-AF65-F5344CB8AC3E}">
-        <p14:creationId xmlns:p14="http://schemas.microsoft.com/office/powerpoint/2010/main" val="588025133"/>
+        <p14:creationId xmlns:p14="http://schemas.microsoft.com/office/powerpoint/2010/main" val="1735102207"/>
       </p:ext>
     </p:extLst>
   </p:cSld>
@@ -20448,33 +20030,15 @@
                                   </p:childTnLst>
                                 </p:cTn>
                               </p:par>
-                            </p:childTnLst>
-                          </p:cTn>
-                        </p:par>
-                      </p:childTnLst>
-                    </p:cTn>
-                  </p:par>
-                  <p:par>
-                    <p:cTn id="13" fill="hold">
-                      <p:stCondLst>
-                        <p:cond delay="indefinite"/>
-                      </p:stCondLst>
-                      <p:childTnLst>
-                        <p:par>
-                          <p:cTn id="14" fill="hold">
-                            <p:stCondLst>
-                              <p:cond delay="0"/>
-                            </p:stCondLst>
-                            <p:childTnLst>
                               <p:par>
-                                <p:cTn id="15" presetID="10" presetClass="entr" presetSubtype="0" fill="hold" grpId="0" nodeType="clickEffect">
+                                <p:cTn id="13" presetID="10" presetClass="entr" presetSubtype="0" fill="hold" grpId="0" nodeType="withEffect">
                                   <p:stCondLst>
                                     <p:cond delay="0"/>
                                   </p:stCondLst>
                                   <p:childTnLst>
                                     <p:set>
                                       <p:cBhvr>
-                                        <p:cTn id="16" dur="1" fill="hold">
+                                        <p:cTn id="14" dur="1" fill="hold">
                                           <p:stCondLst>
                                             <p:cond delay="0"/>
                                           </p:stCondLst>
@@ -20496,7 +20060,7 @@
                                     </p:set>
                                     <p:animEffect transition="in" filter="fade">
                                       <p:cBhvr>
-                                        <p:cTn id="17" dur="500"/>
+                                        <p:cTn id="15" dur="500"/>
                                         <p:tgtEl>
                                           <p:spTgt spid="3">
                                             <p:txEl>
@@ -20509,33 +20073,15 @@
                                   </p:childTnLst>
                                 </p:cTn>
                               </p:par>
-                            </p:childTnLst>
-                          </p:cTn>
-                        </p:par>
-                      </p:childTnLst>
-                    </p:cTn>
-                  </p:par>
-                  <p:par>
-                    <p:cTn id="18" fill="hold">
-                      <p:stCondLst>
-                        <p:cond delay="indefinite"/>
-                      </p:stCondLst>
-                      <p:childTnLst>
-                        <p:par>
-                          <p:cTn id="19" fill="hold">
-                            <p:stCondLst>
-                              <p:cond delay="0"/>
-                            </p:stCondLst>
-                            <p:childTnLst>
                               <p:par>
-                                <p:cTn id="20" presetID="10" presetClass="entr" presetSubtype="0" fill="hold" grpId="0" nodeType="clickEffect">
+                                <p:cTn id="16" presetID="10" presetClass="entr" presetSubtype="0" fill="hold" grpId="0" nodeType="withEffect">
                                   <p:stCondLst>
                                     <p:cond delay="0"/>
                                   </p:stCondLst>
                                   <p:childTnLst>
                                     <p:set>
                                       <p:cBhvr>
-                                        <p:cTn id="21" dur="1" fill="hold">
+                                        <p:cTn id="17" dur="1" fill="hold">
                                           <p:stCondLst>
                                             <p:cond delay="0"/>
                                           </p:stCondLst>
@@ -20557,7 +20103,7 @@
                                     </p:set>
                                     <p:animEffect transition="in" filter="fade">
                                       <p:cBhvr>
-                                        <p:cTn id="22" dur="500"/>
+                                        <p:cTn id="18" dur="500"/>
                                         <p:tgtEl>
                                           <p:spTgt spid="3">
                                             <p:txEl>
@@ -20570,33 +20116,15 @@
                                   </p:childTnLst>
                                 </p:cTn>
                               </p:par>
-                            </p:childTnLst>
-                          </p:cTn>
-                        </p:par>
-                      </p:childTnLst>
-                    </p:cTn>
-                  </p:par>
-                  <p:par>
-                    <p:cTn id="23" fill="hold">
-                      <p:stCondLst>
-                        <p:cond delay="indefinite"/>
-                      </p:stCondLst>
-                      <p:childTnLst>
-                        <p:par>
-                          <p:cTn id="24" fill="hold">
-                            <p:stCondLst>
-                              <p:cond delay="0"/>
-                            </p:stCondLst>
-                            <p:childTnLst>
                               <p:par>
-                                <p:cTn id="25" presetID="10" presetClass="entr" presetSubtype="0" fill="hold" grpId="0" nodeType="clickEffect">
+                                <p:cTn id="19" presetID="10" presetClass="entr" presetSubtype="0" fill="hold" grpId="0" nodeType="withEffect">
                                   <p:stCondLst>
                                     <p:cond delay="0"/>
                                   </p:stCondLst>
                                   <p:childTnLst>
                                     <p:set>
                                       <p:cBhvr>
-                                        <p:cTn id="26" dur="1" fill="hold">
+                                        <p:cTn id="20" dur="1" fill="hold">
                                           <p:stCondLst>
                                             <p:cond delay="0"/>
                                           </p:stCondLst>
@@ -20618,11 +20146,54 @@
                                     </p:set>
                                     <p:animEffect transition="in" filter="fade">
                                       <p:cBhvr>
-                                        <p:cTn id="27" dur="500"/>
+                                        <p:cTn id="21" dur="500"/>
                                         <p:tgtEl>
                                           <p:spTgt spid="3">
                                             <p:txEl>
                                               <p:pRg st="3" end="3"/>
+                                            </p:txEl>
+                                          </p:spTgt>
+                                        </p:tgtEl>
+                                      </p:cBhvr>
+                                    </p:animEffect>
+                                  </p:childTnLst>
+                                </p:cTn>
+                              </p:par>
+                              <p:par>
+                                <p:cTn id="22" presetID="10" presetClass="entr" presetSubtype="0" fill="hold" grpId="0" nodeType="withEffect">
+                                  <p:stCondLst>
+                                    <p:cond delay="0"/>
+                                  </p:stCondLst>
+                                  <p:childTnLst>
+                                    <p:set>
+                                      <p:cBhvr>
+                                        <p:cTn id="23" dur="1" fill="hold">
+                                          <p:stCondLst>
+                                            <p:cond delay="0"/>
+                                          </p:stCondLst>
+                                        </p:cTn>
+                                        <p:tgtEl>
+                                          <p:spTgt spid="3">
+                                            <p:txEl>
+                                              <p:pRg st="4" end="4"/>
+                                            </p:txEl>
+                                          </p:spTgt>
+                                        </p:tgtEl>
+                                        <p:attrNameLst>
+                                          <p:attrName>style.visibility</p:attrName>
+                                        </p:attrNameLst>
+                                      </p:cBhvr>
+                                      <p:to>
+                                        <p:strVal val="visible"/>
+                                      </p:to>
+                                    </p:set>
+                                    <p:animEffect transition="in" filter="fade">
+                                      <p:cBhvr>
+                                        <p:cTn id="24" dur="500"/>
+                                        <p:tgtEl>
+                                          <p:spTgt spid="3">
+                                            <p:txEl>
+                                              <p:pRg st="4" end="4"/>
                                             </p:txEl>
                                           </p:spTgt>
                                         </p:tgtEl>
@@ -20666,7 +20237,7 @@
 </p:sld>
 </file>
 
-<file path=ppt/slides/slide5.xml><?xml version="1.0" encoding="utf-8"?>
+<file path=ppt/slides/slide7.xml><?xml version="1.0" encoding="utf-8"?>
 <p:sld xmlns:a="http://schemas.openxmlformats.org/drawingml/2006/main" xmlns:r="http://schemas.openxmlformats.org/officeDocument/2006/relationships" xmlns:p="http://schemas.openxmlformats.org/presentationml/2006/main">
   <p:cSld>
     <p:spTree>
@@ -20695,20 +20266,22 @@
         </p:nvSpPr>
         <p:spPr/>
         <p:txBody>
-          <a:bodyPr/>
+          <a:bodyPr>
+            <a:normAutofit/>
+          </a:bodyPr>
           <a:lstStyle/>
           <a:p>
             <a:r>
               <a:rPr lang="en-US" dirty="0" err="1"/>
-              <a:t>Estructura</a:t>
-            </a:r>
-            <a:r>
-              <a:rPr lang="en-US" dirty="0"/>
-              <a:t> </a:t>
-            </a:r>
-            <a:r>
-              <a:rPr lang="en-US" dirty="0" err="1"/>
-              <a:t>física</a:t>
+              <a:t>Características</a:t>
+            </a:r>
+            <a:r>
+              <a:rPr lang="en-US" dirty="0"/>
+              <a:t> de </a:t>
+            </a:r>
+            <a:r>
+              <a:rPr lang="en-US" dirty="0" err="1"/>
+              <a:t>Seguridad</a:t>
             </a:r>
             <a:endParaRPr lang="en-US" dirty="0"/>
           </a:p>
@@ -20729,72 +20302,76 @@
           <a:bodyPr/>
           <a:lstStyle/>
           <a:p>
-            <a:r>
-              <a:rPr lang="es-ES" dirty="0"/>
-              <a:t>Los </a:t>
-            </a:r>
-            <a:r>
-              <a:rPr lang="es-ES" dirty="0" err="1"/>
-              <a:t>datafile</a:t>
-            </a:r>
-            <a:r>
-              <a:rPr lang="es-ES" dirty="0"/>
-              <a:t> contienen la información de la base de datos</a:t>
-            </a:r>
-          </a:p>
-          <a:p>
-            <a:r>
-              <a:rPr lang="es-ES" dirty="0"/>
-              <a:t>Los </a:t>
-            </a:r>
-            <a:r>
-              <a:rPr lang="es-ES" dirty="0" err="1"/>
-              <a:t>datafiles</a:t>
-            </a:r>
-            <a:r>
-              <a:rPr lang="es-ES" dirty="0"/>
-              <a:t> están divididos en </a:t>
-            </a:r>
-            <a:r>
-              <a:rPr lang="es-ES" dirty="0" err="1"/>
-              <a:t>Extends</a:t>
-            </a:r>
-            <a:r>
-              <a:rPr lang="es-ES" dirty="0"/>
-              <a:t> y estos a su vez en Pages</a:t>
-            </a:r>
-          </a:p>
-          <a:p>
-            <a:r>
-              <a:rPr lang="es-ES" dirty="0"/>
-              <a:t>Las paginas son la unidad mínima de almacenamiento dentro de la base de datos, con un tamaño en disco de 8 Kb</a:t>
-            </a:r>
-          </a:p>
-          <a:p>
-            <a:r>
-              <a:rPr lang="es-ES" dirty="0"/>
-              <a:t>El </a:t>
-            </a:r>
-            <a:r>
-              <a:rPr lang="es-ES" dirty="0" err="1"/>
-              <a:t>LogFile</a:t>
-            </a:r>
-            <a:r>
-              <a:rPr lang="es-ES" dirty="0"/>
-              <a:t> esta ligado directamente a la BD. SQL Server pueden tener un solo </a:t>
-            </a:r>
-            <a:r>
-              <a:rPr lang="es-ES" dirty="0" err="1"/>
-              <a:t>LogFile</a:t>
-            </a:r>
-            <a:r>
-              <a:rPr lang="es-ES" dirty="0"/>
-              <a:t> activo al mismo tiempo, solo 1 puede ser escrito.</a:t>
-            </a:r>
-            <a:endParaRPr lang="en-US" dirty="0"/>
-          </a:p>
-          <a:p>
             <a:pPr lvl="1"/>
+            <a:r>
+              <a:rPr lang="es-CO" dirty="0" err="1"/>
+              <a:t>Cifrafo</a:t>
+            </a:r>
+            <a:r>
+              <a:rPr lang="es-CO" dirty="0"/>
+              <a:t> de datos </a:t>
+            </a:r>
+            <a:r>
+              <a:rPr lang="es-CO" dirty="0" err="1"/>
+              <a:t>transaparente</a:t>
+            </a:r>
+            <a:endParaRPr lang="es-CO" dirty="0"/>
+          </a:p>
+          <a:p>
+            <a:pPr lvl="1"/>
+            <a:r>
+              <a:rPr lang="es-CO" dirty="0"/>
+              <a:t>Copias de seguridad cifradas</a:t>
+            </a:r>
+          </a:p>
+          <a:p>
+            <a:pPr lvl="1"/>
+            <a:r>
+              <a:rPr lang="es-CO" dirty="0"/>
+              <a:t>Cifrado de datos en movimiento y reposo</a:t>
+            </a:r>
+          </a:p>
+          <a:p>
+            <a:pPr lvl="1"/>
+            <a:r>
+              <a:rPr lang="es-CO" dirty="0"/>
+              <a:t>Enmascaramiento dinámico</a:t>
+            </a:r>
+            <a:r>
+              <a:rPr lang="en-US" dirty="0"/>
+              <a:t> y </a:t>
+            </a:r>
+            <a:r>
+              <a:rPr lang="en-US" dirty="0" err="1"/>
+              <a:t>seguridad</a:t>
+            </a:r>
+            <a:r>
+              <a:rPr lang="en-US" dirty="0"/>
+              <a:t> a </a:t>
+            </a:r>
+            <a:r>
+              <a:rPr lang="en-US" dirty="0" err="1"/>
+              <a:t>nivel</a:t>
+            </a:r>
+            <a:r>
+              <a:rPr lang="en-US" dirty="0"/>
+              <a:t> de fila</a:t>
+            </a:r>
+          </a:p>
+          <a:p>
+            <a:pPr lvl="1"/>
+            <a:r>
+              <a:rPr lang="en-US" dirty="0" err="1"/>
+              <a:t>Segregación</a:t>
+            </a:r>
+            <a:r>
+              <a:rPr lang="en-US" dirty="0"/>
+              <a:t> de </a:t>
+            </a:r>
+            <a:r>
+              <a:rPr lang="en-US" dirty="0" err="1"/>
+              <a:t>funciones</a:t>
+            </a:r>
             <a:endParaRPr lang="en-US" dirty="0"/>
           </a:p>
         </p:txBody>
@@ -21007,7 +20584,7 @@
     </p:spTree>
     <p:extLst>
       <p:ext uri="{BB962C8B-B14F-4D97-AF65-F5344CB8AC3E}">
-        <p14:creationId xmlns:p14="http://schemas.microsoft.com/office/powerpoint/2010/main" val="1708498171"/>
+        <p14:creationId xmlns:p14="http://schemas.microsoft.com/office/powerpoint/2010/main" val="1598255257"/>
       </p:ext>
     </p:extLst>
   </p:cSld>
@@ -21130,33 +20707,15 @@
                                   </p:childTnLst>
                                 </p:cTn>
                               </p:par>
-                            </p:childTnLst>
-                          </p:cTn>
-                        </p:par>
-                      </p:childTnLst>
-                    </p:cTn>
-                  </p:par>
-                  <p:par>
-                    <p:cTn id="13" fill="hold">
-                      <p:stCondLst>
-                        <p:cond delay="indefinite"/>
-                      </p:stCondLst>
-                      <p:childTnLst>
-                        <p:par>
-                          <p:cTn id="14" fill="hold">
-                            <p:stCondLst>
-                              <p:cond delay="0"/>
-                            </p:stCondLst>
-                            <p:childTnLst>
                               <p:par>
-                                <p:cTn id="15" presetID="10" presetClass="entr" presetSubtype="0" fill="hold" grpId="0" nodeType="clickEffect">
+                                <p:cTn id="13" presetID="10" presetClass="entr" presetSubtype="0" fill="hold" grpId="0" nodeType="withEffect">
                                   <p:stCondLst>
                                     <p:cond delay="0"/>
                                   </p:stCondLst>
                                   <p:childTnLst>
                                     <p:set>
                                       <p:cBhvr>
-                                        <p:cTn id="16" dur="1" fill="hold">
+                                        <p:cTn id="14" dur="1" fill="hold">
                                           <p:stCondLst>
                                             <p:cond delay="0"/>
                                           </p:stCondLst>
@@ -21178,11 +20737,140 @@
                                     </p:set>
                                     <p:animEffect transition="in" filter="fade">
                                       <p:cBhvr>
-                                        <p:cTn id="17" dur="500"/>
+                                        <p:cTn id="15" dur="500"/>
                                         <p:tgtEl>
                                           <p:spTgt spid="3">
                                             <p:txEl>
                                               <p:pRg st="1" end="1"/>
+                                            </p:txEl>
+                                          </p:spTgt>
+                                        </p:tgtEl>
+                                      </p:cBhvr>
+                                    </p:animEffect>
+                                  </p:childTnLst>
+                                </p:cTn>
+                              </p:par>
+                              <p:par>
+                                <p:cTn id="16" presetID="10" presetClass="entr" presetSubtype="0" fill="hold" grpId="0" nodeType="withEffect">
+                                  <p:stCondLst>
+                                    <p:cond delay="0"/>
+                                  </p:stCondLst>
+                                  <p:childTnLst>
+                                    <p:set>
+                                      <p:cBhvr>
+                                        <p:cTn id="17" dur="1" fill="hold">
+                                          <p:stCondLst>
+                                            <p:cond delay="0"/>
+                                          </p:stCondLst>
+                                        </p:cTn>
+                                        <p:tgtEl>
+                                          <p:spTgt spid="3">
+                                            <p:txEl>
+                                              <p:pRg st="2" end="2"/>
+                                            </p:txEl>
+                                          </p:spTgt>
+                                        </p:tgtEl>
+                                        <p:attrNameLst>
+                                          <p:attrName>style.visibility</p:attrName>
+                                        </p:attrNameLst>
+                                      </p:cBhvr>
+                                      <p:to>
+                                        <p:strVal val="visible"/>
+                                      </p:to>
+                                    </p:set>
+                                    <p:animEffect transition="in" filter="fade">
+                                      <p:cBhvr>
+                                        <p:cTn id="18" dur="500"/>
+                                        <p:tgtEl>
+                                          <p:spTgt spid="3">
+                                            <p:txEl>
+                                              <p:pRg st="2" end="2"/>
+                                            </p:txEl>
+                                          </p:spTgt>
+                                        </p:tgtEl>
+                                      </p:cBhvr>
+                                    </p:animEffect>
+                                  </p:childTnLst>
+                                </p:cTn>
+                              </p:par>
+                              <p:par>
+                                <p:cTn id="19" presetID="10" presetClass="entr" presetSubtype="0" fill="hold" grpId="0" nodeType="withEffect">
+                                  <p:stCondLst>
+                                    <p:cond delay="0"/>
+                                  </p:stCondLst>
+                                  <p:childTnLst>
+                                    <p:set>
+                                      <p:cBhvr>
+                                        <p:cTn id="20" dur="1" fill="hold">
+                                          <p:stCondLst>
+                                            <p:cond delay="0"/>
+                                          </p:stCondLst>
+                                        </p:cTn>
+                                        <p:tgtEl>
+                                          <p:spTgt spid="3">
+                                            <p:txEl>
+                                              <p:pRg st="3" end="3"/>
+                                            </p:txEl>
+                                          </p:spTgt>
+                                        </p:tgtEl>
+                                        <p:attrNameLst>
+                                          <p:attrName>style.visibility</p:attrName>
+                                        </p:attrNameLst>
+                                      </p:cBhvr>
+                                      <p:to>
+                                        <p:strVal val="visible"/>
+                                      </p:to>
+                                    </p:set>
+                                    <p:animEffect transition="in" filter="fade">
+                                      <p:cBhvr>
+                                        <p:cTn id="21" dur="500"/>
+                                        <p:tgtEl>
+                                          <p:spTgt spid="3">
+                                            <p:txEl>
+                                              <p:pRg st="3" end="3"/>
+                                            </p:txEl>
+                                          </p:spTgt>
+                                        </p:tgtEl>
+                                      </p:cBhvr>
+                                    </p:animEffect>
+                                  </p:childTnLst>
+                                </p:cTn>
+                              </p:par>
+                              <p:par>
+                                <p:cTn id="22" presetID="10" presetClass="entr" presetSubtype="0" fill="hold" grpId="0" nodeType="withEffect">
+                                  <p:stCondLst>
+                                    <p:cond delay="0"/>
+                                  </p:stCondLst>
+                                  <p:childTnLst>
+                                    <p:set>
+                                      <p:cBhvr>
+                                        <p:cTn id="23" dur="1" fill="hold">
+                                          <p:stCondLst>
+                                            <p:cond delay="0"/>
+                                          </p:stCondLst>
+                                        </p:cTn>
+                                        <p:tgtEl>
+                                          <p:spTgt spid="3">
+                                            <p:txEl>
+                                              <p:pRg st="4" end="4"/>
+                                            </p:txEl>
+                                          </p:spTgt>
+                                        </p:tgtEl>
+                                        <p:attrNameLst>
+                                          <p:attrName>style.visibility</p:attrName>
+                                        </p:attrNameLst>
+                                      </p:cBhvr>
+                                      <p:to>
+                                        <p:strVal val="visible"/>
+                                      </p:to>
+                                    </p:set>
+                                    <p:animEffect transition="in" filter="fade">
+                                      <p:cBhvr>
+                                        <p:cTn id="24" dur="500"/>
+                                        <p:tgtEl>
+                                          <p:spTgt spid="3">
+                                            <p:txEl>
+                                              <p:pRg st="4" end="4"/>
                                             </p:txEl>
                                           </p:spTgt>
                                         </p:tgtEl>
@@ -21226,7 +20914,7 @@
 </p:sld>
 </file>
 
-<file path=ppt/slides/slide6.xml><?xml version="1.0" encoding="utf-8"?>
+<file path=ppt/slides/slide8.xml><?xml version="1.0" encoding="utf-8"?>
 <p:sld xmlns:a="http://schemas.openxmlformats.org/drawingml/2006/main" xmlns:r="http://schemas.openxmlformats.org/officeDocument/2006/relationships" xmlns:p="http://schemas.openxmlformats.org/presentationml/2006/main">
   <p:cSld>
     <p:spTree>
@@ -21255,20 +20943,22 @@
         </p:nvSpPr>
         <p:spPr/>
         <p:txBody>
-          <a:bodyPr/>
+          <a:bodyPr>
+            <a:normAutofit/>
+          </a:bodyPr>
           <a:lstStyle/>
           <a:p>
             <a:r>
               <a:rPr lang="en-US" dirty="0" err="1"/>
-              <a:t>Componentes</a:t>
-            </a:r>
-            <a:r>
-              <a:rPr lang="en-US" dirty="0"/>
-              <a:t> de la </a:t>
-            </a:r>
-            <a:r>
-              <a:rPr lang="en-US" dirty="0" err="1"/>
-              <a:t>arquitectura</a:t>
+              <a:t>Preparación</a:t>
+            </a:r>
+            <a:r>
+              <a:rPr lang="en-US" dirty="0"/>
+              <a:t> para la </a:t>
+            </a:r>
+            <a:r>
+              <a:rPr lang="en-US" dirty="0" err="1"/>
+              <a:t>nube</a:t>
             </a:r>
             <a:endParaRPr lang="en-US" dirty="0"/>
           </a:p>
@@ -21289,69 +20979,32 @@
           <a:bodyPr/>
           <a:lstStyle/>
           <a:p>
-            <a:r>
-              <a:rPr lang="es-ES" dirty="0" err="1"/>
-              <a:t>External</a:t>
-            </a:r>
-            <a:r>
-              <a:rPr lang="es-ES" dirty="0"/>
-              <a:t> </a:t>
-            </a:r>
-            <a:r>
-              <a:rPr lang="es-ES" dirty="0" err="1"/>
-              <a:t>protocols</a:t>
-            </a:r>
-            <a:endParaRPr lang="es-ES" dirty="0"/>
-          </a:p>
-          <a:p>
-            <a:r>
-              <a:rPr lang="es-ES" dirty="0" err="1"/>
-              <a:t>Query</a:t>
-            </a:r>
-            <a:r>
-              <a:rPr lang="es-ES" dirty="0"/>
-              <a:t> </a:t>
-            </a:r>
-            <a:r>
-              <a:rPr lang="es-ES" dirty="0" err="1"/>
-              <a:t>processor</a:t>
-            </a:r>
-            <a:endParaRPr lang="es-ES" dirty="0"/>
-          </a:p>
-          <a:p>
-            <a:r>
-              <a:rPr lang="es-ES" dirty="0"/>
-              <a:t>Storage </a:t>
-            </a:r>
-            <a:r>
-              <a:rPr lang="es-ES" dirty="0" err="1"/>
-              <a:t>Engine</a:t>
-            </a:r>
-            <a:endParaRPr lang="es-ES" dirty="0"/>
-          </a:p>
-          <a:p>
-            <a:r>
-              <a:rPr lang="es-ES" dirty="0" err="1"/>
-              <a:t>Acces</a:t>
-            </a:r>
-            <a:r>
-              <a:rPr lang="es-ES" dirty="0"/>
-              <a:t> </a:t>
-            </a:r>
-            <a:r>
-              <a:rPr lang="es-ES" dirty="0" err="1"/>
-              <a:t>methods</a:t>
-            </a:r>
-            <a:endParaRPr lang="es-ES" dirty="0"/>
-          </a:p>
-          <a:p>
-            <a:r>
-              <a:rPr lang="es-ES" dirty="0"/>
-              <a:t>SQL OS</a:t>
-            </a:r>
-          </a:p>
-          <a:p>
-            <a:endParaRPr lang="en-US" dirty="0"/>
+            <a:pPr lvl="1"/>
+            <a:r>
+              <a:rPr lang="es-CO" dirty="0"/>
+              <a:t>Copias de seguridad en Azure</a:t>
+            </a:r>
+          </a:p>
+          <a:p>
+            <a:pPr lvl="1"/>
+            <a:r>
+              <a:rPr lang="es-CO" dirty="0"/>
+              <a:t>Recuperación ante desastres con Azure</a:t>
+            </a:r>
+          </a:p>
+          <a:p>
+            <a:pPr lvl="1"/>
+            <a:r>
+              <a:rPr lang="es-CO" dirty="0"/>
+              <a:t>Imágenes optimizadas en Azure</a:t>
+            </a:r>
+          </a:p>
+          <a:p>
+            <a:pPr lvl="1"/>
+            <a:r>
+              <a:rPr lang="en-US" dirty="0"/>
+              <a:t>Stretch Data base</a:t>
+            </a:r>
           </a:p>
           <a:p>
             <a:pPr lvl="1"/>
@@ -21567,7 +21220,7 @@
     </p:spTree>
     <p:extLst>
       <p:ext uri="{BB962C8B-B14F-4D97-AF65-F5344CB8AC3E}">
-        <p14:creationId xmlns:p14="http://schemas.microsoft.com/office/powerpoint/2010/main" val="1804752869"/>
+        <p14:creationId xmlns:p14="http://schemas.microsoft.com/office/powerpoint/2010/main" val="2795873835"/>
       </p:ext>
     </p:extLst>
   </p:cSld>
@@ -21690,33 +21343,15 @@
                                   </p:childTnLst>
                                 </p:cTn>
                               </p:par>
-                            </p:childTnLst>
-                          </p:cTn>
-                        </p:par>
-                      </p:childTnLst>
-                    </p:cTn>
-                  </p:par>
-                  <p:par>
-                    <p:cTn id="13" fill="hold">
-                      <p:stCondLst>
-                        <p:cond delay="indefinite"/>
-                      </p:stCondLst>
-                      <p:childTnLst>
-                        <p:par>
-                          <p:cTn id="14" fill="hold">
-                            <p:stCondLst>
-                              <p:cond delay="0"/>
-                            </p:stCondLst>
-                            <p:childTnLst>
                               <p:par>
-                                <p:cTn id="15" presetID="10" presetClass="entr" presetSubtype="0" fill="hold" grpId="0" nodeType="clickEffect">
+                                <p:cTn id="13" presetID="10" presetClass="entr" presetSubtype="0" fill="hold" grpId="0" nodeType="withEffect">
                                   <p:stCondLst>
                                     <p:cond delay="0"/>
                                   </p:stCondLst>
                                   <p:childTnLst>
                                     <p:set>
                                       <p:cBhvr>
-                                        <p:cTn id="16" dur="1" fill="hold">
+                                        <p:cTn id="14" dur="1" fill="hold">
                                           <p:stCondLst>
                                             <p:cond delay="0"/>
                                           </p:stCondLst>
@@ -21738,7 +21373,7 @@
                                     </p:set>
                                     <p:animEffect transition="in" filter="fade">
                                       <p:cBhvr>
-                                        <p:cTn id="17" dur="500"/>
+                                        <p:cTn id="15" dur="500"/>
                                         <p:tgtEl>
                                           <p:spTgt spid="3">
                                             <p:txEl>
@@ -21751,33 +21386,15 @@
                                   </p:childTnLst>
                                 </p:cTn>
                               </p:par>
-                            </p:childTnLst>
-                          </p:cTn>
-                        </p:par>
-                      </p:childTnLst>
-                    </p:cTn>
-                  </p:par>
-                  <p:par>
-                    <p:cTn id="18" fill="hold">
-                      <p:stCondLst>
-                        <p:cond delay="indefinite"/>
-                      </p:stCondLst>
-                      <p:childTnLst>
-                        <p:par>
-                          <p:cTn id="19" fill="hold">
-                            <p:stCondLst>
-                              <p:cond delay="0"/>
-                            </p:stCondLst>
-                            <p:childTnLst>
                               <p:par>
-                                <p:cTn id="20" presetID="10" presetClass="entr" presetSubtype="0" fill="hold" grpId="0" nodeType="clickEffect">
+                                <p:cTn id="16" presetID="10" presetClass="entr" presetSubtype="0" fill="hold" grpId="0" nodeType="withEffect">
                                   <p:stCondLst>
                                     <p:cond delay="0"/>
                                   </p:stCondLst>
                                   <p:childTnLst>
                                     <p:set>
                                       <p:cBhvr>
-                                        <p:cTn id="21" dur="1" fill="hold">
+                                        <p:cTn id="17" dur="1" fill="hold">
                                           <p:stCondLst>
                                             <p:cond delay="0"/>
                                           </p:stCondLst>
@@ -21799,7 +21416,7 @@
                                     </p:set>
                                     <p:animEffect transition="in" filter="fade">
                                       <p:cBhvr>
-                                        <p:cTn id="22" dur="500"/>
+                                        <p:cTn id="18" dur="500"/>
                                         <p:tgtEl>
                                           <p:spTgt spid="3">
                                             <p:txEl>
@@ -21812,33 +21429,15 @@
                                   </p:childTnLst>
                                 </p:cTn>
                               </p:par>
-                            </p:childTnLst>
-                          </p:cTn>
-                        </p:par>
-                      </p:childTnLst>
-                    </p:cTn>
-                  </p:par>
-                  <p:par>
-                    <p:cTn id="23" fill="hold">
-                      <p:stCondLst>
-                        <p:cond delay="indefinite"/>
-                      </p:stCondLst>
-                      <p:childTnLst>
-                        <p:par>
-                          <p:cTn id="24" fill="hold">
-                            <p:stCondLst>
-                              <p:cond delay="0"/>
-                            </p:stCondLst>
-                            <p:childTnLst>
                               <p:par>
-                                <p:cTn id="25" presetID="10" presetClass="entr" presetSubtype="0" fill="hold" grpId="0" nodeType="clickEffect">
+                                <p:cTn id="19" presetID="10" presetClass="entr" presetSubtype="0" fill="hold" grpId="0" nodeType="withEffect">
                                   <p:stCondLst>
                                     <p:cond delay="0"/>
                                   </p:stCondLst>
                                   <p:childTnLst>
                                     <p:set>
                                       <p:cBhvr>
-                                        <p:cTn id="26" dur="1" fill="hold">
+                                        <p:cTn id="20" dur="1" fill="hold">
                                           <p:stCondLst>
                                             <p:cond delay="0"/>
                                           </p:stCondLst>
@@ -21860,72 +21459,11 @@
                                     </p:set>
                                     <p:animEffect transition="in" filter="fade">
                                       <p:cBhvr>
-                                        <p:cTn id="27" dur="500"/>
+                                        <p:cTn id="21" dur="500"/>
                                         <p:tgtEl>
                                           <p:spTgt spid="3">
                                             <p:txEl>
                                               <p:pRg st="3" end="3"/>
-                                            </p:txEl>
-                                          </p:spTgt>
-                                        </p:tgtEl>
-                                      </p:cBhvr>
-                                    </p:animEffect>
-                                  </p:childTnLst>
-                                </p:cTn>
-                              </p:par>
-                            </p:childTnLst>
-                          </p:cTn>
-                        </p:par>
-                      </p:childTnLst>
-                    </p:cTn>
-                  </p:par>
-                  <p:par>
-                    <p:cTn id="28" fill="hold">
-                      <p:stCondLst>
-                        <p:cond delay="indefinite"/>
-                      </p:stCondLst>
-                      <p:childTnLst>
-                        <p:par>
-                          <p:cTn id="29" fill="hold">
-                            <p:stCondLst>
-                              <p:cond delay="0"/>
-                            </p:stCondLst>
-                            <p:childTnLst>
-                              <p:par>
-                                <p:cTn id="30" presetID="10" presetClass="entr" presetSubtype="0" fill="hold" grpId="0" nodeType="clickEffect">
-                                  <p:stCondLst>
-                                    <p:cond delay="0"/>
-                                  </p:stCondLst>
-                                  <p:childTnLst>
-                                    <p:set>
-                                      <p:cBhvr>
-                                        <p:cTn id="31" dur="1" fill="hold">
-                                          <p:stCondLst>
-                                            <p:cond delay="0"/>
-                                          </p:stCondLst>
-                                        </p:cTn>
-                                        <p:tgtEl>
-                                          <p:spTgt spid="3">
-                                            <p:txEl>
-                                              <p:pRg st="4" end="4"/>
-                                            </p:txEl>
-                                          </p:spTgt>
-                                        </p:tgtEl>
-                                        <p:attrNameLst>
-                                          <p:attrName>style.visibility</p:attrName>
-                                        </p:attrNameLst>
-                                      </p:cBhvr>
-                                      <p:to>
-                                        <p:strVal val="visible"/>
-                                      </p:to>
-                                    </p:set>
-                                    <p:animEffect transition="in" filter="fade">
-                                      <p:cBhvr>
-                                        <p:cTn id="32" dur="500"/>
-                                        <p:tgtEl>
-                                          <p:spTgt spid="3">
-                                            <p:txEl>
-                                              <p:pRg st="4" end="4"/>
                                             </p:txEl>
                                           </p:spTgt>
                                         </p:tgtEl>
@@ -21969,7 +21507,7 @@
 </p:sld>
 </file>
 
-<file path=ppt/slides/slide7.xml><?xml version="1.0" encoding="utf-8"?>
+<file path=ppt/slides/slide9.xml><?xml version="1.0" encoding="utf-8"?>
 <p:sld xmlns:a="http://schemas.openxmlformats.org/drawingml/2006/main" xmlns:r="http://schemas.openxmlformats.org/officeDocument/2006/relationships" xmlns:p="http://schemas.openxmlformats.org/presentationml/2006/main">
   <p:cSld>
     <p:spTree>
@@ -21998,42 +21536,74 @@
         </p:nvSpPr>
         <p:spPr/>
         <p:txBody>
+          <a:bodyPr>
+            <a:normAutofit/>
+          </a:bodyPr>
+          <a:lstStyle/>
+          <a:p>
+            <a:r>
+              <a:rPr lang="es-CO" dirty="0"/>
+              <a:t>Administración</a:t>
+            </a:r>
+            <a:r>
+              <a:rPr lang="en-US" dirty="0"/>
+              <a:t> y </a:t>
+            </a:r>
+            <a:r>
+              <a:rPr lang="en-US" dirty="0" err="1"/>
+              <a:t>programación</a:t>
+            </a:r>
+            <a:endParaRPr lang="en-US" dirty="0"/>
+          </a:p>
+        </p:txBody>
+      </p:sp>
+      <p:sp>
+        <p:nvSpPr>
+          <p:cNvPr id="3" name="Text Placeholder 2"/>
+          <p:cNvSpPr>
+            <a:spLocks noGrp="1"/>
+          </p:cNvSpPr>
+          <p:nvPr>
+            <p:ph type="body" sz="quarter" idx="10"/>
+          </p:nvPr>
+        </p:nvSpPr>
+        <p:spPr/>
+        <p:txBody>
           <a:bodyPr/>
           <a:lstStyle/>
           <a:p>
-            <a:r>
-              <a:rPr lang="en-US" dirty="0"/>
-              <a:t>Query processor</a:t>
+            <a:pPr lvl="1"/>
+            <a:r>
+              <a:rPr lang="es-CO" dirty="0"/>
+              <a:t>Ejecución en Linux y Docker</a:t>
+            </a:r>
+          </a:p>
+          <a:p>
+            <a:pPr lvl="1"/>
+            <a:r>
+              <a:rPr lang="es-CO" dirty="0"/>
+              <a:t>Tablas temporales</a:t>
+            </a:r>
+          </a:p>
+          <a:p>
+            <a:pPr lvl="1"/>
+            <a:r>
+              <a:rPr lang="es-CO" dirty="0"/>
+              <a:t>Compatibilidad con JSON</a:t>
+            </a:r>
+          </a:p>
+          <a:p>
+            <a:pPr lvl="1"/>
+            <a:r>
+              <a:rPr lang="es-CO" dirty="0"/>
+              <a:t>Compatibilidad con tipos de datos gráficos</a:t>
             </a:r>
           </a:p>
         </p:txBody>
       </p:sp>
-      <p:pic>
-        <p:nvPicPr>
-          <p:cNvPr id="3" name="Picture 2"/>
-          <p:cNvPicPr>
-            <a:picLocks noChangeAspect="1"/>
-          </p:cNvPicPr>
-          <p:nvPr/>
-        </p:nvPicPr>
-        <p:blipFill rotWithShape="1">
-          <a:blip r:embed="rId3"/>
-          <a:srcRect l="4571" t="17143" r="4680" b="17379"/>
-          <a:stretch/>
-        </p:blipFill>
-        <p:spPr>
-          <a:xfrm>
-            <a:off x="2166426" y="2489982"/>
-            <a:ext cx="7849772" cy="3179298"/>
-          </a:xfrm>
-          <a:prstGeom prst="rect">
-            <a:avLst/>
-          </a:prstGeom>
-        </p:spPr>
-      </p:pic>
       <p:sp>
         <p:nvSpPr>
-          <p:cNvPr id="5" name="Folded Corner 4"/>
+          <p:cNvPr id="4" name="Folded Corner 3"/>
           <p:cNvSpPr/>
           <p:nvPr/>
         </p:nvSpPr>
@@ -22072,7 +21642,7 @@
           <a:lstStyle/>
           <a:p>
             <a:r>
-              <a:rPr lang="en-US" sz="2400" dirty="0">
+              <a:rPr lang="es-ES" sz="2400" dirty="0" err="1">
                 <a:solidFill>
                   <a:schemeClr val="tx1"/>
                 </a:solidFill>
@@ -22080,10 +21650,10 @@
                 <a:ea typeface="Source Sans Pro" charset="0"/>
                 <a:cs typeface="Source Sans Pro" charset="0"/>
               </a:rPr>
-              <a:t>To change the image, right-click on the picture and select ”change picture</a:t>
-            </a:r>
-            <a:r>
-              <a:rPr lang="is-IS" sz="2400" dirty="0">
+              <a:t>Maximum</a:t>
+            </a:r>
+            <a:r>
+              <a:rPr lang="es-ES" sz="2400" dirty="0">
                 <a:solidFill>
                   <a:schemeClr val="tx1"/>
                 </a:solidFill>
@@ -22091,12 +21661,10 @@
                 <a:ea typeface="Source Sans Pro" charset="0"/>
                 <a:cs typeface="Source Sans Pro" charset="0"/>
               </a:rPr>
-              <a:t>”.</a:t>
-            </a:r>
-          </a:p>
-          <a:p>
-            <a:r>
-              <a:rPr lang="is-IS" sz="2400" dirty="0">
+              <a:t> 5 </a:t>
+            </a:r>
+            <a:r>
+              <a:rPr lang="es-ES" sz="2400" dirty="0" err="1">
                 <a:solidFill>
                   <a:schemeClr val="tx1"/>
                 </a:solidFill>
@@ -22104,15 +21672,144 @@
                 <a:ea typeface="Source Sans Pro" charset="0"/>
                 <a:cs typeface="Source Sans Pro" charset="0"/>
               </a:rPr>
-              <a:t>The new picture will keep the animation step.</a:t>
-            </a:r>
+              <a:t>bullets</a:t>
+            </a:r>
+            <a:r>
+              <a:rPr lang="es-ES" sz="2400" dirty="0">
+                <a:solidFill>
+                  <a:schemeClr val="tx1"/>
+                </a:solidFill>
+                <a:latin typeface="Source Sans Pro" charset="0"/>
+                <a:ea typeface="Source Sans Pro" charset="0"/>
+                <a:cs typeface="Source Sans Pro" charset="0"/>
+              </a:rPr>
+              <a:t>. </a:t>
+            </a:r>
+            <a:r>
+              <a:rPr lang="es-ES" sz="2400" dirty="0" err="1">
+                <a:solidFill>
+                  <a:schemeClr val="tx1"/>
+                </a:solidFill>
+                <a:latin typeface="Source Sans Pro" charset="0"/>
+                <a:ea typeface="Source Sans Pro" charset="0"/>
+                <a:cs typeface="Source Sans Pro" charset="0"/>
+              </a:rPr>
+              <a:t>If</a:t>
+            </a:r>
+            <a:r>
+              <a:rPr lang="es-ES" sz="2400" dirty="0">
+                <a:solidFill>
+                  <a:schemeClr val="tx1"/>
+                </a:solidFill>
+                <a:latin typeface="Source Sans Pro" charset="0"/>
+                <a:ea typeface="Source Sans Pro" charset="0"/>
+                <a:cs typeface="Source Sans Pro" charset="0"/>
+              </a:rPr>
+              <a:t> </a:t>
+            </a:r>
+            <a:r>
+              <a:rPr lang="es-ES" sz="2400" dirty="0" err="1">
+                <a:solidFill>
+                  <a:schemeClr val="tx1"/>
+                </a:solidFill>
+                <a:latin typeface="Source Sans Pro" charset="0"/>
+                <a:ea typeface="Source Sans Pro" charset="0"/>
+                <a:cs typeface="Source Sans Pro" charset="0"/>
+              </a:rPr>
+              <a:t>you</a:t>
+            </a:r>
+            <a:r>
+              <a:rPr lang="es-ES" sz="2400" dirty="0">
+                <a:solidFill>
+                  <a:schemeClr val="tx1"/>
+                </a:solidFill>
+                <a:latin typeface="Source Sans Pro" charset="0"/>
+                <a:ea typeface="Source Sans Pro" charset="0"/>
+                <a:cs typeface="Source Sans Pro" charset="0"/>
+              </a:rPr>
+              <a:t> </a:t>
+            </a:r>
+            <a:r>
+              <a:rPr lang="es-ES" sz="2400" dirty="0" err="1">
+                <a:solidFill>
+                  <a:schemeClr val="tx1"/>
+                </a:solidFill>
+                <a:latin typeface="Source Sans Pro" charset="0"/>
+                <a:ea typeface="Source Sans Pro" charset="0"/>
+                <a:cs typeface="Source Sans Pro" charset="0"/>
+              </a:rPr>
+              <a:t>need</a:t>
+            </a:r>
+            <a:r>
+              <a:rPr lang="es-ES" sz="2400" dirty="0">
+                <a:solidFill>
+                  <a:schemeClr val="tx1"/>
+                </a:solidFill>
+                <a:latin typeface="Source Sans Pro" charset="0"/>
+                <a:ea typeface="Source Sans Pro" charset="0"/>
+                <a:cs typeface="Source Sans Pro" charset="0"/>
+              </a:rPr>
+              <a:t> more, </a:t>
+            </a:r>
+            <a:r>
+              <a:rPr lang="es-ES" sz="2400" dirty="0" err="1">
+                <a:solidFill>
+                  <a:schemeClr val="tx1"/>
+                </a:solidFill>
+                <a:latin typeface="Source Sans Pro" charset="0"/>
+                <a:ea typeface="Source Sans Pro" charset="0"/>
+                <a:cs typeface="Source Sans Pro" charset="0"/>
+              </a:rPr>
+              <a:t>create</a:t>
+            </a:r>
+            <a:r>
+              <a:rPr lang="es-ES" sz="2400" dirty="0">
+                <a:solidFill>
+                  <a:schemeClr val="tx1"/>
+                </a:solidFill>
+                <a:latin typeface="Source Sans Pro" charset="0"/>
+                <a:ea typeface="Source Sans Pro" charset="0"/>
+                <a:cs typeface="Source Sans Pro" charset="0"/>
+              </a:rPr>
+              <a:t> a new </a:t>
+            </a:r>
+            <a:r>
+              <a:rPr lang="es-ES" sz="2400" dirty="0" err="1">
+                <a:solidFill>
+                  <a:schemeClr val="tx1"/>
+                </a:solidFill>
+                <a:latin typeface="Source Sans Pro" charset="0"/>
+                <a:ea typeface="Source Sans Pro" charset="0"/>
+                <a:cs typeface="Source Sans Pro" charset="0"/>
+              </a:rPr>
+              <a:t>slide</a:t>
+            </a:r>
+            <a:r>
+              <a:rPr lang="es-ES" sz="2400" dirty="0">
+                <a:solidFill>
+                  <a:schemeClr val="tx1"/>
+                </a:solidFill>
+                <a:latin typeface="Source Sans Pro" charset="0"/>
+                <a:ea typeface="Source Sans Pro" charset="0"/>
+                <a:cs typeface="Source Sans Pro" charset="0"/>
+              </a:rPr>
+              <a:t>.</a:t>
+            </a:r>
+            <a:endParaRPr lang="is-IS" sz="2400" dirty="0">
+              <a:solidFill>
+                <a:schemeClr val="tx1"/>
+              </a:solidFill>
+              <a:latin typeface="Source Sans Pro" charset="0"/>
+              <a:ea typeface="Source Sans Pro" charset="0"/>
+              <a:cs typeface="Source Sans Pro" charset="0"/>
+            </a:endParaRPr>
           </a:p>
         </p:txBody>
       </p:sp>
     </p:spTree>
     <p:extLst>
       <p:ext uri="{BB962C8B-B14F-4D97-AF65-F5344CB8AC3E}">
-        <p14:creationId xmlns:p14="http://schemas.microsoft.com/office/powerpoint/2010/main" val="3998504532"/>
+        <p14:creationId xmlns:p14="http://schemas.microsoft.com/office/powerpoint/2010/main" val="2599840945"/>
       </p:ext>
     </p:extLst>
   </p:cSld>
@@ -22193,7 +21890,7 @@
                             </p:stCondLst>
                             <p:childTnLst>
                               <p:par>
-                                <p:cTn id="10" presetID="10" presetClass="entr" presetSubtype="0" fill="hold" nodeType="clickEffect">
+                                <p:cTn id="10" presetID="10" presetClass="entr" presetSubtype="0" fill="hold" grpId="0" nodeType="clickEffect">
                                   <p:stCondLst>
                                     <p:cond delay="0"/>
                                   </p:stCondLst>
@@ -22206,7 +21903,11 @@
                                           </p:stCondLst>
                                         </p:cTn>
                                         <p:tgtEl>
-                                          <p:spTgt spid="3"/>
+                                          <p:spTgt spid="3">
+                                            <p:txEl>
+                                              <p:pRg st="0" end="0"/>
+                                            </p:txEl>
+                                          </p:spTgt>
                                         </p:tgtEl>
                                         <p:attrNameLst>
                                           <p:attrName>style.visibility</p:attrName>
@@ -22220,7 +21921,140 @@
                                       <p:cBhvr>
                                         <p:cTn id="12" dur="500"/>
                                         <p:tgtEl>
-                                          <p:spTgt spid="3"/>
+                                          <p:spTgt spid="3">
+                                            <p:txEl>
+                                              <p:pRg st="0" end="0"/>
+                                            </p:txEl>
+                                          </p:spTgt>
+                                        </p:tgtEl>
+                                      </p:cBhvr>
+                                    </p:animEffect>
+                                  </p:childTnLst>
+                                </p:cTn>
+                              </p:par>
+                              <p:par>
+                                <p:cTn id="13" presetID="10" presetClass="entr" presetSubtype="0" fill="hold" grpId="0" nodeType="withEffect">
+                                  <p:stCondLst>
+                                    <p:cond delay="0"/>
+                                  </p:stCondLst>
+                                  <p:childTnLst>
+                                    <p:set>
+                                      <p:cBhvr>
+                                        <p:cTn id="14" dur="1" fill="hold">
+                                          <p:stCondLst>
+                                            <p:cond delay="0"/>
+                                          </p:stCondLst>
+                                        </p:cTn>
+                                        <p:tgtEl>
+                                          <p:spTgt spid="3">
+                                            <p:txEl>
+                                              <p:pRg st="1" end="1"/>
+                                            </p:txEl>
+                                          </p:spTgt>
+                                        </p:tgtEl>
+                                        <p:attrNameLst>
+                                          <p:attrName>style.visibility</p:attrName>
+                                        </p:attrNameLst>
+                                      </p:cBhvr>
+                                      <p:to>
+                                        <p:strVal val="visible"/>
+                                      </p:to>
+                                    </p:set>
+                                    <p:animEffect transition="in" filter="fade">
+                                      <p:cBhvr>
+                                        <p:cTn id="15" dur="500"/>
+                                        <p:tgtEl>
+                                          <p:spTgt spid="3">
+                                            <p:txEl>
+                                              <p:pRg st="1" end="1"/>
+                                            </p:txEl>
+                                          </p:spTgt>
+                                        </p:tgtEl>
+                                      </p:cBhvr>
+                                    </p:animEffect>
+                                  </p:childTnLst>
+                                </p:cTn>
+                              </p:par>
+                              <p:par>
+                                <p:cTn id="16" presetID="10" presetClass="entr" presetSubtype="0" fill="hold" grpId="0" nodeType="withEffect">
+                                  <p:stCondLst>
+                                    <p:cond delay="0"/>
+                                  </p:stCondLst>
+                                  <p:childTnLst>
+                                    <p:set>
+                                      <p:cBhvr>
+                                        <p:cTn id="17" dur="1" fill="hold">
+                                          <p:stCondLst>
+                                            <p:cond delay="0"/>
+                                          </p:stCondLst>
+                                        </p:cTn>
+                                        <p:tgtEl>
+                                          <p:spTgt spid="3">
+                                            <p:txEl>
+                                              <p:pRg st="2" end="2"/>
+                                            </p:txEl>
+                                          </p:spTgt>
+                                        </p:tgtEl>
+                                        <p:attrNameLst>
+                                          <p:attrName>style.visibility</p:attrName>
+                                        </p:attrNameLst>
+                                      </p:cBhvr>
+                                      <p:to>
+                                        <p:strVal val="visible"/>
+                                      </p:to>
+                                    </p:set>
+                                    <p:animEffect transition="in" filter="fade">
+                                      <p:cBhvr>
+                                        <p:cTn id="18" dur="500"/>
+                                        <p:tgtEl>
+                                          <p:spTgt spid="3">
+                                            <p:txEl>
+                                              <p:pRg st="2" end="2"/>
+                                            </p:txEl>
+                                          </p:spTgt>
+                                        </p:tgtEl>
+                                      </p:cBhvr>
+                                    </p:animEffect>
+                                  </p:childTnLst>
+                                </p:cTn>
+                              </p:par>
+                              <p:par>
+                                <p:cTn id="19" presetID="10" presetClass="entr" presetSubtype="0" fill="hold" grpId="0" nodeType="withEffect">
+                                  <p:stCondLst>
+                                    <p:cond delay="0"/>
+                                  </p:stCondLst>
+                                  <p:childTnLst>
+                                    <p:set>
+                                      <p:cBhvr>
+                                        <p:cTn id="20" dur="1" fill="hold">
+                                          <p:stCondLst>
+                                            <p:cond delay="0"/>
+                                          </p:stCondLst>
+                                        </p:cTn>
+                                        <p:tgtEl>
+                                          <p:spTgt spid="3">
+                                            <p:txEl>
+                                              <p:pRg st="3" end="3"/>
+                                            </p:txEl>
+                                          </p:spTgt>
+                                        </p:tgtEl>
+                                        <p:attrNameLst>
+                                          <p:attrName>style.visibility</p:attrName>
+                                        </p:attrNameLst>
+                                      </p:cBhvr>
+                                      <p:to>
+                                        <p:strVal val="visible"/>
+                                      </p:to>
+                                    </p:set>
+                                    <p:animEffect transition="in" filter="fade">
+                                      <p:cBhvr>
+                                        <p:cTn id="21" dur="500"/>
+                                        <p:tgtEl>
+                                          <p:spTgt spid="3">
+                                            <p:txEl>
+                                              <p:pRg st="3" end="3"/>
+                                            </p:txEl>
+                                          </p:spTgt>
                                         </p:tgtEl>
                                       </p:cBhvr>
                                     </p:animEffect>
@@ -22256,590 +22090,7 @@
     </p:tnLst>
     <p:bldLst>
       <p:bldP spid="2" grpId="0"/>
-    </p:bldLst>
-  </p:timing>
-</p:sld>
-</file>
-
-<file path=ppt/slides/slide8.xml><?xml version="1.0" encoding="utf-8"?>
-<p:sld xmlns:a="http://schemas.openxmlformats.org/drawingml/2006/main" xmlns:r="http://schemas.openxmlformats.org/officeDocument/2006/relationships" xmlns:p="http://schemas.openxmlformats.org/presentationml/2006/main">
-  <p:cSld>
-    <p:spTree>
-      <p:nvGrpSpPr>
-        <p:cNvPr id="1" name=""/>
-        <p:cNvGrpSpPr/>
-        <p:nvPr/>
-      </p:nvGrpSpPr>
-      <p:grpSpPr>
-        <a:xfrm>
-          <a:off x="0" y="0"/>
-          <a:ext cx="0" cy="0"/>
-          <a:chOff x="0" y="0"/>
-          <a:chExt cx="0" cy="0"/>
-        </a:xfrm>
-      </p:grpSpPr>
-      <p:sp>
-        <p:nvSpPr>
-          <p:cNvPr id="2" name="Title 1"/>
-          <p:cNvSpPr>
-            <a:spLocks noGrp="1"/>
-          </p:cNvSpPr>
-          <p:nvPr>
-            <p:ph type="title"/>
-          </p:nvPr>
-        </p:nvSpPr>
-        <p:spPr/>
-        <p:txBody>
-          <a:bodyPr/>
-          <a:lstStyle/>
-          <a:p>
-            <a:r>
-              <a:rPr lang="en-US" dirty="0"/>
-              <a:t>Storage Engine</a:t>
-            </a:r>
-          </a:p>
-        </p:txBody>
-      </p:sp>
-      <p:pic>
-        <p:nvPicPr>
-          <p:cNvPr id="3" name="Picture 2"/>
-          <p:cNvPicPr>
-            <a:picLocks noChangeAspect="1"/>
-          </p:cNvPicPr>
-          <p:nvPr/>
-        </p:nvPicPr>
-        <p:blipFill>
-          <a:blip r:embed="rId3"/>
-          <a:srcRect/>
-          <a:stretch/>
-        </p:blipFill>
-        <p:spPr>
-          <a:xfrm>
-            <a:off x="1771065" y="1657629"/>
-            <a:ext cx="8649869" cy="4855460"/>
-          </a:xfrm>
-          <a:prstGeom prst="rect">
-            <a:avLst/>
-          </a:prstGeom>
-        </p:spPr>
-      </p:pic>
-      <p:sp>
-        <p:nvSpPr>
-          <p:cNvPr id="5" name="Folded Corner 4"/>
-          <p:cNvSpPr/>
-          <p:nvPr/>
-        </p:nvSpPr>
-        <p:spPr>
-          <a:xfrm>
-            <a:off x="1408766" y="7149937"/>
-            <a:ext cx="4709646" cy="2263003"/>
-          </a:xfrm>
-          <a:prstGeom prst="foldedCorner">
-            <a:avLst/>
-          </a:prstGeom>
-          <a:solidFill>
-            <a:srgbClr val="FFC000"/>
-          </a:solidFill>
-          <a:ln>
-            <a:noFill/>
-          </a:ln>
-          <a:effectLst/>
-        </p:spPr>
-        <p:style>
-          <a:lnRef idx="1">
-            <a:schemeClr val="accent1"/>
-          </a:lnRef>
-          <a:fillRef idx="3">
-            <a:schemeClr val="accent1"/>
-          </a:fillRef>
-          <a:effectRef idx="2">
-            <a:schemeClr val="accent1"/>
-          </a:effectRef>
-          <a:fontRef idx="minor">
-            <a:schemeClr val="lt1"/>
-          </a:fontRef>
-        </p:style>
-        <p:txBody>
-          <a:bodyPr lIns="274320" tIns="274320" rIns="274320" rtlCol="0" anchor="t"/>
-          <a:lstStyle/>
-          <a:p>
-            <a:r>
-              <a:rPr lang="en-US" sz="2400" dirty="0">
-                <a:solidFill>
-                  <a:schemeClr val="tx1"/>
-                </a:solidFill>
-                <a:latin typeface="Source Sans Pro" charset="0"/>
-                <a:ea typeface="Source Sans Pro" charset="0"/>
-                <a:cs typeface="Source Sans Pro" charset="0"/>
-              </a:rPr>
-              <a:t>To change the image, right-click on the picture and select ”change picture</a:t>
-            </a:r>
-            <a:r>
-              <a:rPr lang="is-IS" sz="2400" dirty="0">
-                <a:solidFill>
-                  <a:schemeClr val="tx1"/>
-                </a:solidFill>
-                <a:latin typeface="Source Sans Pro" charset="0"/>
-                <a:ea typeface="Source Sans Pro" charset="0"/>
-                <a:cs typeface="Source Sans Pro" charset="0"/>
-              </a:rPr>
-              <a:t>”.</a:t>
-            </a:r>
-          </a:p>
-          <a:p>
-            <a:r>
-              <a:rPr lang="is-IS" sz="2400" dirty="0">
-                <a:solidFill>
-                  <a:schemeClr val="tx1"/>
-                </a:solidFill>
-                <a:latin typeface="Source Sans Pro" charset="0"/>
-                <a:ea typeface="Source Sans Pro" charset="0"/>
-                <a:cs typeface="Source Sans Pro" charset="0"/>
-              </a:rPr>
-              <a:t>The new picture will keep the animation step.</a:t>
-            </a:r>
-          </a:p>
-        </p:txBody>
-      </p:sp>
-    </p:spTree>
-    <p:extLst>
-      <p:ext uri="{BB962C8B-B14F-4D97-AF65-F5344CB8AC3E}">
-        <p14:creationId xmlns:p14="http://schemas.microsoft.com/office/powerpoint/2010/main" val="4197191089"/>
-      </p:ext>
-    </p:extLst>
-  </p:cSld>
-  <p:clrMapOvr>
-    <a:masterClrMapping/>
-  </p:clrMapOvr>
-  <p:timing>
-    <p:tnLst>
-      <p:par>
-        <p:cTn id="1" dur="indefinite" restart="never" nodeType="tmRoot">
-          <p:childTnLst>
-            <p:seq concurrent="1" nextAc="seek">
-              <p:cTn id="2" dur="indefinite" nodeType="mainSeq">
-                <p:childTnLst>
-                  <p:par>
-                    <p:cTn id="3" fill="hold">
-                      <p:stCondLst>
-                        <p:cond delay="indefinite"/>
-                      </p:stCondLst>
-                      <p:childTnLst>
-                        <p:par>
-                          <p:cTn id="4" fill="hold">
-                            <p:stCondLst>
-                              <p:cond delay="0"/>
-                            </p:stCondLst>
-                            <p:childTnLst>
-                              <p:par>
-                                <p:cTn id="5" presetID="10" presetClass="entr" presetSubtype="0" fill="hold" grpId="0" nodeType="clickEffect">
-                                  <p:stCondLst>
-                                    <p:cond delay="0"/>
-                                  </p:stCondLst>
-                                  <p:childTnLst>
-                                    <p:set>
-                                      <p:cBhvr>
-                                        <p:cTn id="6" dur="1" fill="hold">
-                                          <p:stCondLst>
-                                            <p:cond delay="0"/>
-                                          </p:stCondLst>
-                                        </p:cTn>
-                                        <p:tgtEl>
-                                          <p:spTgt spid="2"/>
-                                        </p:tgtEl>
-                                        <p:attrNameLst>
-                                          <p:attrName>style.visibility</p:attrName>
-                                        </p:attrNameLst>
-                                      </p:cBhvr>
-                                      <p:to>
-                                        <p:strVal val="visible"/>
-                                      </p:to>
-                                    </p:set>
-                                    <p:animEffect transition="in" filter="fade">
-                                      <p:cBhvr>
-                                        <p:cTn id="7" dur="500"/>
-                                        <p:tgtEl>
-                                          <p:spTgt spid="2"/>
-                                        </p:tgtEl>
-                                      </p:cBhvr>
-                                    </p:animEffect>
-                                  </p:childTnLst>
-                                </p:cTn>
-                              </p:par>
-                            </p:childTnLst>
-                          </p:cTn>
-                        </p:par>
-                      </p:childTnLst>
-                    </p:cTn>
-                  </p:par>
-                  <p:par>
-                    <p:cTn id="8" fill="hold">
-                      <p:stCondLst>
-                        <p:cond delay="indefinite"/>
-                      </p:stCondLst>
-                      <p:childTnLst>
-                        <p:par>
-                          <p:cTn id="9" fill="hold">
-                            <p:stCondLst>
-                              <p:cond delay="0"/>
-                            </p:stCondLst>
-                            <p:childTnLst>
-                              <p:par>
-                                <p:cTn id="10" presetID="10" presetClass="entr" presetSubtype="0" fill="hold" nodeType="clickEffect">
-                                  <p:stCondLst>
-                                    <p:cond delay="0"/>
-                                  </p:stCondLst>
-                                  <p:childTnLst>
-                                    <p:set>
-                                      <p:cBhvr>
-                                        <p:cTn id="11" dur="1" fill="hold">
-                                          <p:stCondLst>
-                                            <p:cond delay="0"/>
-                                          </p:stCondLst>
-                                        </p:cTn>
-                                        <p:tgtEl>
-                                          <p:spTgt spid="3"/>
-                                        </p:tgtEl>
-                                        <p:attrNameLst>
-                                          <p:attrName>style.visibility</p:attrName>
-                                        </p:attrNameLst>
-                                      </p:cBhvr>
-                                      <p:to>
-                                        <p:strVal val="visible"/>
-                                      </p:to>
-                                    </p:set>
-                                    <p:animEffect transition="in" filter="fade">
-                                      <p:cBhvr>
-                                        <p:cTn id="12" dur="500"/>
-                                        <p:tgtEl>
-                                          <p:spTgt spid="3"/>
-                                        </p:tgtEl>
-                                      </p:cBhvr>
-                                    </p:animEffect>
-                                  </p:childTnLst>
-                                </p:cTn>
-                              </p:par>
-                            </p:childTnLst>
-                          </p:cTn>
-                        </p:par>
-                      </p:childTnLst>
-                    </p:cTn>
-                  </p:par>
-                </p:childTnLst>
-              </p:cTn>
-              <p:prevCondLst>
-                <p:cond evt="onPrev" delay="0">
-                  <p:tgtEl>
-                    <p:sldTgt/>
-                  </p:tgtEl>
-                </p:cond>
-              </p:prevCondLst>
-              <p:nextCondLst>
-                <p:cond evt="onNext" delay="0">
-                  <p:tgtEl>
-                    <p:sldTgt/>
-                  </p:tgtEl>
-                </p:cond>
-              </p:nextCondLst>
-            </p:seq>
-          </p:childTnLst>
-        </p:cTn>
-      </p:par>
-    </p:tnLst>
-    <p:bldLst>
-      <p:bldP spid="2" grpId="0"/>
-    </p:bldLst>
-  </p:timing>
-</p:sld>
-</file>
-
-<file path=ppt/slides/slide9.xml><?xml version="1.0" encoding="utf-8"?>
-<p:sld xmlns:a="http://schemas.openxmlformats.org/drawingml/2006/main" xmlns:r="http://schemas.openxmlformats.org/officeDocument/2006/relationships" xmlns:p="http://schemas.openxmlformats.org/presentationml/2006/main">
-  <p:cSld>
-    <p:spTree>
-      <p:nvGrpSpPr>
-        <p:cNvPr id="1" name=""/>
-        <p:cNvGrpSpPr/>
-        <p:nvPr/>
-      </p:nvGrpSpPr>
-      <p:grpSpPr>
-        <a:xfrm>
-          <a:off x="0" y="0"/>
-          <a:ext cx="0" cy="0"/>
-          <a:chOff x="0" y="0"/>
-          <a:chExt cx="0" cy="0"/>
-        </a:xfrm>
-      </p:grpSpPr>
-      <p:sp>
-        <p:nvSpPr>
-          <p:cNvPr id="2" name="Title 1"/>
-          <p:cNvSpPr>
-            <a:spLocks noGrp="1"/>
-          </p:cNvSpPr>
-          <p:nvPr>
-            <p:ph type="title"/>
-          </p:nvPr>
-        </p:nvSpPr>
-        <p:spPr/>
-        <p:txBody>
-          <a:bodyPr/>
-          <a:lstStyle/>
-          <a:p>
-            <a:r>
-              <a:rPr lang="en-US" dirty="0"/>
-              <a:t>SQLOS</a:t>
-            </a:r>
-          </a:p>
-        </p:txBody>
-      </p:sp>
-      <p:pic>
-        <p:nvPicPr>
-          <p:cNvPr id="3" name="Picture 2"/>
-          <p:cNvPicPr>
-            <a:picLocks noChangeAspect="1"/>
-          </p:cNvPicPr>
-          <p:nvPr/>
-        </p:nvPicPr>
-        <p:blipFill rotWithShape="1">
-          <a:blip r:embed="rId3"/>
-          <a:srcRect l="2456" t="17142" b="26698"/>
-          <a:stretch/>
-        </p:blipFill>
-        <p:spPr>
-          <a:xfrm>
-            <a:off x="1983545" y="2489982"/>
-            <a:ext cx="8437389" cy="2726794"/>
-          </a:xfrm>
-          <a:prstGeom prst="rect">
-            <a:avLst/>
-          </a:prstGeom>
-        </p:spPr>
-      </p:pic>
-      <p:sp>
-        <p:nvSpPr>
-          <p:cNvPr id="5" name="Folded Corner 4"/>
-          <p:cNvSpPr/>
-          <p:nvPr/>
-        </p:nvSpPr>
-        <p:spPr>
-          <a:xfrm>
-            <a:off x="1408766" y="7149937"/>
-            <a:ext cx="4709646" cy="2263003"/>
-          </a:xfrm>
-          <a:prstGeom prst="foldedCorner">
-            <a:avLst/>
-          </a:prstGeom>
-          <a:solidFill>
-            <a:srgbClr val="FFC000"/>
-          </a:solidFill>
-          <a:ln>
-            <a:noFill/>
-          </a:ln>
-          <a:effectLst/>
-        </p:spPr>
-        <p:style>
-          <a:lnRef idx="1">
-            <a:schemeClr val="accent1"/>
-          </a:lnRef>
-          <a:fillRef idx="3">
-            <a:schemeClr val="accent1"/>
-          </a:fillRef>
-          <a:effectRef idx="2">
-            <a:schemeClr val="accent1"/>
-          </a:effectRef>
-          <a:fontRef idx="minor">
-            <a:schemeClr val="lt1"/>
-          </a:fontRef>
-        </p:style>
-        <p:txBody>
-          <a:bodyPr lIns="274320" tIns="274320" rIns="274320" rtlCol="0" anchor="t"/>
-          <a:lstStyle/>
-          <a:p>
-            <a:r>
-              <a:rPr lang="en-US" sz="2400" dirty="0">
-                <a:solidFill>
-                  <a:schemeClr val="tx1"/>
-                </a:solidFill>
-                <a:latin typeface="Source Sans Pro" charset="0"/>
-                <a:ea typeface="Source Sans Pro" charset="0"/>
-                <a:cs typeface="Source Sans Pro" charset="0"/>
-              </a:rPr>
-              <a:t>To change the image, right-click on the picture and select ”change picture</a:t>
-            </a:r>
-            <a:r>
-              <a:rPr lang="is-IS" sz="2400" dirty="0">
-                <a:solidFill>
-                  <a:schemeClr val="tx1"/>
-                </a:solidFill>
-                <a:latin typeface="Source Sans Pro" charset="0"/>
-                <a:ea typeface="Source Sans Pro" charset="0"/>
-                <a:cs typeface="Source Sans Pro" charset="0"/>
-              </a:rPr>
-              <a:t>”.</a:t>
-            </a:r>
-          </a:p>
-          <a:p>
-            <a:r>
-              <a:rPr lang="is-IS" sz="2400" dirty="0">
-                <a:solidFill>
-                  <a:schemeClr val="tx1"/>
-                </a:solidFill>
-                <a:latin typeface="Source Sans Pro" charset="0"/>
-                <a:ea typeface="Source Sans Pro" charset="0"/>
-                <a:cs typeface="Source Sans Pro" charset="0"/>
-              </a:rPr>
-              <a:t>The new picture will keep the animation step.</a:t>
-            </a:r>
-          </a:p>
-        </p:txBody>
-      </p:sp>
-    </p:spTree>
-    <p:extLst>
-      <p:ext uri="{BB962C8B-B14F-4D97-AF65-F5344CB8AC3E}">
-        <p14:creationId xmlns:p14="http://schemas.microsoft.com/office/powerpoint/2010/main" val="2741314872"/>
-      </p:ext>
-    </p:extLst>
-  </p:cSld>
-  <p:clrMapOvr>
-    <a:masterClrMapping/>
-  </p:clrMapOvr>
-  <p:timing>
-    <p:tnLst>
-      <p:par>
-        <p:cTn id="1" dur="indefinite" restart="never" nodeType="tmRoot">
-          <p:childTnLst>
-            <p:seq concurrent="1" nextAc="seek">
-              <p:cTn id="2" dur="indefinite" nodeType="mainSeq">
-                <p:childTnLst>
-                  <p:par>
-                    <p:cTn id="3" fill="hold">
-                      <p:stCondLst>
-                        <p:cond delay="indefinite"/>
-                      </p:stCondLst>
-                      <p:childTnLst>
-                        <p:par>
-                          <p:cTn id="4" fill="hold">
-                            <p:stCondLst>
-                              <p:cond delay="0"/>
-                            </p:stCondLst>
-                            <p:childTnLst>
-                              <p:par>
-                                <p:cTn id="5" presetID="10" presetClass="entr" presetSubtype="0" fill="hold" grpId="0" nodeType="clickEffect">
-                                  <p:stCondLst>
-                                    <p:cond delay="0"/>
-                                  </p:stCondLst>
-                                  <p:childTnLst>
-                                    <p:set>
-                                      <p:cBhvr>
-                                        <p:cTn id="6" dur="1" fill="hold">
-                                          <p:stCondLst>
-                                            <p:cond delay="0"/>
-                                          </p:stCondLst>
-                                        </p:cTn>
-                                        <p:tgtEl>
-                                          <p:spTgt spid="2"/>
-                                        </p:tgtEl>
-                                        <p:attrNameLst>
-                                          <p:attrName>style.visibility</p:attrName>
-                                        </p:attrNameLst>
-                                      </p:cBhvr>
-                                      <p:to>
-                                        <p:strVal val="visible"/>
-                                      </p:to>
-                                    </p:set>
-                                    <p:animEffect transition="in" filter="fade">
-                                      <p:cBhvr>
-                                        <p:cTn id="7" dur="500"/>
-                                        <p:tgtEl>
-                                          <p:spTgt spid="2"/>
-                                        </p:tgtEl>
-                                      </p:cBhvr>
-                                    </p:animEffect>
-                                  </p:childTnLst>
-                                </p:cTn>
-                              </p:par>
-                            </p:childTnLst>
-                          </p:cTn>
-                        </p:par>
-                      </p:childTnLst>
-                    </p:cTn>
-                  </p:par>
-                  <p:par>
-                    <p:cTn id="8" fill="hold">
-                      <p:stCondLst>
-                        <p:cond delay="indefinite"/>
-                      </p:stCondLst>
-                      <p:childTnLst>
-                        <p:par>
-                          <p:cTn id="9" fill="hold">
-                            <p:stCondLst>
-                              <p:cond delay="0"/>
-                            </p:stCondLst>
-                            <p:childTnLst>
-                              <p:par>
-                                <p:cTn id="10" presetID="10" presetClass="entr" presetSubtype="0" fill="hold" nodeType="clickEffect">
-                                  <p:stCondLst>
-                                    <p:cond delay="0"/>
-                                  </p:stCondLst>
-                                  <p:childTnLst>
-                                    <p:set>
-                                      <p:cBhvr>
-                                        <p:cTn id="11" dur="1" fill="hold">
-                                          <p:stCondLst>
-                                            <p:cond delay="0"/>
-                                          </p:stCondLst>
-                                        </p:cTn>
-                                        <p:tgtEl>
-                                          <p:spTgt spid="3"/>
-                                        </p:tgtEl>
-                                        <p:attrNameLst>
-                                          <p:attrName>style.visibility</p:attrName>
-                                        </p:attrNameLst>
-                                      </p:cBhvr>
-                                      <p:to>
-                                        <p:strVal val="visible"/>
-                                      </p:to>
-                                    </p:set>
-                                    <p:animEffect transition="in" filter="fade">
-                                      <p:cBhvr>
-                                        <p:cTn id="12" dur="500"/>
-                                        <p:tgtEl>
-                                          <p:spTgt spid="3"/>
-                                        </p:tgtEl>
-                                      </p:cBhvr>
-                                    </p:animEffect>
-                                  </p:childTnLst>
-                                </p:cTn>
-                              </p:par>
-                            </p:childTnLst>
-                          </p:cTn>
-                        </p:par>
-                      </p:childTnLst>
-                    </p:cTn>
-                  </p:par>
-                </p:childTnLst>
-              </p:cTn>
-              <p:prevCondLst>
-                <p:cond evt="onPrev" delay="0">
-                  <p:tgtEl>
-                    <p:sldTgt/>
-                  </p:tgtEl>
-                </p:cond>
-              </p:prevCondLst>
-              <p:nextCondLst>
-                <p:cond evt="onNext" delay="0">
-                  <p:tgtEl>
-                    <p:sldTgt/>
-                  </p:tgtEl>
-                </p:cond>
-              </p:nextCondLst>
-            </p:seq>
-          </p:childTnLst>
-        </p:cTn>
-      </p:par>
-    </p:tnLst>
-    <p:bldLst>
-      <p:bldP spid="2" grpId="0"/>
+      <p:bldP spid="3" grpId="0" build="p"/>
     </p:bldLst>
   </p:timing>
 </p:sld>
